--- a/model/【モデル図】てなろぼ★ぷらいまりぃ_2025(工夫点加筆).pptx
+++ b/model/【モデル図】てなろぼ★ぷらいまりぃ_2025(工夫点加筆).pptx
@@ -17,7 +17,7 @@
     <p:sldId id="259" r:id="rId5"/>
     <p:sldId id="260" r:id="rId6"/>
     <p:sldId id="274" r:id="rId7"/>
-    <p:sldId id="262" r:id="rId8"/>
+    <p:sldId id="276" r:id="rId8"/>
   </p:sldIdLst>
   <p:sldSz cx="15119350" cy="10691813"/>
   <p:notesSz cx="14597063" cy="21107400"/>
@@ -159,7 +159,7 @@
             <p14:sldId id="259"/>
             <p14:sldId id="260"/>
             <p14:sldId id="274"/>
-            <p14:sldId id="262"/>
+            <p14:sldId id="276"/>
           </p14:sldIdLst>
         </p14:section>
       </p14:sectionLst>
@@ -15255,7 +15255,13 @@
   <p:cSld>
     <p:spTree>
       <p:nvGrpSpPr>
-        <p:cNvPr id="1" name=""/>
+        <p:cNvPr id="1" name="">
+          <a:extLst>
+            <a:ext uri="{FF2B5EF4-FFF2-40B4-BE49-F238E27FC236}">
+              <a16:creationId xmlns:a16="http://schemas.microsoft.com/office/drawing/2014/main" id="{C7716E57-B4F5-68FC-A433-1497F6DA2FB7}"/>
+            </a:ext>
+          </a:extLst>
+        </p:cNvPr>
         <p:cNvGrpSpPr/>
         <p:nvPr/>
       </p:nvGrpSpPr>
@@ -15272,7 +15278,7 @@
           <p:cNvPr id="4" name="図 3">
             <a:extLst>
               <a:ext uri="{FF2B5EF4-FFF2-40B4-BE49-F238E27FC236}">
-                <a16:creationId xmlns:a16="http://schemas.microsoft.com/office/drawing/2014/main" id="{0D6C1621-635F-D93E-0B7D-9404324AC636}"/>
+                <a16:creationId xmlns:a16="http://schemas.microsoft.com/office/drawing/2014/main" id="{0ACDFE0C-F188-FBC2-8AA5-03E18FB457A8}"/>
               </a:ext>
             </a:extLst>
           </p:cNvPr>
@@ -15302,7 +15308,7 @@
           <p:cNvPr id="9" name="Google Shape;92;p3">
             <a:extLst>
               <a:ext uri="{FF2B5EF4-FFF2-40B4-BE49-F238E27FC236}">
-                <a16:creationId xmlns:a16="http://schemas.microsoft.com/office/drawing/2014/main" id="{635D4E41-5887-0542-301B-246B48D8951A}"/>
+                <a16:creationId xmlns:a16="http://schemas.microsoft.com/office/drawing/2014/main" id="{B5AA79DD-ABEB-ADEF-4D17-B546465D5C05}"/>
               </a:ext>
             </a:extLst>
           </p:cNvPr>
@@ -15638,7 +15644,7 @@
           <p:cNvPr id="10" name="Google Shape;110;p3">
             <a:extLst>
               <a:ext uri="{FF2B5EF4-FFF2-40B4-BE49-F238E27FC236}">
-                <a16:creationId xmlns:a16="http://schemas.microsoft.com/office/drawing/2014/main" id="{02857EBB-B19C-ECDE-73EA-D8C3AC393696}"/>
+                <a16:creationId xmlns:a16="http://schemas.microsoft.com/office/drawing/2014/main" id="{02F0CD1A-C4BE-28D8-791D-81084EC0EA12}"/>
               </a:ext>
             </a:extLst>
           </p:cNvPr>
@@ -15940,7 +15946,7 @@
           <p:cNvPr id="11" name="Google Shape;127;p4">
             <a:extLst>
               <a:ext uri="{FF2B5EF4-FFF2-40B4-BE49-F238E27FC236}">
-                <a16:creationId xmlns:a16="http://schemas.microsoft.com/office/drawing/2014/main" id="{7B82F06B-A0EB-461B-D4F5-ABB06137A7AD}"/>
+                <a16:creationId xmlns:a16="http://schemas.microsoft.com/office/drawing/2014/main" id="{3DAD07E4-5026-7B8D-9704-2691FB5B8FD6}"/>
               </a:ext>
             </a:extLst>
           </p:cNvPr>
@@ -15967,12 +15973,1579 @@
           </a:ln>
         </p:spPr>
       </p:cxnSp>
+      <p:sp>
+        <p:nvSpPr>
+          <p:cNvPr id="2" name="テキスト ボックス 1">
+            <a:extLst>
+              <a:ext uri="{FF2B5EF4-FFF2-40B4-BE49-F238E27FC236}">
+                <a16:creationId xmlns:a16="http://schemas.microsoft.com/office/drawing/2014/main" id="{954ED616-D304-92C3-0CE4-7A6A1D99A0EE}"/>
+              </a:ext>
+            </a:extLst>
+          </p:cNvPr>
+          <p:cNvSpPr txBox="1"/>
+          <p:nvPr/>
+        </p:nvSpPr>
+        <p:spPr>
+          <a:xfrm>
+            <a:off x="718915" y="773430"/>
+            <a:ext cx="1569660" cy="369332"/>
+          </a:xfrm>
+          <a:prstGeom prst="rect">
+            <a:avLst/>
+          </a:prstGeom>
+          <a:noFill/>
+        </p:spPr>
+        <p:txBody>
+          <a:bodyPr wrap="none" rtlCol="0">
+            <a:spAutoFit/>
+          </a:bodyPr>
+          <a:lstStyle/>
+          <a:p>
+            <a:r>
+              <a:rPr lang="ja-JP" altLang="en-US" sz="1800" b="1" dirty="0">
+                <a:solidFill>
+                  <a:schemeClr val="tx1">
+                    <a:lumMod val="85000"/>
+                    <a:lumOff val="15000"/>
+                  </a:schemeClr>
+                </a:solidFill>
+                <a:latin typeface="メイリオ" panose="020B0604030504040204" pitchFamily="50" charset="-128"/>
+                <a:ea typeface="メイリオ" panose="020B0604030504040204" pitchFamily="50" charset="-128"/>
+              </a:rPr>
+              <a:t>直面した課題</a:t>
+            </a:r>
+            <a:endParaRPr kumimoji="1" lang="ja-JP" altLang="en-US" sz="1800" b="1" dirty="0">
+              <a:solidFill>
+                <a:schemeClr val="tx1">
+                  <a:lumMod val="85000"/>
+                  <a:lumOff val="15000"/>
+                </a:schemeClr>
+              </a:solidFill>
+              <a:latin typeface="メイリオ" panose="020B0604030504040204" pitchFamily="50" charset="-128"/>
+              <a:ea typeface="メイリオ" panose="020B0604030504040204" pitchFamily="50" charset="-128"/>
+            </a:endParaRPr>
+          </a:p>
+        </p:txBody>
+      </p:sp>
+      <p:sp>
+        <p:nvSpPr>
+          <p:cNvPr id="3" name="テキスト ボックス 2">
+            <a:extLst>
+              <a:ext uri="{FF2B5EF4-FFF2-40B4-BE49-F238E27FC236}">
+                <a16:creationId xmlns:a16="http://schemas.microsoft.com/office/drawing/2014/main" id="{8C9BE551-D9DA-1120-4AD0-1E7F2CEA7B67}"/>
+              </a:ext>
+            </a:extLst>
+          </p:cNvPr>
+          <p:cNvSpPr txBox="1"/>
+          <p:nvPr/>
+        </p:nvSpPr>
+        <p:spPr>
+          <a:xfrm>
+            <a:off x="718915" y="1418560"/>
+            <a:ext cx="6192688" cy="1200329"/>
+          </a:xfrm>
+          <a:prstGeom prst="rect">
+            <a:avLst/>
+          </a:prstGeom>
+          <a:noFill/>
+        </p:spPr>
+        <p:txBody>
+          <a:bodyPr wrap="square" rtlCol="0">
+            <a:spAutoFit/>
+          </a:bodyPr>
+          <a:lstStyle/>
+          <a:p>
+            <a:pPr marL="285750" indent="-285750">
+              <a:buFont typeface="Arial" panose="020B0604020202020204" pitchFamily="34" charset="0"/>
+              <a:buChar char="•"/>
+            </a:pPr>
+            <a:r>
+              <a:rPr kumimoji="1" lang="ja-JP" altLang="en-US" sz="1800" dirty="0">
+                <a:solidFill>
+                  <a:schemeClr val="tx1">
+                    <a:lumMod val="85000"/>
+                    <a:lumOff val="15000"/>
+                  </a:schemeClr>
+                </a:solidFill>
+                <a:latin typeface="メイリオ" panose="020B0604030504040204" pitchFamily="50" charset="-128"/>
+                <a:ea typeface="メイリオ" panose="020B0604030504040204" pitchFamily="50" charset="-128"/>
+              </a:rPr>
+              <a:t>ダブルループの攻略中、ロボットがラインを見失って暴走してしまうことがあった。</a:t>
+            </a:r>
+            <a:endParaRPr kumimoji="1" lang="en-US" altLang="ja-JP" sz="1800" dirty="0">
+              <a:solidFill>
+                <a:schemeClr val="tx1">
+                  <a:lumMod val="85000"/>
+                  <a:lumOff val="15000"/>
+                </a:schemeClr>
+              </a:solidFill>
+              <a:latin typeface="メイリオ" panose="020B0604030504040204" pitchFamily="50" charset="-128"/>
+              <a:ea typeface="メイリオ" panose="020B0604030504040204" pitchFamily="50" charset="-128"/>
+            </a:endParaRPr>
+          </a:p>
+          <a:p>
+            <a:pPr marL="285750" indent="-285750">
+              <a:buFont typeface="Arial" panose="020B0604020202020204" pitchFamily="34" charset="0"/>
+              <a:buChar char="•"/>
+            </a:pPr>
+            <a:r>
+              <a:rPr lang="ja-JP" altLang="en-US" sz="1800" dirty="0">
+                <a:solidFill>
+                  <a:schemeClr val="tx1">
+                    <a:lumMod val="85000"/>
+                    <a:lumOff val="15000"/>
+                  </a:schemeClr>
+                </a:solidFill>
+                <a:latin typeface="メイリオ" panose="020B0604030504040204" pitchFamily="50" charset="-128"/>
+                <a:ea typeface="メイリオ" panose="020B0604030504040204" pitchFamily="50" charset="-128"/>
+              </a:rPr>
+              <a:t>そのまま走行を続けるとコースアウトになり、競技の完走が不可能になる。</a:t>
+            </a:r>
+            <a:endParaRPr lang="en-US" altLang="ja-JP" sz="1800" dirty="0">
+              <a:solidFill>
+                <a:schemeClr val="tx1">
+                  <a:lumMod val="85000"/>
+                  <a:lumOff val="15000"/>
+                </a:schemeClr>
+              </a:solidFill>
+              <a:latin typeface="メイリオ" panose="020B0604030504040204" pitchFamily="50" charset="-128"/>
+              <a:ea typeface="メイリオ" panose="020B0604030504040204" pitchFamily="50" charset="-128"/>
+            </a:endParaRPr>
+          </a:p>
+        </p:txBody>
+      </p:sp>
+      <p:sp>
+        <p:nvSpPr>
+          <p:cNvPr id="5" name="テキスト ボックス 4">
+            <a:extLst>
+              <a:ext uri="{FF2B5EF4-FFF2-40B4-BE49-F238E27FC236}">
+                <a16:creationId xmlns:a16="http://schemas.microsoft.com/office/drawing/2014/main" id="{2C023118-8F66-3894-20B7-98799DD5C8C8}"/>
+              </a:ext>
+            </a:extLst>
+          </p:cNvPr>
+          <p:cNvSpPr txBox="1"/>
+          <p:nvPr/>
+        </p:nvSpPr>
+        <p:spPr>
+          <a:xfrm>
+            <a:off x="718915" y="2894687"/>
+            <a:ext cx="877163" cy="369332"/>
+          </a:xfrm>
+          <a:prstGeom prst="rect">
+            <a:avLst/>
+          </a:prstGeom>
+          <a:noFill/>
+        </p:spPr>
+        <p:txBody>
+          <a:bodyPr wrap="none" rtlCol="0">
+            <a:spAutoFit/>
+          </a:bodyPr>
+          <a:lstStyle/>
+          <a:p>
+            <a:r>
+              <a:rPr kumimoji="1" lang="ja-JP" altLang="en-US" sz="1800" b="1" dirty="0">
+                <a:solidFill>
+                  <a:schemeClr val="tx1">
+                    <a:lumMod val="85000"/>
+                    <a:lumOff val="15000"/>
+                  </a:schemeClr>
+                </a:solidFill>
+                <a:latin typeface="メイリオ" panose="020B0604030504040204" pitchFamily="50" charset="-128"/>
+                <a:ea typeface="メイリオ" panose="020B0604030504040204" pitchFamily="50" charset="-128"/>
+              </a:rPr>
+              <a:t>解決策</a:t>
+            </a:r>
+          </a:p>
+        </p:txBody>
+      </p:sp>
+      <p:sp>
+        <p:nvSpPr>
+          <p:cNvPr id="6" name="テキスト ボックス 5">
+            <a:extLst>
+              <a:ext uri="{FF2B5EF4-FFF2-40B4-BE49-F238E27FC236}">
+                <a16:creationId xmlns:a16="http://schemas.microsoft.com/office/drawing/2014/main" id="{42CCE61F-39B7-9D38-CF3F-2A34203F517C}"/>
+              </a:ext>
+            </a:extLst>
+          </p:cNvPr>
+          <p:cNvSpPr txBox="1"/>
+          <p:nvPr/>
+        </p:nvSpPr>
+        <p:spPr>
+          <a:xfrm>
+            <a:off x="718915" y="3539817"/>
+            <a:ext cx="6192688" cy="1754326"/>
+          </a:xfrm>
+          <a:prstGeom prst="rect">
+            <a:avLst/>
+          </a:prstGeom>
+          <a:noFill/>
+        </p:spPr>
+        <p:txBody>
+          <a:bodyPr wrap="square" rtlCol="0">
+            <a:spAutoFit/>
+          </a:bodyPr>
+          <a:lstStyle/>
+          <a:p>
+            <a:pPr marL="285750" indent="-285750">
+              <a:buFont typeface="Arial" panose="020B0604020202020204" pitchFamily="34" charset="0"/>
+              <a:buChar char="•"/>
+            </a:pPr>
+            <a:r>
+              <a:rPr lang="ja-JP" altLang="en-US" sz="1800" dirty="0">
+                <a:solidFill>
+                  <a:schemeClr val="tx1">
+                    <a:lumMod val="85000"/>
+                    <a:lumOff val="15000"/>
+                  </a:schemeClr>
+                </a:solidFill>
+                <a:latin typeface="メイリオ" panose="020B0604030504040204" pitchFamily="50" charset="-128"/>
+                <a:ea typeface="メイリオ" panose="020B0604030504040204" pitchFamily="50" charset="-128"/>
+              </a:rPr>
+              <a:t>ラインを見失っても、ライン上に復帰する仕組みを導入し、ダブルループの攻略率を高めた。</a:t>
+            </a:r>
+            <a:endParaRPr lang="en-US" altLang="ja-JP" sz="1800" dirty="0">
+              <a:solidFill>
+                <a:schemeClr val="tx1">
+                  <a:lumMod val="85000"/>
+                  <a:lumOff val="15000"/>
+                </a:schemeClr>
+              </a:solidFill>
+              <a:latin typeface="メイリオ" panose="020B0604030504040204" pitchFamily="50" charset="-128"/>
+              <a:ea typeface="メイリオ" panose="020B0604030504040204" pitchFamily="50" charset="-128"/>
+            </a:endParaRPr>
+          </a:p>
+          <a:p>
+            <a:pPr marL="285750" indent="-285750">
+              <a:buFont typeface="Arial" panose="020B0604020202020204" pitchFamily="34" charset="0"/>
+              <a:buChar char="•"/>
+            </a:pPr>
+            <a:r>
+              <a:rPr lang="ja-JP" altLang="en-US" sz="1800" dirty="0">
+                <a:solidFill>
+                  <a:schemeClr val="tx1">
+                    <a:lumMod val="85000"/>
+                    <a:lumOff val="15000"/>
+                  </a:schemeClr>
+                </a:solidFill>
+                <a:latin typeface="メイリオ" panose="020B0604030504040204" pitchFamily="50" charset="-128"/>
+                <a:ea typeface="メイリオ" panose="020B0604030504040204" pitchFamily="50" charset="-128"/>
+              </a:rPr>
+              <a:t>具体的には、走行中の動作を記録し、ラインを見失った際は直線の動作を巻き戻しする「巻き戻し走行」を実装した。「巻き戻し走行」によってライン復帰したのちに、もともとの動作を再開する。</a:t>
+            </a:r>
+            <a:endParaRPr lang="en-US" altLang="ja-JP" sz="1800" dirty="0">
+              <a:solidFill>
+                <a:schemeClr val="tx1">
+                  <a:lumMod val="85000"/>
+                  <a:lumOff val="15000"/>
+                </a:schemeClr>
+              </a:solidFill>
+              <a:latin typeface="メイリオ" panose="020B0604030504040204" pitchFamily="50" charset="-128"/>
+              <a:ea typeface="メイリオ" panose="020B0604030504040204" pitchFamily="50" charset="-128"/>
+            </a:endParaRPr>
+          </a:p>
+        </p:txBody>
+      </p:sp>
+      <p:sp>
+        <p:nvSpPr>
+          <p:cNvPr id="7" name="テキスト ボックス 6">
+            <a:extLst>
+              <a:ext uri="{FF2B5EF4-FFF2-40B4-BE49-F238E27FC236}">
+                <a16:creationId xmlns:a16="http://schemas.microsoft.com/office/drawing/2014/main" id="{DE197286-3E2C-A6E0-C069-D6EBE4B7B05B}"/>
+              </a:ext>
+            </a:extLst>
+          </p:cNvPr>
+          <p:cNvSpPr txBox="1"/>
+          <p:nvPr/>
+        </p:nvSpPr>
+        <p:spPr>
+          <a:xfrm>
+            <a:off x="718915" y="5569941"/>
+            <a:ext cx="877163" cy="369332"/>
+          </a:xfrm>
+          <a:prstGeom prst="rect">
+            <a:avLst/>
+          </a:prstGeom>
+          <a:noFill/>
+        </p:spPr>
+        <p:txBody>
+          <a:bodyPr wrap="none" rtlCol="0">
+            <a:spAutoFit/>
+          </a:bodyPr>
+          <a:lstStyle/>
+          <a:p>
+            <a:r>
+              <a:rPr lang="ja-JP" altLang="en-US" sz="1800" b="1" dirty="0">
+                <a:solidFill>
+                  <a:schemeClr val="tx1">
+                    <a:lumMod val="85000"/>
+                    <a:lumOff val="15000"/>
+                  </a:schemeClr>
+                </a:solidFill>
+                <a:latin typeface="メイリオ" panose="020B0604030504040204" pitchFamily="50" charset="-128"/>
+                <a:ea typeface="メイリオ" panose="020B0604030504040204" pitchFamily="50" charset="-128"/>
+              </a:rPr>
+              <a:t>仕組み</a:t>
+            </a:r>
+            <a:endParaRPr lang="en-US" altLang="ja-JP" sz="1800" b="1" dirty="0">
+              <a:solidFill>
+                <a:schemeClr val="tx1">
+                  <a:lumMod val="85000"/>
+                  <a:lumOff val="15000"/>
+                </a:schemeClr>
+              </a:solidFill>
+              <a:latin typeface="メイリオ" panose="020B0604030504040204" pitchFamily="50" charset="-128"/>
+              <a:ea typeface="メイリオ" panose="020B0604030504040204" pitchFamily="50" charset="-128"/>
+            </a:endParaRPr>
+          </a:p>
+        </p:txBody>
+      </p:sp>
+      <p:sp>
+        <p:nvSpPr>
+          <p:cNvPr id="119" name="テキスト ボックス 118">
+            <a:extLst>
+              <a:ext uri="{FF2B5EF4-FFF2-40B4-BE49-F238E27FC236}">
+                <a16:creationId xmlns:a16="http://schemas.microsoft.com/office/drawing/2014/main" id="{355C136A-C39A-34A4-63EE-9D1D658B7E51}"/>
+              </a:ext>
+            </a:extLst>
+          </p:cNvPr>
+          <p:cNvSpPr txBox="1"/>
+          <p:nvPr/>
+        </p:nvSpPr>
+        <p:spPr>
+          <a:xfrm>
+            <a:off x="718915" y="6215071"/>
+            <a:ext cx="6192688" cy="1477328"/>
+          </a:xfrm>
+          <a:prstGeom prst="rect">
+            <a:avLst/>
+          </a:prstGeom>
+          <a:noFill/>
+        </p:spPr>
+        <p:txBody>
+          <a:bodyPr wrap="square" rtlCol="0">
+            <a:spAutoFit/>
+          </a:bodyPr>
+          <a:lstStyle/>
+          <a:p>
+            <a:pPr marL="285750" indent="-285750">
+              <a:buFont typeface="Arial" panose="020B0604020202020204" pitchFamily="34" charset="0"/>
+              <a:buChar char="•"/>
+            </a:pPr>
+            <a:r>
+              <a:rPr lang="ja-JP" altLang="en-US" sz="1800" dirty="0">
+                <a:solidFill>
+                  <a:schemeClr val="tx1">
+                    <a:lumMod val="85000"/>
+                    <a:lumOff val="15000"/>
+                  </a:schemeClr>
+                </a:solidFill>
+                <a:latin typeface="メイリオ" panose="020B0604030504040204" pitchFamily="50" charset="-128"/>
+                <a:ea typeface="メイリオ" panose="020B0604030504040204" pitchFamily="50" charset="-128"/>
+              </a:rPr>
+              <a:t>アクションという単位でロボットの実践単位を実装している当モデルの特徴を活かしている。</a:t>
+            </a:r>
+            <a:endParaRPr lang="en-US" altLang="ja-JP" sz="1800" dirty="0">
+              <a:solidFill>
+                <a:schemeClr val="tx1">
+                  <a:lumMod val="85000"/>
+                  <a:lumOff val="15000"/>
+                </a:schemeClr>
+              </a:solidFill>
+              <a:latin typeface="メイリオ" panose="020B0604030504040204" pitchFamily="50" charset="-128"/>
+              <a:ea typeface="メイリオ" panose="020B0604030504040204" pitchFamily="50" charset="-128"/>
+            </a:endParaRPr>
+          </a:p>
+          <a:p>
+            <a:pPr marL="285750" indent="-285750">
+              <a:buFont typeface="Arial" panose="020B0604020202020204" pitchFamily="34" charset="0"/>
+              <a:buChar char="•"/>
+            </a:pPr>
+            <a:r>
+              <a:rPr lang="ja-JP" altLang="en-US" sz="1800" dirty="0">
+                <a:solidFill>
+                  <a:schemeClr val="tx1">
+                    <a:lumMod val="85000"/>
+                    <a:lumOff val="15000"/>
+                  </a:schemeClr>
+                </a:solidFill>
+                <a:latin typeface="メイリオ" panose="020B0604030504040204" pitchFamily="50" charset="-128"/>
+                <a:ea typeface="メイリオ" panose="020B0604030504040204" pitchFamily="50" charset="-128"/>
+              </a:rPr>
+              <a:t>アクションは次に実行すべき後続アクションのポインタを保持しており、ポインタの差し替えによって実行中の動作を切り替えることができる。</a:t>
+            </a:r>
+            <a:endParaRPr lang="en-US" altLang="ja-JP" sz="1800" dirty="0">
+              <a:solidFill>
+                <a:schemeClr val="tx1">
+                  <a:lumMod val="85000"/>
+                  <a:lumOff val="15000"/>
+                </a:schemeClr>
+              </a:solidFill>
+              <a:latin typeface="メイリオ" panose="020B0604030504040204" pitchFamily="50" charset="-128"/>
+              <a:ea typeface="メイリオ" panose="020B0604030504040204" pitchFamily="50" charset="-128"/>
+            </a:endParaRPr>
+          </a:p>
+        </p:txBody>
+      </p:sp>
+      <p:sp>
+        <p:nvSpPr>
+          <p:cNvPr id="120" name="テキスト ボックス 119">
+            <a:extLst>
+              <a:ext uri="{FF2B5EF4-FFF2-40B4-BE49-F238E27FC236}">
+                <a16:creationId xmlns:a16="http://schemas.microsoft.com/office/drawing/2014/main" id="{B317E30D-5833-AE8B-DD68-BCDE37FE9469}"/>
+              </a:ext>
+            </a:extLst>
+          </p:cNvPr>
+          <p:cNvSpPr txBox="1"/>
+          <p:nvPr/>
+        </p:nvSpPr>
+        <p:spPr>
+          <a:xfrm>
+            <a:off x="718915" y="7968197"/>
+            <a:ext cx="646331" cy="369332"/>
+          </a:xfrm>
+          <a:prstGeom prst="rect">
+            <a:avLst/>
+          </a:prstGeom>
+          <a:noFill/>
+        </p:spPr>
+        <p:txBody>
+          <a:bodyPr wrap="none" rtlCol="0">
+            <a:spAutoFit/>
+          </a:bodyPr>
+          <a:lstStyle/>
+          <a:p>
+            <a:r>
+              <a:rPr lang="ja-JP" altLang="en-US" sz="1800" b="1" dirty="0">
+                <a:solidFill>
+                  <a:schemeClr val="tx1">
+                    <a:lumMod val="85000"/>
+                    <a:lumOff val="15000"/>
+                  </a:schemeClr>
+                </a:solidFill>
+                <a:latin typeface="メイリオ" panose="020B0604030504040204" pitchFamily="50" charset="-128"/>
+                <a:ea typeface="メイリオ" panose="020B0604030504040204" pitchFamily="50" charset="-128"/>
+              </a:rPr>
+              <a:t>効果</a:t>
+            </a:r>
+            <a:endParaRPr lang="en-US" altLang="ja-JP" sz="1800" b="1" dirty="0">
+              <a:solidFill>
+                <a:schemeClr val="tx1">
+                  <a:lumMod val="85000"/>
+                  <a:lumOff val="15000"/>
+                </a:schemeClr>
+              </a:solidFill>
+              <a:latin typeface="メイリオ" panose="020B0604030504040204" pitchFamily="50" charset="-128"/>
+              <a:ea typeface="メイリオ" panose="020B0604030504040204" pitchFamily="50" charset="-128"/>
+            </a:endParaRPr>
+          </a:p>
+        </p:txBody>
+      </p:sp>
+      <p:sp>
+        <p:nvSpPr>
+          <p:cNvPr id="121" name="テキスト ボックス 120">
+            <a:extLst>
+              <a:ext uri="{FF2B5EF4-FFF2-40B4-BE49-F238E27FC236}">
+                <a16:creationId xmlns:a16="http://schemas.microsoft.com/office/drawing/2014/main" id="{E6225417-A375-4EF4-8F18-281B49444F29}"/>
+              </a:ext>
+            </a:extLst>
+          </p:cNvPr>
+          <p:cNvSpPr txBox="1"/>
+          <p:nvPr/>
+        </p:nvSpPr>
+        <p:spPr>
+          <a:xfrm>
+            <a:off x="718915" y="8613325"/>
+            <a:ext cx="6192688" cy="1477328"/>
+          </a:xfrm>
+          <a:prstGeom prst="rect">
+            <a:avLst/>
+          </a:prstGeom>
+          <a:noFill/>
+        </p:spPr>
+        <p:txBody>
+          <a:bodyPr wrap="square" rtlCol="0">
+            <a:spAutoFit/>
+          </a:bodyPr>
+          <a:lstStyle/>
+          <a:p>
+            <a:pPr marL="285750" indent="-285750">
+              <a:buFont typeface="Arial" panose="020B0604020202020204" pitchFamily="34" charset="0"/>
+              <a:buChar char="•"/>
+            </a:pPr>
+            <a:r>
+              <a:rPr lang="ja-JP" altLang="en-US" sz="1800" dirty="0">
+                <a:solidFill>
+                  <a:schemeClr val="tx1">
+                    <a:lumMod val="85000"/>
+                    <a:lumOff val="15000"/>
+                  </a:schemeClr>
+                </a:solidFill>
+                <a:latin typeface="メイリオ" panose="020B0604030504040204" pitchFamily="50" charset="-128"/>
+                <a:ea typeface="メイリオ" panose="020B0604030504040204" pitchFamily="50" charset="-128"/>
+              </a:rPr>
+              <a:t>ラインを見失った後でも暴走状態に陥ることなく、自律的にダブルループの続きを再開できるようになった。</a:t>
+            </a:r>
+            <a:endParaRPr lang="en-US" altLang="ja-JP" sz="1800" dirty="0">
+              <a:solidFill>
+                <a:schemeClr val="tx1">
+                  <a:lumMod val="85000"/>
+                  <a:lumOff val="15000"/>
+                </a:schemeClr>
+              </a:solidFill>
+              <a:latin typeface="メイリオ" panose="020B0604030504040204" pitchFamily="50" charset="-128"/>
+              <a:ea typeface="メイリオ" panose="020B0604030504040204" pitchFamily="50" charset="-128"/>
+            </a:endParaRPr>
+          </a:p>
+          <a:p>
+            <a:pPr marL="285750" indent="-285750">
+              <a:buFont typeface="Arial" panose="020B0604020202020204" pitchFamily="34" charset="0"/>
+              <a:buChar char="•"/>
+            </a:pPr>
+            <a:r>
+              <a:rPr lang="ja-JP" altLang="en-US" sz="1800" dirty="0">
+                <a:solidFill>
+                  <a:schemeClr val="tx1">
+                    <a:lumMod val="85000"/>
+                    <a:lumOff val="15000"/>
+                  </a:schemeClr>
+                </a:solidFill>
+                <a:latin typeface="メイリオ" panose="020B0604030504040204" pitchFamily="50" charset="-128"/>
+                <a:ea typeface="メイリオ" panose="020B0604030504040204" pitchFamily="50" charset="-128"/>
+              </a:rPr>
+              <a:t>これによりダブルループの攻略率が高まった。従来までダブルループ完走率は</a:t>
+            </a:r>
+            <a:r>
+              <a:rPr lang="en-US" altLang="ja-JP" sz="1800" dirty="0">
+                <a:solidFill>
+                  <a:schemeClr val="tx1">
+                    <a:lumMod val="85000"/>
+                    <a:lumOff val="15000"/>
+                  </a:schemeClr>
+                </a:solidFill>
+                <a:latin typeface="メイリオ" panose="020B0604030504040204" pitchFamily="50" charset="-128"/>
+                <a:ea typeface="メイリオ" panose="020B0604030504040204" pitchFamily="50" charset="-128"/>
+              </a:rPr>
+              <a:t>67%</a:t>
+            </a:r>
+            <a:r>
+              <a:rPr lang="ja-JP" altLang="en-US" sz="1800" dirty="0">
+                <a:solidFill>
+                  <a:schemeClr val="tx1">
+                    <a:lumMod val="85000"/>
+                    <a:lumOff val="15000"/>
+                  </a:schemeClr>
+                </a:solidFill>
+                <a:latin typeface="メイリオ" panose="020B0604030504040204" pitchFamily="50" charset="-128"/>
+                <a:ea typeface="メイリオ" panose="020B0604030504040204" pitchFamily="50" charset="-128"/>
+              </a:rPr>
+              <a:t>であったが、この仕組みを導入後</a:t>
+            </a:r>
+            <a:r>
+              <a:rPr lang="en-US" altLang="ja-JP" sz="1800" dirty="0">
+                <a:solidFill>
+                  <a:schemeClr val="tx1">
+                    <a:lumMod val="85000"/>
+                    <a:lumOff val="15000"/>
+                  </a:schemeClr>
+                </a:solidFill>
+                <a:latin typeface="メイリオ" panose="020B0604030504040204" pitchFamily="50" charset="-128"/>
+                <a:ea typeface="メイリオ" panose="020B0604030504040204" pitchFamily="50" charset="-128"/>
+              </a:rPr>
+              <a:t>90%</a:t>
+            </a:r>
+            <a:r>
+              <a:rPr lang="ja-JP" altLang="en-US" sz="1800" dirty="0">
+                <a:solidFill>
+                  <a:schemeClr val="tx1">
+                    <a:lumMod val="85000"/>
+                    <a:lumOff val="15000"/>
+                  </a:schemeClr>
+                </a:solidFill>
+                <a:latin typeface="メイリオ" panose="020B0604030504040204" pitchFamily="50" charset="-128"/>
+                <a:ea typeface="メイリオ" panose="020B0604030504040204" pitchFamily="50" charset="-128"/>
+              </a:rPr>
+              <a:t>完走できるようになった。</a:t>
+            </a:r>
+            <a:endParaRPr lang="en-US" altLang="ja-JP" sz="1800" dirty="0">
+              <a:solidFill>
+                <a:schemeClr val="tx1">
+                  <a:lumMod val="85000"/>
+                  <a:lumOff val="15000"/>
+                </a:schemeClr>
+              </a:solidFill>
+              <a:latin typeface="メイリオ" panose="020B0604030504040204" pitchFamily="50" charset="-128"/>
+              <a:ea typeface="メイリオ" panose="020B0604030504040204" pitchFamily="50" charset="-128"/>
+            </a:endParaRPr>
+          </a:p>
+        </p:txBody>
+      </p:sp>
+      <p:sp>
+        <p:nvSpPr>
+          <p:cNvPr id="245" name="正方形/長方形 244">
+            <a:extLst>
+              <a:ext uri="{FF2B5EF4-FFF2-40B4-BE49-F238E27FC236}">
+                <a16:creationId xmlns:a16="http://schemas.microsoft.com/office/drawing/2014/main" id="{B9C9C494-1275-D14C-3896-D6646E012C73}"/>
+              </a:ext>
+            </a:extLst>
+          </p:cNvPr>
+          <p:cNvSpPr/>
+          <p:nvPr/>
+        </p:nvSpPr>
+        <p:spPr>
+          <a:xfrm>
+            <a:off x="7343651" y="3168120"/>
+            <a:ext cx="1872000" cy="720000"/>
+          </a:xfrm>
+          <a:prstGeom prst="rect">
+            <a:avLst/>
+          </a:prstGeom>
+          <a:solidFill>
+            <a:schemeClr val="accent1">
+              <a:lumMod val="75000"/>
+            </a:schemeClr>
+          </a:solidFill>
+          <a:ln>
+            <a:noFill/>
+          </a:ln>
+        </p:spPr>
+        <p:style>
+          <a:lnRef idx="2">
+            <a:schemeClr val="accent1">
+              <a:shade val="15000"/>
+            </a:schemeClr>
+          </a:lnRef>
+          <a:fillRef idx="1">
+            <a:schemeClr val="accent1"/>
+          </a:fillRef>
+          <a:effectRef idx="0">
+            <a:schemeClr val="accent1"/>
+          </a:effectRef>
+          <a:fontRef idx="minor">
+            <a:schemeClr val="lt1"/>
+          </a:fontRef>
+        </p:style>
+        <p:txBody>
+          <a:bodyPr rtlCol="0" anchor="ctr"/>
+          <a:lstStyle/>
+          <a:p>
+            <a:pPr algn="ctr"/>
+            <a:r>
+              <a:rPr kumimoji="1" lang="ja-JP" altLang="en-US" sz="1200" dirty="0">
+                <a:solidFill>
+                  <a:schemeClr val="bg1"/>
+                </a:solidFill>
+                <a:latin typeface="メイリオ" panose="020B0604030504040204" pitchFamily="50" charset="-128"/>
+                <a:ea typeface="メイリオ" panose="020B0604030504040204" pitchFamily="50" charset="-128"/>
+              </a:rPr>
+              <a:t>青い床に到達するまで</a:t>
+            </a:r>
+            <a:endParaRPr kumimoji="1" lang="en-US" altLang="ja-JP" sz="1200" dirty="0">
+              <a:solidFill>
+                <a:schemeClr val="bg1"/>
+              </a:solidFill>
+              <a:latin typeface="メイリオ" panose="020B0604030504040204" pitchFamily="50" charset="-128"/>
+              <a:ea typeface="メイリオ" panose="020B0604030504040204" pitchFamily="50" charset="-128"/>
+            </a:endParaRPr>
+          </a:p>
+          <a:p>
+            <a:pPr algn="ctr"/>
+            <a:r>
+              <a:rPr kumimoji="1" lang="ja-JP" altLang="en-US" sz="1200" dirty="0">
+                <a:solidFill>
+                  <a:schemeClr val="bg1"/>
+                </a:solidFill>
+                <a:latin typeface="メイリオ" panose="020B0604030504040204" pitchFamily="50" charset="-128"/>
+                <a:ea typeface="メイリオ" panose="020B0604030504040204" pitchFamily="50" charset="-128"/>
+              </a:rPr>
+              <a:t>黒い線上を</a:t>
+            </a:r>
+            <a:r>
+              <a:rPr lang="ja-JP" altLang="en-US" sz="1200" dirty="0">
+                <a:solidFill>
+                  <a:schemeClr val="bg1"/>
+                </a:solidFill>
+                <a:latin typeface="メイリオ" panose="020B0604030504040204" pitchFamily="50" charset="-128"/>
+                <a:ea typeface="メイリオ" panose="020B0604030504040204" pitchFamily="50" charset="-128"/>
+              </a:rPr>
+              <a:t>旋回</a:t>
+            </a:r>
+            <a:r>
+              <a:rPr kumimoji="1" lang="ja-JP" altLang="en-US" sz="1200" dirty="0">
+                <a:solidFill>
+                  <a:schemeClr val="bg1"/>
+                </a:solidFill>
+                <a:latin typeface="メイリオ" panose="020B0604030504040204" pitchFamily="50" charset="-128"/>
+                <a:ea typeface="メイリオ" panose="020B0604030504040204" pitchFamily="50" charset="-128"/>
+              </a:rPr>
+              <a:t>する</a:t>
+            </a:r>
+            <a:endParaRPr kumimoji="1" lang="en-US" altLang="ja-JP" sz="1200" dirty="0">
+              <a:solidFill>
+                <a:schemeClr val="bg1"/>
+              </a:solidFill>
+              <a:latin typeface="メイリオ" panose="020B0604030504040204" pitchFamily="50" charset="-128"/>
+              <a:ea typeface="メイリオ" panose="020B0604030504040204" pitchFamily="50" charset="-128"/>
+            </a:endParaRPr>
+          </a:p>
+          <a:p>
+            <a:pPr algn="ctr"/>
+            <a:r>
+              <a:rPr kumimoji="1" lang="ja-JP" altLang="en-US" sz="1200" dirty="0">
+                <a:solidFill>
+                  <a:schemeClr val="bg1"/>
+                </a:solidFill>
+                <a:latin typeface="メイリオ" panose="020B0604030504040204" pitchFamily="50" charset="-128"/>
+                <a:ea typeface="メイリオ" panose="020B0604030504040204" pitchFamily="50" charset="-128"/>
+              </a:rPr>
+              <a:t>アクション</a:t>
+            </a:r>
+          </a:p>
+        </p:txBody>
+      </p:sp>
+      <p:sp>
+        <p:nvSpPr>
+          <p:cNvPr id="246" name="正方形/長方形 245">
+            <a:extLst>
+              <a:ext uri="{FF2B5EF4-FFF2-40B4-BE49-F238E27FC236}">
+                <a16:creationId xmlns:a16="http://schemas.microsoft.com/office/drawing/2014/main" id="{F2EB7F0F-0235-A53C-B096-377F79035A14}"/>
+              </a:ext>
+            </a:extLst>
+          </p:cNvPr>
+          <p:cNvSpPr/>
+          <p:nvPr/>
+        </p:nvSpPr>
+        <p:spPr>
+          <a:xfrm>
+            <a:off x="7343651" y="5256499"/>
+            <a:ext cx="1872000" cy="720000"/>
+          </a:xfrm>
+          <a:prstGeom prst="rect">
+            <a:avLst/>
+          </a:prstGeom>
+          <a:solidFill>
+            <a:schemeClr val="accent1">
+              <a:lumMod val="75000"/>
+            </a:schemeClr>
+          </a:solidFill>
+          <a:ln>
+            <a:noFill/>
+          </a:ln>
+        </p:spPr>
+        <p:style>
+          <a:lnRef idx="2">
+            <a:schemeClr val="accent1">
+              <a:shade val="15000"/>
+            </a:schemeClr>
+          </a:lnRef>
+          <a:fillRef idx="1">
+            <a:schemeClr val="accent1"/>
+          </a:fillRef>
+          <a:effectRef idx="0">
+            <a:schemeClr val="accent1"/>
+          </a:effectRef>
+          <a:fontRef idx="minor">
+            <a:schemeClr val="lt1"/>
+          </a:fontRef>
+        </p:style>
+        <p:txBody>
+          <a:bodyPr rtlCol="0" anchor="ctr"/>
+          <a:lstStyle/>
+          <a:p>
+            <a:pPr algn="ctr"/>
+            <a:r>
+              <a:rPr lang="ja-JP" altLang="en-US" sz="1200" dirty="0">
+                <a:solidFill>
+                  <a:schemeClr val="bg1"/>
+                </a:solidFill>
+                <a:latin typeface="メイリオ" panose="020B0604030504040204" pitchFamily="50" charset="-128"/>
+                <a:ea typeface="メイリオ" panose="020B0604030504040204" pitchFamily="50" charset="-128"/>
+              </a:rPr>
+              <a:t>黒</a:t>
+            </a:r>
+            <a:r>
+              <a:rPr kumimoji="1" lang="ja-JP" altLang="en-US" sz="1200" dirty="0">
+                <a:solidFill>
+                  <a:schemeClr val="bg1"/>
+                </a:solidFill>
+                <a:latin typeface="メイリオ" panose="020B0604030504040204" pitchFamily="50" charset="-128"/>
+                <a:ea typeface="メイリオ" panose="020B0604030504040204" pitchFamily="50" charset="-128"/>
+              </a:rPr>
+              <a:t>い床に到達するまで</a:t>
+            </a:r>
+            <a:endParaRPr kumimoji="1" lang="en-US" altLang="ja-JP" sz="1200" dirty="0">
+              <a:solidFill>
+                <a:schemeClr val="bg1"/>
+              </a:solidFill>
+              <a:latin typeface="メイリオ" panose="020B0604030504040204" pitchFamily="50" charset="-128"/>
+              <a:ea typeface="メイリオ" panose="020B0604030504040204" pitchFamily="50" charset="-128"/>
+            </a:endParaRPr>
+          </a:p>
+          <a:p>
+            <a:pPr algn="ctr"/>
+            <a:r>
+              <a:rPr lang="ja-JP" altLang="en-US" sz="1200" dirty="0">
+                <a:solidFill>
+                  <a:schemeClr val="bg1"/>
+                </a:solidFill>
+                <a:latin typeface="メイリオ" panose="020B0604030504040204" pitchFamily="50" charset="-128"/>
+                <a:ea typeface="メイリオ" panose="020B0604030504040204" pitchFamily="50" charset="-128"/>
+              </a:rPr>
+              <a:t>青</a:t>
+            </a:r>
+            <a:r>
+              <a:rPr kumimoji="1" lang="ja-JP" altLang="en-US" sz="1200" dirty="0">
+                <a:solidFill>
+                  <a:schemeClr val="bg1"/>
+                </a:solidFill>
+                <a:latin typeface="メイリオ" panose="020B0604030504040204" pitchFamily="50" charset="-128"/>
+                <a:ea typeface="メイリオ" panose="020B0604030504040204" pitchFamily="50" charset="-128"/>
+              </a:rPr>
+              <a:t>い線上を</a:t>
+            </a:r>
+            <a:r>
+              <a:rPr lang="ja-JP" altLang="en-US" sz="1200" dirty="0">
+                <a:solidFill>
+                  <a:schemeClr val="bg1"/>
+                </a:solidFill>
+                <a:latin typeface="メイリオ" panose="020B0604030504040204" pitchFamily="50" charset="-128"/>
+                <a:ea typeface="メイリオ" panose="020B0604030504040204" pitchFamily="50" charset="-128"/>
+              </a:rPr>
+              <a:t>旋回</a:t>
+            </a:r>
+            <a:r>
+              <a:rPr kumimoji="1" lang="ja-JP" altLang="en-US" sz="1200" dirty="0">
+                <a:solidFill>
+                  <a:schemeClr val="bg1"/>
+                </a:solidFill>
+                <a:latin typeface="メイリオ" panose="020B0604030504040204" pitchFamily="50" charset="-128"/>
+                <a:ea typeface="メイリオ" panose="020B0604030504040204" pitchFamily="50" charset="-128"/>
+              </a:rPr>
+              <a:t>する</a:t>
+            </a:r>
+            <a:endParaRPr kumimoji="1" lang="en-US" altLang="ja-JP" sz="1200" dirty="0">
+              <a:solidFill>
+                <a:schemeClr val="bg1"/>
+              </a:solidFill>
+              <a:latin typeface="メイリオ" panose="020B0604030504040204" pitchFamily="50" charset="-128"/>
+              <a:ea typeface="メイリオ" panose="020B0604030504040204" pitchFamily="50" charset="-128"/>
+            </a:endParaRPr>
+          </a:p>
+          <a:p>
+            <a:pPr algn="ctr"/>
+            <a:r>
+              <a:rPr lang="ja-JP" altLang="en-US" sz="1200" dirty="0">
+                <a:solidFill>
+                  <a:schemeClr val="bg1"/>
+                </a:solidFill>
+                <a:latin typeface="メイリオ" panose="020B0604030504040204" pitchFamily="50" charset="-128"/>
+                <a:ea typeface="メイリオ" panose="020B0604030504040204" pitchFamily="50" charset="-128"/>
+              </a:rPr>
+              <a:t>アクション</a:t>
+            </a:r>
+            <a:endParaRPr kumimoji="1" lang="ja-JP" altLang="en-US" sz="1200" dirty="0">
+              <a:solidFill>
+                <a:schemeClr val="bg1"/>
+              </a:solidFill>
+              <a:latin typeface="メイリオ" panose="020B0604030504040204" pitchFamily="50" charset="-128"/>
+              <a:ea typeface="メイリオ" panose="020B0604030504040204" pitchFamily="50" charset="-128"/>
+            </a:endParaRPr>
+          </a:p>
+        </p:txBody>
+      </p:sp>
+      <p:sp>
+        <p:nvSpPr>
+          <p:cNvPr id="247" name="正方形/長方形 246">
+            <a:extLst>
+              <a:ext uri="{FF2B5EF4-FFF2-40B4-BE49-F238E27FC236}">
+                <a16:creationId xmlns:a16="http://schemas.microsoft.com/office/drawing/2014/main" id="{EA34EA51-1BA9-FCF0-6002-981B92A44020}"/>
+              </a:ext>
+            </a:extLst>
+          </p:cNvPr>
+          <p:cNvSpPr/>
+          <p:nvPr/>
+        </p:nvSpPr>
+        <p:spPr>
+          <a:xfrm>
+            <a:off x="7343651" y="7559389"/>
+            <a:ext cx="1872000" cy="720000"/>
+          </a:xfrm>
+          <a:prstGeom prst="rect">
+            <a:avLst/>
+          </a:prstGeom>
+          <a:solidFill>
+            <a:schemeClr val="accent1">
+              <a:lumMod val="75000"/>
+            </a:schemeClr>
+          </a:solidFill>
+          <a:ln>
+            <a:noFill/>
+          </a:ln>
+        </p:spPr>
+        <p:style>
+          <a:lnRef idx="2">
+            <a:schemeClr val="accent1">
+              <a:shade val="15000"/>
+            </a:schemeClr>
+          </a:lnRef>
+          <a:fillRef idx="1">
+            <a:schemeClr val="accent1"/>
+          </a:fillRef>
+          <a:effectRef idx="0">
+            <a:schemeClr val="accent1"/>
+          </a:effectRef>
+          <a:fontRef idx="minor">
+            <a:schemeClr val="lt1"/>
+          </a:fontRef>
+        </p:style>
+        <p:txBody>
+          <a:bodyPr rtlCol="0" anchor="ctr"/>
+          <a:lstStyle/>
+          <a:p>
+            <a:pPr algn="ctr"/>
+            <a:r>
+              <a:rPr kumimoji="1" lang="ja-JP" altLang="en-US" sz="1200" dirty="0">
+                <a:solidFill>
+                  <a:schemeClr val="bg1"/>
+                </a:solidFill>
+                <a:latin typeface="メイリオ" panose="020B0604030504040204" pitchFamily="50" charset="-128"/>
+                <a:ea typeface="メイリオ" panose="020B0604030504040204" pitchFamily="50" charset="-128"/>
+              </a:rPr>
+              <a:t>青い床に到達するまで</a:t>
+            </a:r>
+            <a:endParaRPr kumimoji="1" lang="en-US" altLang="ja-JP" sz="1200" dirty="0">
+              <a:solidFill>
+                <a:schemeClr val="bg1"/>
+              </a:solidFill>
+              <a:latin typeface="メイリオ" panose="020B0604030504040204" pitchFamily="50" charset="-128"/>
+              <a:ea typeface="メイリオ" panose="020B0604030504040204" pitchFamily="50" charset="-128"/>
+            </a:endParaRPr>
+          </a:p>
+          <a:p>
+            <a:pPr algn="ctr"/>
+            <a:r>
+              <a:rPr kumimoji="1" lang="ja-JP" altLang="en-US" sz="1200" dirty="0">
+                <a:solidFill>
+                  <a:schemeClr val="bg1"/>
+                </a:solidFill>
+                <a:latin typeface="メイリオ" panose="020B0604030504040204" pitchFamily="50" charset="-128"/>
+                <a:ea typeface="メイリオ" panose="020B0604030504040204" pitchFamily="50" charset="-128"/>
+              </a:rPr>
+              <a:t>黒い線上を旋回する</a:t>
+            </a:r>
+            <a:endParaRPr kumimoji="1" lang="en-US" altLang="ja-JP" sz="1200" dirty="0">
+              <a:solidFill>
+                <a:schemeClr val="bg1"/>
+              </a:solidFill>
+              <a:latin typeface="メイリオ" panose="020B0604030504040204" pitchFamily="50" charset="-128"/>
+              <a:ea typeface="メイリオ" panose="020B0604030504040204" pitchFamily="50" charset="-128"/>
+            </a:endParaRPr>
+          </a:p>
+          <a:p>
+            <a:pPr algn="ctr"/>
+            <a:r>
+              <a:rPr lang="ja-JP" altLang="en-US" sz="1200" dirty="0">
+                <a:solidFill>
+                  <a:schemeClr val="bg1"/>
+                </a:solidFill>
+                <a:latin typeface="メイリオ" panose="020B0604030504040204" pitchFamily="50" charset="-128"/>
+                <a:ea typeface="メイリオ" panose="020B0604030504040204" pitchFamily="50" charset="-128"/>
+              </a:rPr>
+              <a:t>アクション</a:t>
+            </a:r>
+            <a:endParaRPr kumimoji="1" lang="ja-JP" altLang="en-US" sz="1200" dirty="0">
+              <a:solidFill>
+                <a:schemeClr val="bg1"/>
+              </a:solidFill>
+              <a:latin typeface="メイリオ" panose="020B0604030504040204" pitchFamily="50" charset="-128"/>
+              <a:ea typeface="メイリオ" panose="020B0604030504040204" pitchFamily="50" charset="-128"/>
+            </a:endParaRPr>
+          </a:p>
+        </p:txBody>
+      </p:sp>
+      <p:sp>
+        <p:nvSpPr>
+          <p:cNvPr id="296" name="正方形/長方形 295">
+            <a:extLst>
+              <a:ext uri="{FF2B5EF4-FFF2-40B4-BE49-F238E27FC236}">
+                <a16:creationId xmlns:a16="http://schemas.microsoft.com/office/drawing/2014/main" id="{3552C88B-CFD1-D26D-D1A3-57AAD18F90C7}"/>
+              </a:ext>
+            </a:extLst>
+          </p:cNvPr>
+          <p:cNvSpPr/>
+          <p:nvPr/>
+        </p:nvSpPr>
+        <p:spPr>
+          <a:xfrm>
+            <a:off x="9567700" y="3168120"/>
+            <a:ext cx="1872000" cy="720000"/>
+          </a:xfrm>
+          <a:prstGeom prst="rect">
+            <a:avLst/>
+          </a:prstGeom>
+          <a:solidFill>
+            <a:schemeClr val="accent1">
+              <a:lumMod val="75000"/>
+            </a:schemeClr>
+          </a:solidFill>
+          <a:ln>
+            <a:noFill/>
+          </a:ln>
+        </p:spPr>
+        <p:style>
+          <a:lnRef idx="2">
+            <a:schemeClr val="accent1">
+              <a:shade val="15000"/>
+            </a:schemeClr>
+          </a:lnRef>
+          <a:fillRef idx="1">
+            <a:schemeClr val="accent1"/>
+          </a:fillRef>
+          <a:effectRef idx="0">
+            <a:schemeClr val="accent1"/>
+          </a:effectRef>
+          <a:fontRef idx="minor">
+            <a:schemeClr val="lt1"/>
+          </a:fontRef>
+        </p:style>
+        <p:txBody>
+          <a:bodyPr rtlCol="0" anchor="ctr"/>
+          <a:lstStyle/>
+          <a:p>
+            <a:pPr algn="ctr"/>
+            <a:r>
+              <a:rPr kumimoji="1" lang="ja-JP" altLang="en-US" sz="1200" dirty="0">
+                <a:solidFill>
+                  <a:schemeClr val="bg1"/>
+                </a:solidFill>
+                <a:latin typeface="メイリオ" panose="020B0604030504040204" pitchFamily="50" charset="-128"/>
+                <a:ea typeface="メイリオ" panose="020B0604030504040204" pitchFamily="50" charset="-128"/>
+              </a:rPr>
+              <a:t>青い床に到達するまで</a:t>
+            </a:r>
+            <a:endParaRPr kumimoji="1" lang="en-US" altLang="ja-JP" sz="1200" dirty="0">
+              <a:solidFill>
+                <a:schemeClr val="bg1"/>
+              </a:solidFill>
+              <a:latin typeface="メイリオ" panose="020B0604030504040204" pitchFamily="50" charset="-128"/>
+              <a:ea typeface="メイリオ" panose="020B0604030504040204" pitchFamily="50" charset="-128"/>
+            </a:endParaRPr>
+          </a:p>
+          <a:p>
+            <a:pPr algn="ctr"/>
+            <a:r>
+              <a:rPr kumimoji="1" lang="ja-JP" altLang="en-US" sz="1200" dirty="0">
+                <a:solidFill>
+                  <a:schemeClr val="bg1"/>
+                </a:solidFill>
+                <a:latin typeface="メイリオ" panose="020B0604030504040204" pitchFamily="50" charset="-128"/>
+                <a:ea typeface="メイリオ" panose="020B0604030504040204" pitchFamily="50" charset="-128"/>
+              </a:rPr>
+              <a:t>黒い線上を旋回する</a:t>
+            </a:r>
+            <a:endParaRPr kumimoji="1" lang="en-US" altLang="ja-JP" sz="1200" dirty="0">
+              <a:solidFill>
+                <a:schemeClr val="bg1"/>
+              </a:solidFill>
+              <a:latin typeface="メイリオ" panose="020B0604030504040204" pitchFamily="50" charset="-128"/>
+              <a:ea typeface="メイリオ" panose="020B0604030504040204" pitchFamily="50" charset="-128"/>
+            </a:endParaRPr>
+          </a:p>
+          <a:p>
+            <a:pPr algn="ctr"/>
+            <a:r>
+              <a:rPr kumimoji="1" lang="ja-JP" altLang="en-US" sz="1200" dirty="0">
+                <a:solidFill>
+                  <a:schemeClr val="bg1"/>
+                </a:solidFill>
+                <a:latin typeface="メイリオ" panose="020B0604030504040204" pitchFamily="50" charset="-128"/>
+                <a:ea typeface="メイリオ" panose="020B0604030504040204" pitchFamily="50" charset="-128"/>
+              </a:rPr>
+              <a:t>アクション</a:t>
+            </a:r>
+          </a:p>
+        </p:txBody>
+      </p:sp>
+      <p:sp>
+        <p:nvSpPr>
+          <p:cNvPr id="297" name="正方形/長方形 296">
+            <a:extLst>
+              <a:ext uri="{FF2B5EF4-FFF2-40B4-BE49-F238E27FC236}">
+                <a16:creationId xmlns:a16="http://schemas.microsoft.com/office/drawing/2014/main" id="{4F0CF21E-2302-A5FB-76F4-6A89F22B0AE9}"/>
+              </a:ext>
+            </a:extLst>
+          </p:cNvPr>
+          <p:cNvSpPr/>
+          <p:nvPr/>
+        </p:nvSpPr>
+        <p:spPr>
+          <a:xfrm>
+            <a:off x="9547211" y="6407944"/>
+            <a:ext cx="1872000" cy="720000"/>
+          </a:xfrm>
+          <a:prstGeom prst="rect">
+            <a:avLst/>
+          </a:prstGeom>
+          <a:solidFill>
+            <a:schemeClr val="accent1">
+              <a:lumMod val="75000"/>
+            </a:schemeClr>
+          </a:solidFill>
+          <a:ln>
+            <a:noFill/>
+          </a:ln>
+        </p:spPr>
+        <p:style>
+          <a:lnRef idx="2">
+            <a:schemeClr val="accent1">
+              <a:shade val="15000"/>
+            </a:schemeClr>
+          </a:lnRef>
+          <a:fillRef idx="1">
+            <a:schemeClr val="accent1"/>
+          </a:fillRef>
+          <a:effectRef idx="0">
+            <a:schemeClr val="accent1"/>
+          </a:effectRef>
+          <a:fontRef idx="minor">
+            <a:schemeClr val="lt1"/>
+          </a:fontRef>
+        </p:style>
+        <p:txBody>
+          <a:bodyPr rtlCol="0" anchor="ctr"/>
+          <a:lstStyle/>
+          <a:p>
+            <a:pPr algn="ctr"/>
+            <a:r>
+              <a:rPr lang="ja-JP" altLang="en-US" sz="1200" dirty="0">
+                <a:solidFill>
+                  <a:schemeClr val="bg1"/>
+                </a:solidFill>
+                <a:latin typeface="メイリオ" panose="020B0604030504040204" pitchFamily="50" charset="-128"/>
+                <a:ea typeface="メイリオ" panose="020B0604030504040204" pitchFamily="50" charset="-128"/>
+              </a:rPr>
+              <a:t>黒</a:t>
+            </a:r>
+            <a:r>
+              <a:rPr kumimoji="1" lang="ja-JP" altLang="en-US" sz="1200" dirty="0">
+                <a:solidFill>
+                  <a:schemeClr val="bg1"/>
+                </a:solidFill>
+                <a:latin typeface="メイリオ" panose="020B0604030504040204" pitchFamily="50" charset="-128"/>
+                <a:ea typeface="メイリオ" panose="020B0604030504040204" pitchFamily="50" charset="-128"/>
+              </a:rPr>
+              <a:t>い床に到達するまで</a:t>
+            </a:r>
+            <a:endParaRPr kumimoji="1" lang="en-US" altLang="ja-JP" sz="1200" dirty="0">
+              <a:solidFill>
+                <a:schemeClr val="bg1"/>
+              </a:solidFill>
+              <a:latin typeface="メイリオ" panose="020B0604030504040204" pitchFamily="50" charset="-128"/>
+              <a:ea typeface="メイリオ" panose="020B0604030504040204" pitchFamily="50" charset="-128"/>
+            </a:endParaRPr>
+          </a:p>
+          <a:p>
+            <a:pPr algn="ctr"/>
+            <a:r>
+              <a:rPr lang="ja-JP" altLang="en-US" sz="1200" dirty="0">
+                <a:solidFill>
+                  <a:schemeClr val="bg1"/>
+                </a:solidFill>
+                <a:latin typeface="メイリオ" panose="020B0604030504040204" pitchFamily="50" charset="-128"/>
+                <a:ea typeface="メイリオ" panose="020B0604030504040204" pitchFamily="50" charset="-128"/>
+              </a:rPr>
+              <a:t>青</a:t>
+            </a:r>
+            <a:r>
+              <a:rPr kumimoji="1" lang="ja-JP" altLang="en-US" sz="1200" dirty="0">
+                <a:solidFill>
+                  <a:schemeClr val="bg1"/>
+                </a:solidFill>
+                <a:latin typeface="メイリオ" panose="020B0604030504040204" pitchFamily="50" charset="-128"/>
+                <a:ea typeface="メイリオ" panose="020B0604030504040204" pitchFamily="50" charset="-128"/>
+              </a:rPr>
+              <a:t>い線上を旋回する</a:t>
+            </a:r>
+            <a:endParaRPr kumimoji="1" lang="en-US" altLang="ja-JP" sz="1200" dirty="0">
+              <a:solidFill>
+                <a:schemeClr val="bg1"/>
+              </a:solidFill>
+              <a:latin typeface="メイリオ" panose="020B0604030504040204" pitchFamily="50" charset="-128"/>
+              <a:ea typeface="メイリオ" panose="020B0604030504040204" pitchFamily="50" charset="-128"/>
+            </a:endParaRPr>
+          </a:p>
+          <a:p>
+            <a:pPr algn="ctr"/>
+            <a:r>
+              <a:rPr lang="ja-JP" altLang="en-US" sz="1200" dirty="0">
+                <a:solidFill>
+                  <a:schemeClr val="bg1"/>
+                </a:solidFill>
+                <a:latin typeface="メイリオ" panose="020B0604030504040204" pitchFamily="50" charset="-128"/>
+                <a:ea typeface="メイリオ" panose="020B0604030504040204" pitchFamily="50" charset="-128"/>
+              </a:rPr>
+              <a:t>アクション</a:t>
+            </a:r>
+            <a:endParaRPr kumimoji="1" lang="ja-JP" altLang="en-US" sz="1200" dirty="0">
+              <a:solidFill>
+                <a:schemeClr val="bg1"/>
+              </a:solidFill>
+              <a:latin typeface="メイリオ" panose="020B0604030504040204" pitchFamily="50" charset="-128"/>
+              <a:ea typeface="メイリオ" panose="020B0604030504040204" pitchFamily="50" charset="-128"/>
+            </a:endParaRPr>
+          </a:p>
+        </p:txBody>
+      </p:sp>
+      <p:sp>
+        <p:nvSpPr>
+          <p:cNvPr id="298" name="正方形/長方形 297">
+            <a:extLst>
+              <a:ext uri="{FF2B5EF4-FFF2-40B4-BE49-F238E27FC236}">
+                <a16:creationId xmlns:a16="http://schemas.microsoft.com/office/drawing/2014/main" id="{067CB659-D9CB-3F77-A4AF-787D2E0AFA81}"/>
+              </a:ext>
+            </a:extLst>
+          </p:cNvPr>
+          <p:cNvSpPr/>
+          <p:nvPr/>
+        </p:nvSpPr>
+        <p:spPr>
+          <a:xfrm>
+            <a:off x="9547211" y="7559389"/>
+            <a:ext cx="1872000" cy="720000"/>
+          </a:xfrm>
+          <a:prstGeom prst="rect">
+            <a:avLst/>
+          </a:prstGeom>
+          <a:solidFill>
+            <a:schemeClr val="accent1">
+              <a:lumMod val="75000"/>
+            </a:schemeClr>
+          </a:solidFill>
+          <a:ln>
+            <a:noFill/>
+          </a:ln>
+        </p:spPr>
+        <p:style>
+          <a:lnRef idx="2">
+            <a:schemeClr val="accent1">
+              <a:shade val="15000"/>
+            </a:schemeClr>
+          </a:lnRef>
+          <a:fillRef idx="1">
+            <a:schemeClr val="accent1"/>
+          </a:fillRef>
+          <a:effectRef idx="0">
+            <a:schemeClr val="accent1"/>
+          </a:effectRef>
+          <a:fontRef idx="minor">
+            <a:schemeClr val="lt1"/>
+          </a:fontRef>
+        </p:style>
+        <p:txBody>
+          <a:bodyPr rtlCol="0" anchor="ctr"/>
+          <a:lstStyle/>
+          <a:p>
+            <a:pPr algn="ctr"/>
+            <a:r>
+              <a:rPr kumimoji="1" lang="ja-JP" altLang="en-US" sz="1200" dirty="0">
+                <a:solidFill>
+                  <a:schemeClr val="bg1"/>
+                </a:solidFill>
+                <a:latin typeface="メイリオ" panose="020B0604030504040204" pitchFamily="50" charset="-128"/>
+                <a:ea typeface="メイリオ" panose="020B0604030504040204" pitchFamily="50" charset="-128"/>
+              </a:rPr>
+              <a:t>青い床に到達するまで</a:t>
+            </a:r>
+            <a:endParaRPr kumimoji="1" lang="en-US" altLang="ja-JP" sz="1200" dirty="0">
+              <a:solidFill>
+                <a:schemeClr val="bg1"/>
+              </a:solidFill>
+              <a:latin typeface="メイリオ" panose="020B0604030504040204" pitchFamily="50" charset="-128"/>
+              <a:ea typeface="メイリオ" panose="020B0604030504040204" pitchFamily="50" charset="-128"/>
+            </a:endParaRPr>
+          </a:p>
+          <a:p>
+            <a:pPr algn="ctr"/>
+            <a:r>
+              <a:rPr kumimoji="1" lang="ja-JP" altLang="en-US" sz="1200" dirty="0">
+                <a:solidFill>
+                  <a:schemeClr val="bg1"/>
+                </a:solidFill>
+                <a:latin typeface="メイリオ" panose="020B0604030504040204" pitchFamily="50" charset="-128"/>
+                <a:ea typeface="メイリオ" panose="020B0604030504040204" pitchFamily="50" charset="-128"/>
+              </a:rPr>
+              <a:t>黒い線上を旋回する</a:t>
+            </a:r>
+            <a:endParaRPr kumimoji="1" lang="en-US" altLang="ja-JP" sz="1200" dirty="0">
+              <a:solidFill>
+                <a:schemeClr val="bg1"/>
+              </a:solidFill>
+              <a:latin typeface="メイリオ" panose="020B0604030504040204" pitchFamily="50" charset="-128"/>
+              <a:ea typeface="メイリオ" panose="020B0604030504040204" pitchFamily="50" charset="-128"/>
+            </a:endParaRPr>
+          </a:p>
+          <a:p>
+            <a:pPr algn="ctr"/>
+            <a:r>
+              <a:rPr lang="ja-JP" altLang="en-US" sz="1200" dirty="0">
+                <a:solidFill>
+                  <a:schemeClr val="bg1"/>
+                </a:solidFill>
+                <a:latin typeface="メイリオ" panose="020B0604030504040204" pitchFamily="50" charset="-128"/>
+                <a:ea typeface="メイリオ" panose="020B0604030504040204" pitchFamily="50" charset="-128"/>
+              </a:rPr>
+              <a:t>アクション</a:t>
+            </a:r>
+            <a:endParaRPr kumimoji="1" lang="ja-JP" altLang="en-US" sz="1200" dirty="0">
+              <a:solidFill>
+                <a:schemeClr val="bg1"/>
+              </a:solidFill>
+              <a:latin typeface="メイリオ" panose="020B0604030504040204" pitchFamily="50" charset="-128"/>
+              <a:ea typeface="メイリオ" panose="020B0604030504040204" pitchFamily="50" charset="-128"/>
+            </a:endParaRPr>
+          </a:p>
+        </p:txBody>
+      </p:sp>
+      <p:sp>
+        <p:nvSpPr>
+          <p:cNvPr id="299" name="正方形/長方形 298">
+            <a:extLst>
+              <a:ext uri="{FF2B5EF4-FFF2-40B4-BE49-F238E27FC236}">
+                <a16:creationId xmlns:a16="http://schemas.microsoft.com/office/drawing/2014/main" id="{37634889-04E4-20D4-FA26-FA9861036A57}"/>
+              </a:ext>
+            </a:extLst>
+          </p:cNvPr>
+          <p:cNvSpPr/>
+          <p:nvPr/>
+        </p:nvSpPr>
+        <p:spPr>
+          <a:xfrm>
+            <a:off x="11749377" y="4212310"/>
+            <a:ext cx="1872000" cy="720000"/>
+          </a:xfrm>
+          <a:prstGeom prst="rect">
+            <a:avLst/>
+          </a:prstGeom>
+          <a:solidFill>
+            <a:schemeClr val="accent2">
+              <a:lumMod val="75000"/>
+            </a:schemeClr>
+          </a:solidFill>
+          <a:ln>
+            <a:noFill/>
+          </a:ln>
+        </p:spPr>
+        <p:style>
+          <a:lnRef idx="2">
+            <a:schemeClr val="accent1">
+              <a:shade val="15000"/>
+            </a:schemeClr>
+          </a:lnRef>
+          <a:fillRef idx="1">
+            <a:schemeClr val="accent1"/>
+          </a:fillRef>
+          <a:effectRef idx="0">
+            <a:schemeClr val="accent1"/>
+          </a:effectRef>
+          <a:fontRef idx="minor">
+            <a:schemeClr val="lt1"/>
+          </a:fontRef>
+        </p:style>
+        <p:txBody>
+          <a:bodyPr rtlCol="0" anchor="ctr"/>
+          <a:lstStyle/>
+          <a:p>
+            <a:pPr algn="ctr"/>
+            <a:r>
+              <a:rPr lang="ja-JP" altLang="en-US" sz="1200" dirty="0">
+                <a:solidFill>
+                  <a:schemeClr val="bg1"/>
+                </a:solidFill>
+                <a:latin typeface="メイリオ" panose="020B0604030504040204" pitchFamily="50" charset="-128"/>
+                <a:ea typeface="メイリオ" panose="020B0604030504040204" pitchFamily="50" charset="-128"/>
+              </a:rPr>
+              <a:t>巻き戻し走行</a:t>
+            </a:r>
+            <a:endParaRPr lang="en-US" altLang="ja-JP" sz="1200" dirty="0">
+              <a:solidFill>
+                <a:schemeClr val="bg1"/>
+              </a:solidFill>
+              <a:latin typeface="メイリオ" panose="020B0604030504040204" pitchFamily="50" charset="-128"/>
+              <a:ea typeface="メイリオ" panose="020B0604030504040204" pitchFamily="50" charset="-128"/>
+            </a:endParaRPr>
+          </a:p>
+          <a:p>
+            <a:pPr algn="ctr"/>
+            <a:r>
+              <a:rPr kumimoji="1" lang="ja-JP" altLang="en-US" sz="1200" dirty="0">
+                <a:solidFill>
+                  <a:schemeClr val="bg1"/>
+                </a:solidFill>
+                <a:latin typeface="メイリオ" panose="020B0604030504040204" pitchFamily="50" charset="-128"/>
+                <a:ea typeface="メイリオ" panose="020B0604030504040204" pitchFamily="50" charset="-128"/>
+              </a:rPr>
+              <a:t>アクション</a:t>
+            </a:r>
+          </a:p>
+        </p:txBody>
+      </p:sp>
+      <p:sp>
+        <p:nvSpPr>
+          <p:cNvPr id="302" name="爆発: 8 pt 301">
+            <a:extLst>
+              <a:ext uri="{FF2B5EF4-FFF2-40B4-BE49-F238E27FC236}">
+                <a16:creationId xmlns:a16="http://schemas.microsoft.com/office/drawing/2014/main" id="{40F3DD13-50E7-EEA6-B3F5-7AD0AF34351B}"/>
+              </a:ext>
+            </a:extLst>
+          </p:cNvPr>
+          <p:cNvSpPr/>
+          <p:nvPr/>
+        </p:nvSpPr>
+        <p:spPr>
+          <a:xfrm>
+            <a:off x="10945480" y="2492337"/>
+            <a:ext cx="914400" cy="914400"/>
+          </a:xfrm>
+          <a:prstGeom prst="irregularSeal1">
+            <a:avLst/>
+          </a:prstGeom>
+          <a:solidFill>
+            <a:schemeClr val="accent2">
+              <a:lumMod val="75000"/>
+            </a:schemeClr>
+          </a:solidFill>
+          <a:ln>
+            <a:noFill/>
+          </a:ln>
+        </p:spPr>
+        <p:style>
+          <a:lnRef idx="2">
+            <a:schemeClr val="accent1">
+              <a:shade val="15000"/>
+            </a:schemeClr>
+          </a:lnRef>
+          <a:fillRef idx="1">
+            <a:schemeClr val="accent1"/>
+          </a:fillRef>
+          <a:effectRef idx="0">
+            <a:schemeClr val="accent1"/>
+          </a:effectRef>
+          <a:fontRef idx="minor">
+            <a:schemeClr val="lt1"/>
+          </a:fontRef>
+        </p:style>
+        <p:txBody>
+          <a:bodyPr rtlCol="0" anchor="ctr"/>
+          <a:lstStyle/>
+          <a:p>
+            <a:pPr algn="ctr"/>
+            <a:endParaRPr kumimoji="1" lang="ja-JP" altLang="en-US"/>
+          </a:p>
+        </p:txBody>
+      </p:sp>
+      <p:sp>
+        <p:nvSpPr>
+          <p:cNvPr id="303" name="テキスト ボックス 302">
+            <a:extLst>
+              <a:ext uri="{FF2B5EF4-FFF2-40B4-BE49-F238E27FC236}">
+                <a16:creationId xmlns:a16="http://schemas.microsoft.com/office/drawing/2014/main" id="{0F9296A7-A8D0-4D10-5735-DBB018C92D26}"/>
+              </a:ext>
+            </a:extLst>
+          </p:cNvPr>
+          <p:cNvSpPr txBox="1"/>
+          <p:nvPr/>
+        </p:nvSpPr>
+        <p:spPr>
+          <a:xfrm>
+            <a:off x="11756991" y="2488943"/>
+            <a:ext cx="1723550" cy="276999"/>
+          </a:xfrm>
+          <a:prstGeom prst="rect">
+            <a:avLst/>
+          </a:prstGeom>
+          <a:noFill/>
+        </p:spPr>
+        <p:txBody>
+          <a:bodyPr wrap="none" rtlCol="0">
+            <a:spAutoFit/>
+          </a:bodyPr>
+          <a:lstStyle/>
+          <a:p>
+            <a:pPr algn="ctr"/>
+            <a:r>
+              <a:rPr kumimoji="1" lang="ja-JP" altLang="en-US" sz="1200" b="1" dirty="0">
+                <a:solidFill>
+                  <a:schemeClr val="accent2">
+                    <a:lumMod val="75000"/>
+                  </a:schemeClr>
+                </a:solidFill>
+                <a:latin typeface="メイリオ" panose="020B0604030504040204" pitchFamily="50" charset="-128"/>
+                <a:ea typeface="メイリオ" panose="020B0604030504040204" pitchFamily="50" charset="-128"/>
+              </a:rPr>
+              <a:t>黒い線を見失った！！</a:t>
+            </a:r>
+          </a:p>
+        </p:txBody>
+      </p:sp>
+      <p:sp>
+        <p:nvSpPr>
+          <p:cNvPr id="304" name="右大かっこ 303">
+            <a:extLst>
+              <a:ext uri="{FF2B5EF4-FFF2-40B4-BE49-F238E27FC236}">
+                <a16:creationId xmlns:a16="http://schemas.microsoft.com/office/drawing/2014/main" id="{A0117672-3447-C4AB-DEB1-01A8EB5AD387}"/>
+              </a:ext>
+            </a:extLst>
+          </p:cNvPr>
+          <p:cNvSpPr/>
+          <p:nvPr/>
+        </p:nvSpPr>
+        <p:spPr>
+          <a:xfrm>
+            <a:off x="13942815" y="4217921"/>
+            <a:ext cx="169380" cy="1758578"/>
+          </a:xfrm>
+          <a:prstGeom prst="rightBracket">
+            <a:avLst>
+              <a:gd name="adj" fmla="val 64908"/>
+            </a:avLst>
+          </a:prstGeom>
+          <a:ln>
+            <a:solidFill>
+              <a:schemeClr val="tx1">
+                <a:lumMod val="85000"/>
+                <a:lumOff val="15000"/>
+              </a:schemeClr>
+            </a:solidFill>
+          </a:ln>
+        </p:spPr>
+        <p:style>
+          <a:lnRef idx="2">
+            <a:schemeClr val="accent1"/>
+          </a:lnRef>
+          <a:fillRef idx="0">
+            <a:schemeClr val="accent1"/>
+          </a:fillRef>
+          <a:effectRef idx="1">
+            <a:schemeClr val="accent1"/>
+          </a:effectRef>
+          <a:fontRef idx="minor">
+            <a:schemeClr val="tx1"/>
+          </a:fontRef>
+        </p:style>
+        <p:txBody>
+          <a:bodyPr rtlCol="0" anchor="ctr"/>
+          <a:lstStyle/>
+          <a:p>
+            <a:pPr algn="ctr"/>
+            <a:endParaRPr kumimoji="1" lang="ja-JP" altLang="en-US"/>
+          </a:p>
+        </p:txBody>
+      </p:sp>
       <p:grpSp>
         <p:nvGrpSpPr>
-          <p:cNvPr id="13" name="グループ化 12">
+          <p:cNvPr id="305" name="グループ化 304">
             <a:extLst>
               <a:ext uri="{FF2B5EF4-FFF2-40B4-BE49-F238E27FC236}">
-                <a16:creationId xmlns:a16="http://schemas.microsoft.com/office/drawing/2014/main" id="{0D59EEFB-33E0-9576-7A23-4E2182F56788}"/>
+                <a16:creationId xmlns:a16="http://schemas.microsoft.com/office/drawing/2014/main" id="{19C13F47-F7E2-5677-F95B-52939D1BD3D6}"/>
               </a:ext>
             </a:extLst>
           </p:cNvPr>
@@ -15981,1717 +17554,18 @@
         </p:nvGrpSpPr>
         <p:grpSpPr>
           <a:xfrm>
-            <a:off x="1707849" y="3875839"/>
-            <a:ext cx="4408219" cy="5763862"/>
-            <a:chOff x="814715" y="436913"/>
-            <a:chExt cx="4408219" cy="5763862"/>
+            <a:off x="11663923" y="6528557"/>
+            <a:ext cx="3302695" cy="720000"/>
+            <a:chOff x="10058399" y="5241351"/>
+            <a:chExt cx="3302695" cy="720000"/>
           </a:xfrm>
         </p:grpSpPr>
-        <p:grpSp>
-          <p:nvGrpSpPr>
-            <p:cNvPr id="14" name="グループ化 13">
+        <p:sp>
+          <p:nvSpPr>
+            <p:cNvPr id="306" name="テキスト ボックス 305">
               <a:extLst>
                 <a:ext uri="{FF2B5EF4-FFF2-40B4-BE49-F238E27FC236}">
-                  <a16:creationId xmlns:a16="http://schemas.microsoft.com/office/drawing/2014/main" id="{ACC904DB-FBA2-C9A1-06D2-2A483CD14476}"/>
-                </a:ext>
-              </a:extLst>
-            </p:cNvPr>
-            <p:cNvGrpSpPr/>
-            <p:nvPr/>
-          </p:nvGrpSpPr>
-          <p:grpSpPr>
-            <a:xfrm>
-              <a:off x="4183431" y="878465"/>
-              <a:ext cx="207005" cy="5232093"/>
-              <a:chOff x="6461068" y="878465"/>
-              <a:chExt cx="207005" cy="5232093"/>
-            </a:xfrm>
-          </p:grpSpPr>
-          <p:sp>
-            <p:nvSpPr>
-              <p:cNvPr id="24" name="四角形: 角を丸くする 23">
-                <a:extLst>
-                  <a:ext uri="{FF2B5EF4-FFF2-40B4-BE49-F238E27FC236}">
-                    <a16:creationId xmlns:a16="http://schemas.microsoft.com/office/drawing/2014/main" id="{1CF2DF06-252E-257B-11D2-06B2A8FE0167}"/>
-                  </a:ext>
-                </a:extLst>
-              </p:cNvPr>
-              <p:cNvSpPr/>
-              <p:nvPr/>
-            </p:nvSpPr>
-            <p:spPr>
-              <a:xfrm flipH="1">
-                <a:off x="6461068" y="878465"/>
-                <a:ext cx="207005" cy="352744"/>
-              </a:xfrm>
-              <a:prstGeom prst="roundRect">
-                <a:avLst>
-                  <a:gd name="adj" fmla="val 42382"/>
-                </a:avLst>
-              </a:prstGeom>
-              <a:noFill/>
-              <a:ln>
-                <a:solidFill>
-                  <a:schemeClr val="tx1">
-                    <a:lumMod val="50000"/>
-                    <a:lumOff val="50000"/>
-                  </a:schemeClr>
-                </a:solidFill>
-              </a:ln>
-            </p:spPr>
-            <p:style>
-              <a:lnRef idx="2">
-                <a:schemeClr val="accent1">
-                  <a:shade val="15000"/>
-                </a:schemeClr>
-              </a:lnRef>
-              <a:fillRef idx="1">
-                <a:schemeClr val="accent1"/>
-              </a:fillRef>
-              <a:effectRef idx="0">
-                <a:schemeClr val="accent1"/>
-              </a:effectRef>
-              <a:fontRef idx="minor">
-                <a:schemeClr val="lt1"/>
-              </a:fontRef>
-            </p:style>
-            <p:txBody>
-              <a:bodyPr rtlCol="0" anchor="ctr"/>
-              <a:lstStyle/>
-              <a:p>
-                <a:pPr algn="ctr"/>
-                <a:endParaRPr kumimoji="1" lang="ja-JP" altLang="en-US"/>
-              </a:p>
-            </p:txBody>
-          </p:sp>
-          <p:sp>
-            <p:nvSpPr>
-              <p:cNvPr id="25" name="四角形: 角を丸くする 24">
-                <a:extLst>
-                  <a:ext uri="{FF2B5EF4-FFF2-40B4-BE49-F238E27FC236}">
-                    <a16:creationId xmlns:a16="http://schemas.microsoft.com/office/drawing/2014/main" id="{FB3D397B-5CCF-D479-3F42-D8AE4C46DFA3}"/>
-                  </a:ext>
-                </a:extLst>
-              </p:cNvPr>
-              <p:cNvSpPr/>
-              <p:nvPr/>
-            </p:nvSpPr>
-            <p:spPr>
-              <a:xfrm flipH="1">
-                <a:off x="6461068" y="1321859"/>
-                <a:ext cx="207005" cy="352744"/>
-              </a:xfrm>
-              <a:prstGeom prst="roundRect">
-                <a:avLst>
-                  <a:gd name="adj" fmla="val 42382"/>
-                </a:avLst>
-              </a:prstGeom>
-              <a:noFill/>
-              <a:ln>
-                <a:solidFill>
-                  <a:schemeClr val="tx1">
-                    <a:lumMod val="50000"/>
-                    <a:lumOff val="50000"/>
-                  </a:schemeClr>
-                </a:solidFill>
-              </a:ln>
-            </p:spPr>
-            <p:style>
-              <a:lnRef idx="2">
-                <a:schemeClr val="accent1">
-                  <a:shade val="15000"/>
-                </a:schemeClr>
-              </a:lnRef>
-              <a:fillRef idx="1">
-                <a:schemeClr val="accent1"/>
-              </a:fillRef>
-              <a:effectRef idx="0">
-                <a:schemeClr val="accent1"/>
-              </a:effectRef>
-              <a:fontRef idx="minor">
-                <a:schemeClr val="lt1"/>
-              </a:fontRef>
-            </p:style>
-            <p:txBody>
-              <a:bodyPr rtlCol="0" anchor="ctr"/>
-              <a:lstStyle/>
-              <a:p>
-                <a:pPr algn="ctr"/>
-                <a:endParaRPr kumimoji="1" lang="ja-JP" altLang="en-US"/>
-              </a:p>
-            </p:txBody>
-          </p:sp>
-          <p:sp>
-            <p:nvSpPr>
-              <p:cNvPr id="26" name="四角形: 角を丸くする 25">
-                <a:extLst>
-                  <a:ext uri="{FF2B5EF4-FFF2-40B4-BE49-F238E27FC236}">
-                    <a16:creationId xmlns:a16="http://schemas.microsoft.com/office/drawing/2014/main" id="{A082FE00-5B34-5ABC-A7A6-9AE98CF8834C}"/>
-                  </a:ext>
-                </a:extLst>
-              </p:cNvPr>
-              <p:cNvSpPr/>
-              <p:nvPr/>
-            </p:nvSpPr>
-            <p:spPr>
-              <a:xfrm flipH="1">
-                <a:off x="6461068" y="1765253"/>
-                <a:ext cx="207005" cy="352744"/>
-              </a:xfrm>
-              <a:prstGeom prst="roundRect">
-                <a:avLst>
-                  <a:gd name="adj" fmla="val 42382"/>
-                </a:avLst>
-              </a:prstGeom>
-              <a:noFill/>
-              <a:ln>
-                <a:solidFill>
-                  <a:schemeClr val="tx1">
-                    <a:lumMod val="50000"/>
-                    <a:lumOff val="50000"/>
-                  </a:schemeClr>
-                </a:solidFill>
-              </a:ln>
-            </p:spPr>
-            <p:style>
-              <a:lnRef idx="2">
-                <a:schemeClr val="accent1">
-                  <a:shade val="15000"/>
-                </a:schemeClr>
-              </a:lnRef>
-              <a:fillRef idx="1">
-                <a:schemeClr val="accent1"/>
-              </a:fillRef>
-              <a:effectRef idx="0">
-                <a:schemeClr val="accent1"/>
-              </a:effectRef>
-              <a:fontRef idx="minor">
-                <a:schemeClr val="lt1"/>
-              </a:fontRef>
-            </p:style>
-            <p:txBody>
-              <a:bodyPr rtlCol="0" anchor="ctr"/>
-              <a:lstStyle/>
-              <a:p>
-                <a:pPr algn="ctr"/>
-                <a:endParaRPr kumimoji="1" lang="ja-JP" altLang="en-US"/>
-              </a:p>
-            </p:txBody>
-          </p:sp>
-          <p:sp>
-            <p:nvSpPr>
-              <p:cNvPr id="27" name="四角形: 角を丸くする 26">
-                <a:extLst>
-                  <a:ext uri="{FF2B5EF4-FFF2-40B4-BE49-F238E27FC236}">
-                    <a16:creationId xmlns:a16="http://schemas.microsoft.com/office/drawing/2014/main" id="{8E9ED6D3-C7DB-B433-6273-B1C6B22A8D3C}"/>
-                  </a:ext>
-                </a:extLst>
-              </p:cNvPr>
-              <p:cNvSpPr/>
-              <p:nvPr/>
-            </p:nvSpPr>
-            <p:spPr>
-              <a:xfrm flipH="1">
-                <a:off x="6461068" y="2208648"/>
-                <a:ext cx="207005" cy="352744"/>
-              </a:xfrm>
-              <a:prstGeom prst="roundRect">
-                <a:avLst>
-                  <a:gd name="adj" fmla="val 42382"/>
-                </a:avLst>
-              </a:prstGeom>
-              <a:noFill/>
-              <a:ln>
-                <a:solidFill>
-                  <a:schemeClr val="tx1">
-                    <a:lumMod val="50000"/>
-                    <a:lumOff val="50000"/>
-                  </a:schemeClr>
-                </a:solidFill>
-              </a:ln>
-            </p:spPr>
-            <p:style>
-              <a:lnRef idx="2">
-                <a:schemeClr val="accent1">
-                  <a:shade val="15000"/>
-                </a:schemeClr>
-              </a:lnRef>
-              <a:fillRef idx="1">
-                <a:schemeClr val="accent1"/>
-              </a:fillRef>
-              <a:effectRef idx="0">
-                <a:schemeClr val="accent1"/>
-              </a:effectRef>
-              <a:fontRef idx="minor">
-                <a:schemeClr val="lt1"/>
-              </a:fontRef>
-            </p:style>
-            <p:txBody>
-              <a:bodyPr rtlCol="0" anchor="ctr"/>
-              <a:lstStyle/>
-              <a:p>
-                <a:pPr algn="ctr"/>
-                <a:endParaRPr kumimoji="1" lang="ja-JP" altLang="en-US"/>
-              </a:p>
-            </p:txBody>
-          </p:sp>
-          <p:sp>
-            <p:nvSpPr>
-              <p:cNvPr id="28" name="四角形: 角を丸くする 27">
-                <a:extLst>
-                  <a:ext uri="{FF2B5EF4-FFF2-40B4-BE49-F238E27FC236}">
-                    <a16:creationId xmlns:a16="http://schemas.microsoft.com/office/drawing/2014/main" id="{021E9083-9711-608C-FC6D-EE3AB1C48B72}"/>
-                  </a:ext>
-                </a:extLst>
-              </p:cNvPr>
-              <p:cNvSpPr/>
-              <p:nvPr/>
-            </p:nvSpPr>
-            <p:spPr>
-              <a:xfrm flipH="1">
-                <a:off x="6461068" y="2652042"/>
-                <a:ext cx="207005" cy="352744"/>
-              </a:xfrm>
-              <a:prstGeom prst="roundRect">
-                <a:avLst>
-                  <a:gd name="adj" fmla="val 42382"/>
-                </a:avLst>
-              </a:prstGeom>
-              <a:noFill/>
-              <a:ln>
-                <a:solidFill>
-                  <a:schemeClr val="tx1">
-                    <a:lumMod val="50000"/>
-                    <a:lumOff val="50000"/>
-                  </a:schemeClr>
-                </a:solidFill>
-              </a:ln>
-            </p:spPr>
-            <p:style>
-              <a:lnRef idx="2">
-                <a:schemeClr val="accent1">
-                  <a:shade val="15000"/>
-                </a:schemeClr>
-              </a:lnRef>
-              <a:fillRef idx="1">
-                <a:schemeClr val="accent1"/>
-              </a:fillRef>
-              <a:effectRef idx="0">
-                <a:schemeClr val="accent1"/>
-              </a:effectRef>
-              <a:fontRef idx="minor">
-                <a:schemeClr val="lt1"/>
-              </a:fontRef>
-            </p:style>
-            <p:txBody>
-              <a:bodyPr rtlCol="0" anchor="ctr"/>
-              <a:lstStyle/>
-              <a:p>
-                <a:pPr algn="ctr"/>
-                <a:endParaRPr kumimoji="1" lang="ja-JP" altLang="en-US"/>
-              </a:p>
-            </p:txBody>
-          </p:sp>
-          <p:sp>
-            <p:nvSpPr>
-              <p:cNvPr id="29" name="四角形: 角を丸くする 28">
-                <a:extLst>
-                  <a:ext uri="{FF2B5EF4-FFF2-40B4-BE49-F238E27FC236}">
-                    <a16:creationId xmlns:a16="http://schemas.microsoft.com/office/drawing/2014/main" id="{F6BA7817-763B-8708-2E6A-C3CA6614FCB9}"/>
-                  </a:ext>
-                </a:extLst>
-              </p:cNvPr>
-              <p:cNvSpPr/>
-              <p:nvPr/>
-            </p:nvSpPr>
-            <p:spPr>
-              <a:xfrm flipH="1">
-                <a:off x="6516269" y="1100162"/>
-                <a:ext cx="96602" cy="352744"/>
-              </a:xfrm>
-              <a:prstGeom prst="roundRect">
-                <a:avLst>
-                  <a:gd name="adj" fmla="val 42382"/>
-                </a:avLst>
-              </a:prstGeom>
-              <a:noFill/>
-              <a:ln>
-                <a:solidFill>
-                  <a:schemeClr val="tx1">
-                    <a:lumMod val="50000"/>
-                    <a:lumOff val="50000"/>
-                  </a:schemeClr>
-                </a:solidFill>
-              </a:ln>
-            </p:spPr>
-            <p:style>
-              <a:lnRef idx="2">
-                <a:schemeClr val="accent1">
-                  <a:shade val="15000"/>
-                </a:schemeClr>
-              </a:lnRef>
-              <a:fillRef idx="1">
-                <a:schemeClr val="accent1"/>
-              </a:fillRef>
-              <a:effectRef idx="0">
-                <a:schemeClr val="accent1"/>
-              </a:effectRef>
-              <a:fontRef idx="minor">
-                <a:schemeClr val="lt1"/>
-              </a:fontRef>
-            </p:style>
-            <p:txBody>
-              <a:bodyPr rtlCol="0" anchor="ctr"/>
-              <a:lstStyle/>
-              <a:p>
-                <a:pPr algn="ctr"/>
-                <a:endParaRPr kumimoji="1" lang="ja-JP" altLang="en-US"/>
-              </a:p>
-            </p:txBody>
-          </p:sp>
-          <p:sp>
-            <p:nvSpPr>
-              <p:cNvPr id="30" name="四角形: 角を丸くする 29">
-                <a:extLst>
-                  <a:ext uri="{FF2B5EF4-FFF2-40B4-BE49-F238E27FC236}">
-                    <a16:creationId xmlns:a16="http://schemas.microsoft.com/office/drawing/2014/main" id="{63A9F674-BDF3-661B-E2AA-D5EDAECDEAC5}"/>
-                  </a:ext>
-                </a:extLst>
-              </p:cNvPr>
-              <p:cNvSpPr/>
-              <p:nvPr/>
-            </p:nvSpPr>
-            <p:spPr>
-              <a:xfrm flipH="1">
-                <a:off x="6516269" y="1543556"/>
-                <a:ext cx="96602" cy="352744"/>
-              </a:xfrm>
-              <a:prstGeom prst="roundRect">
-                <a:avLst>
-                  <a:gd name="adj" fmla="val 42382"/>
-                </a:avLst>
-              </a:prstGeom>
-              <a:noFill/>
-              <a:ln>
-                <a:solidFill>
-                  <a:schemeClr val="tx1">
-                    <a:lumMod val="50000"/>
-                    <a:lumOff val="50000"/>
-                  </a:schemeClr>
-                </a:solidFill>
-              </a:ln>
-            </p:spPr>
-            <p:style>
-              <a:lnRef idx="2">
-                <a:schemeClr val="accent1">
-                  <a:shade val="15000"/>
-                </a:schemeClr>
-              </a:lnRef>
-              <a:fillRef idx="1">
-                <a:schemeClr val="accent1"/>
-              </a:fillRef>
-              <a:effectRef idx="0">
-                <a:schemeClr val="accent1"/>
-              </a:effectRef>
-              <a:fontRef idx="minor">
-                <a:schemeClr val="lt1"/>
-              </a:fontRef>
-            </p:style>
-            <p:txBody>
-              <a:bodyPr rtlCol="0" anchor="ctr"/>
-              <a:lstStyle/>
-              <a:p>
-                <a:pPr algn="ctr"/>
-                <a:endParaRPr kumimoji="1" lang="ja-JP" altLang="en-US"/>
-              </a:p>
-            </p:txBody>
-          </p:sp>
-          <p:sp>
-            <p:nvSpPr>
-              <p:cNvPr id="31" name="四角形: 角を丸くする 30">
-                <a:extLst>
-                  <a:ext uri="{FF2B5EF4-FFF2-40B4-BE49-F238E27FC236}">
-                    <a16:creationId xmlns:a16="http://schemas.microsoft.com/office/drawing/2014/main" id="{BBE3F802-5EA0-FB9E-D5A0-D818B08E065D}"/>
-                  </a:ext>
-                </a:extLst>
-              </p:cNvPr>
-              <p:cNvSpPr/>
-              <p:nvPr/>
-            </p:nvSpPr>
-            <p:spPr>
-              <a:xfrm flipH="1">
-                <a:off x="6516269" y="1986950"/>
-                <a:ext cx="96602" cy="352744"/>
-              </a:xfrm>
-              <a:prstGeom prst="roundRect">
-                <a:avLst>
-                  <a:gd name="adj" fmla="val 42382"/>
-                </a:avLst>
-              </a:prstGeom>
-              <a:noFill/>
-              <a:ln>
-                <a:solidFill>
-                  <a:schemeClr val="tx1">
-                    <a:lumMod val="50000"/>
-                    <a:lumOff val="50000"/>
-                  </a:schemeClr>
-                </a:solidFill>
-              </a:ln>
-            </p:spPr>
-            <p:style>
-              <a:lnRef idx="2">
-                <a:schemeClr val="accent1">
-                  <a:shade val="15000"/>
-                </a:schemeClr>
-              </a:lnRef>
-              <a:fillRef idx="1">
-                <a:schemeClr val="accent1"/>
-              </a:fillRef>
-              <a:effectRef idx="0">
-                <a:schemeClr val="accent1"/>
-              </a:effectRef>
-              <a:fontRef idx="minor">
-                <a:schemeClr val="lt1"/>
-              </a:fontRef>
-            </p:style>
-            <p:txBody>
-              <a:bodyPr rtlCol="0" anchor="ctr"/>
-              <a:lstStyle/>
-              <a:p>
-                <a:pPr algn="ctr"/>
-                <a:endParaRPr kumimoji="1" lang="ja-JP" altLang="en-US"/>
-              </a:p>
-            </p:txBody>
-          </p:sp>
-          <p:sp>
-            <p:nvSpPr>
-              <p:cNvPr id="32" name="四角形: 角を丸くする 31">
-                <a:extLst>
-                  <a:ext uri="{FF2B5EF4-FFF2-40B4-BE49-F238E27FC236}">
-                    <a16:creationId xmlns:a16="http://schemas.microsoft.com/office/drawing/2014/main" id="{F9C66CCC-0C13-EFA0-74CE-396D517236CF}"/>
-                  </a:ext>
-                </a:extLst>
-              </p:cNvPr>
-              <p:cNvSpPr/>
-              <p:nvPr/>
-            </p:nvSpPr>
-            <p:spPr>
-              <a:xfrm flipH="1">
-                <a:off x="6516269" y="2430345"/>
-                <a:ext cx="96602" cy="352744"/>
-              </a:xfrm>
-              <a:prstGeom prst="roundRect">
-                <a:avLst>
-                  <a:gd name="adj" fmla="val 42382"/>
-                </a:avLst>
-              </a:prstGeom>
-              <a:noFill/>
-              <a:ln>
-                <a:solidFill>
-                  <a:schemeClr val="tx1">
-                    <a:lumMod val="50000"/>
-                    <a:lumOff val="50000"/>
-                  </a:schemeClr>
-                </a:solidFill>
-              </a:ln>
-            </p:spPr>
-            <p:style>
-              <a:lnRef idx="2">
-                <a:schemeClr val="accent1">
-                  <a:shade val="15000"/>
-                </a:schemeClr>
-              </a:lnRef>
-              <a:fillRef idx="1">
-                <a:schemeClr val="accent1"/>
-              </a:fillRef>
-              <a:effectRef idx="0">
-                <a:schemeClr val="accent1"/>
-              </a:effectRef>
-              <a:fontRef idx="minor">
-                <a:schemeClr val="lt1"/>
-              </a:fontRef>
-            </p:style>
-            <p:txBody>
-              <a:bodyPr rtlCol="0" anchor="ctr"/>
-              <a:lstStyle/>
-              <a:p>
-                <a:pPr algn="ctr"/>
-                <a:endParaRPr kumimoji="1" lang="ja-JP" altLang="en-US"/>
-              </a:p>
-            </p:txBody>
-          </p:sp>
-          <p:sp>
-            <p:nvSpPr>
-              <p:cNvPr id="33" name="四角形: 角を丸くする 32">
-                <a:extLst>
-                  <a:ext uri="{FF2B5EF4-FFF2-40B4-BE49-F238E27FC236}">
-                    <a16:creationId xmlns:a16="http://schemas.microsoft.com/office/drawing/2014/main" id="{1B3131E9-012D-5C3B-8ABA-D6631F1B8269}"/>
-                  </a:ext>
-                </a:extLst>
-              </p:cNvPr>
-              <p:cNvSpPr/>
-              <p:nvPr/>
-            </p:nvSpPr>
-            <p:spPr>
-              <a:xfrm flipH="1">
-                <a:off x="6461068" y="3095436"/>
-                <a:ext cx="207005" cy="352744"/>
-              </a:xfrm>
-              <a:prstGeom prst="roundRect">
-                <a:avLst>
-                  <a:gd name="adj" fmla="val 42382"/>
-                </a:avLst>
-              </a:prstGeom>
-              <a:noFill/>
-              <a:ln>
-                <a:solidFill>
-                  <a:schemeClr val="tx1">
-                    <a:lumMod val="50000"/>
-                    <a:lumOff val="50000"/>
-                  </a:schemeClr>
-                </a:solidFill>
-              </a:ln>
-            </p:spPr>
-            <p:style>
-              <a:lnRef idx="2">
-                <a:schemeClr val="accent1">
-                  <a:shade val="15000"/>
-                </a:schemeClr>
-              </a:lnRef>
-              <a:fillRef idx="1">
-                <a:schemeClr val="accent1"/>
-              </a:fillRef>
-              <a:effectRef idx="0">
-                <a:schemeClr val="accent1"/>
-              </a:effectRef>
-              <a:fontRef idx="minor">
-                <a:schemeClr val="lt1"/>
-              </a:fontRef>
-            </p:style>
-            <p:txBody>
-              <a:bodyPr rtlCol="0" anchor="ctr"/>
-              <a:lstStyle/>
-              <a:p>
-                <a:pPr algn="ctr"/>
-                <a:endParaRPr kumimoji="1" lang="ja-JP" altLang="en-US"/>
-              </a:p>
-            </p:txBody>
-          </p:sp>
-          <p:sp>
-            <p:nvSpPr>
-              <p:cNvPr id="34" name="四角形: 角を丸くする 33">
-                <a:extLst>
-                  <a:ext uri="{FF2B5EF4-FFF2-40B4-BE49-F238E27FC236}">
-                    <a16:creationId xmlns:a16="http://schemas.microsoft.com/office/drawing/2014/main" id="{6BF461A5-19AA-4B59-7197-394987B48916}"/>
-                  </a:ext>
-                </a:extLst>
-              </p:cNvPr>
-              <p:cNvSpPr/>
-              <p:nvPr/>
-            </p:nvSpPr>
-            <p:spPr>
-              <a:xfrm flipH="1">
-                <a:off x="6516269" y="2873739"/>
-                <a:ext cx="96602" cy="352744"/>
-              </a:xfrm>
-              <a:prstGeom prst="roundRect">
-                <a:avLst>
-                  <a:gd name="adj" fmla="val 42382"/>
-                </a:avLst>
-              </a:prstGeom>
-              <a:noFill/>
-              <a:ln>
-                <a:solidFill>
-                  <a:schemeClr val="tx1">
-                    <a:lumMod val="50000"/>
-                    <a:lumOff val="50000"/>
-                  </a:schemeClr>
-                </a:solidFill>
-              </a:ln>
-            </p:spPr>
-            <p:style>
-              <a:lnRef idx="2">
-                <a:schemeClr val="accent1">
-                  <a:shade val="15000"/>
-                </a:schemeClr>
-              </a:lnRef>
-              <a:fillRef idx="1">
-                <a:schemeClr val="accent1"/>
-              </a:fillRef>
-              <a:effectRef idx="0">
-                <a:schemeClr val="accent1"/>
-              </a:effectRef>
-              <a:fontRef idx="minor">
-                <a:schemeClr val="lt1"/>
-              </a:fontRef>
-            </p:style>
-            <p:txBody>
-              <a:bodyPr rtlCol="0" anchor="ctr"/>
-              <a:lstStyle/>
-              <a:p>
-                <a:pPr algn="ctr"/>
-                <a:endParaRPr kumimoji="1" lang="ja-JP" altLang="en-US"/>
-              </a:p>
-            </p:txBody>
-          </p:sp>
-          <p:sp>
-            <p:nvSpPr>
-              <p:cNvPr id="35" name="四角形: 角を丸くする 34">
-                <a:extLst>
-                  <a:ext uri="{FF2B5EF4-FFF2-40B4-BE49-F238E27FC236}">
-                    <a16:creationId xmlns:a16="http://schemas.microsoft.com/office/drawing/2014/main" id="{033E0C04-F75A-9D23-ABB2-73C144D9E76F}"/>
-                  </a:ext>
-                </a:extLst>
-              </p:cNvPr>
-              <p:cNvSpPr/>
-              <p:nvPr/>
-            </p:nvSpPr>
-            <p:spPr>
-              <a:xfrm flipH="1">
-                <a:off x="6461068" y="3538829"/>
-                <a:ext cx="207005" cy="352744"/>
-              </a:xfrm>
-              <a:prstGeom prst="roundRect">
-                <a:avLst>
-                  <a:gd name="adj" fmla="val 42382"/>
-                </a:avLst>
-              </a:prstGeom>
-              <a:noFill/>
-              <a:ln>
-                <a:solidFill>
-                  <a:schemeClr val="tx1">
-                    <a:lumMod val="50000"/>
-                    <a:lumOff val="50000"/>
-                  </a:schemeClr>
-                </a:solidFill>
-              </a:ln>
-            </p:spPr>
-            <p:style>
-              <a:lnRef idx="2">
-                <a:schemeClr val="accent1">
-                  <a:shade val="15000"/>
-                </a:schemeClr>
-              </a:lnRef>
-              <a:fillRef idx="1">
-                <a:schemeClr val="accent1"/>
-              </a:fillRef>
-              <a:effectRef idx="0">
-                <a:schemeClr val="accent1"/>
-              </a:effectRef>
-              <a:fontRef idx="minor">
-                <a:schemeClr val="lt1"/>
-              </a:fontRef>
-            </p:style>
-            <p:txBody>
-              <a:bodyPr rtlCol="0" anchor="ctr"/>
-              <a:lstStyle/>
-              <a:p>
-                <a:pPr algn="ctr"/>
-                <a:endParaRPr kumimoji="1" lang="ja-JP" altLang="en-US"/>
-              </a:p>
-            </p:txBody>
-          </p:sp>
-          <p:sp>
-            <p:nvSpPr>
-              <p:cNvPr id="36" name="四角形: 角を丸くする 35">
-                <a:extLst>
-                  <a:ext uri="{FF2B5EF4-FFF2-40B4-BE49-F238E27FC236}">
-                    <a16:creationId xmlns:a16="http://schemas.microsoft.com/office/drawing/2014/main" id="{F7D66284-00F6-FCDA-62F2-A505F94253F7}"/>
-                  </a:ext>
-                </a:extLst>
-              </p:cNvPr>
-              <p:cNvSpPr/>
-              <p:nvPr/>
-            </p:nvSpPr>
-            <p:spPr>
-              <a:xfrm flipH="1">
-                <a:off x="6516269" y="3317133"/>
-                <a:ext cx="96602" cy="352744"/>
-              </a:xfrm>
-              <a:prstGeom prst="roundRect">
-                <a:avLst>
-                  <a:gd name="adj" fmla="val 42382"/>
-                </a:avLst>
-              </a:prstGeom>
-              <a:noFill/>
-              <a:ln>
-                <a:solidFill>
-                  <a:schemeClr val="tx1">
-                    <a:lumMod val="50000"/>
-                    <a:lumOff val="50000"/>
-                  </a:schemeClr>
-                </a:solidFill>
-              </a:ln>
-            </p:spPr>
-            <p:style>
-              <a:lnRef idx="2">
-                <a:schemeClr val="accent1">
-                  <a:shade val="15000"/>
-                </a:schemeClr>
-              </a:lnRef>
-              <a:fillRef idx="1">
-                <a:schemeClr val="accent1"/>
-              </a:fillRef>
-              <a:effectRef idx="0">
-                <a:schemeClr val="accent1"/>
-              </a:effectRef>
-              <a:fontRef idx="minor">
-                <a:schemeClr val="lt1"/>
-              </a:fontRef>
-            </p:style>
-            <p:txBody>
-              <a:bodyPr rtlCol="0" anchor="ctr"/>
-              <a:lstStyle/>
-              <a:p>
-                <a:pPr algn="ctr"/>
-                <a:endParaRPr kumimoji="1" lang="ja-JP" altLang="en-US"/>
-              </a:p>
-            </p:txBody>
-          </p:sp>
-          <p:sp>
-            <p:nvSpPr>
-              <p:cNvPr id="37" name="四角形: 角を丸くする 36">
-                <a:extLst>
-                  <a:ext uri="{FF2B5EF4-FFF2-40B4-BE49-F238E27FC236}">
-                    <a16:creationId xmlns:a16="http://schemas.microsoft.com/office/drawing/2014/main" id="{818A72E4-E760-742C-3610-98CA541E6C67}"/>
-                  </a:ext>
-                </a:extLst>
-              </p:cNvPr>
-              <p:cNvSpPr/>
-              <p:nvPr/>
-            </p:nvSpPr>
-            <p:spPr>
-              <a:xfrm flipH="1">
-                <a:off x="6461068" y="3984240"/>
-                <a:ext cx="207005" cy="352744"/>
-              </a:xfrm>
-              <a:prstGeom prst="roundRect">
-                <a:avLst>
-                  <a:gd name="adj" fmla="val 42382"/>
-                </a:avLst>
-              </a:prstGeom>
-              <a:noFill/>
-              <a:ln>
-                <a:solidFill>
-                  <a:schemeClr val="tx1">
-                    <a:lumMod val="50000"/>
-                    <a:lumOff val="50000"/>
-                  </a:schemeClr>
-                </a:solidFill>
-              </a:ln>
-            </p:spPr>
-            <p:style>
-              <a:lnRef idx="2">
-                <a:schemeClr val="accent1">
-                  <a:shade val="15000"/>
-                </a:schemeClr>
-              </a:lnRef>
-              <a:fillRef idx="1">
-                <a:schemeClr val="accent1"/>
-              </a:fillRef>
-              <a:effectRef idx="0">
-                <a:schemeClr val="accent1"/>
-              </a:effectRef>
-              <a:fontRef idx="minor">
-                <a:schemeClr val="lt1"/>
-              </a:fontRef>
-            </p:style>
-            <p:txBody>
-              <a:bodyPr rtlCol="0" anchor="ctr"/>
-              <a:lstStyle/>
-              <a:p>
-                <a:pPr algn="ctr"/>
-                <a:endParaRPr kumimoji="1" lang="ja-JP" altLang="en-US"/>
-              </a:p>
-            </p:txBody>
-          </p:sp>
-          <p:sp>
-            <p:nvSpPr>
-              <p:cNvPr id="38" name="四角形: 角を丸くする 37">
-                <a:extLst>
-                  <a:ext uri="{FF2B5EF4-FFF2-40B4-BE49-F238E27FC236}">
-                    <a16:creationId xmlns:a16="http://schemas.microsoft.com/office/drawing/2014/main" id="{728AF8B7-790A-D64C-254A-450C69653516}"/>
-                  </a:ext>
-                </a:extLst>
-              </p:cNvPr>
-              <p:cNvSpPr/>
-              <p:nvPr/>
-            </p:nvSpPr>
-            <p:spPr>
-              <a:xfrm flipH="1">
-                <a:off x="6516269" y="3762543"/>
-                <a:ext cx="96602" cy="352744"/>
-              </a:xfrm>
-              <a:prstGeom prst="roundRect">
-                <a:avLst>
-                  <a:gd name="adj" fmla="val 42382"/>
-                </a:avLst>
-              </a:prstGeom>
-              <a:noFill/>
-              <a:ln>
-                <a:solidFill>
-                  <a:schemeClr val="tx1">
-                    <a:lumMod val="50000"/>
-                    <a:lumOff val="50000"/>
-                  </a:schemeClr>
-                </a:solidFill>
-              </a:ln>
-            </p:spPr>
-            <p:style>
-              <a:lnRef idx="2">
-                <a:schemeClr val="accent1">
-                  <a:shade val="15000"/>
-                </a:schemeClr>
-              </a:lnRef>
-              <a:fillRef idx="1">
-                <a:schemeClr val="accent1"/>
-              </a:fillRef>
-              <a:effectRef idx="0">
-                <a:schemeClr val="accent1"/>
-              </a:effectRef>
-              <a:fontRef idx="minor">
-                <a:schemeClr val="lt1"/>
-              </a:fontRef>
-            </p:style>
-            <p:txBody>
-              <a:bodyPr rtlCol="0" anchor="ctr"/>
-              <a:lstStyle/>
-              <a:p>
-                <a:pPr algn="ctr"/>
-                <a:endParaRPr kumimoji="1" lang="ja-JP" altLang="en-US"/>
-              </a:p>
-            </p:txBody>
-          </p:sp>
-          <p:sp>
-            <p:nvSpPr>
-              <p:cNvPr id="39" name="四角形: 角を丸くする 38">
-                <a:extLst>
-                  <a:ext uri="{FF2B5EF4-FFF2-40B4-BE49-F238E27FC236}">
-                    <a16:creationId xmlns:a16="http://schemas.microsoft.com/office/drawing/2014/main" id="{D1CE7044-93BA-EEB3-FBBF-BCB586E4120E}"/>
-                  </a:ext>
-                </a:extLst>
-              </p:cNvPr>
-              <p:cNvSpPr/>
-              <p:nvPr/>
-            </p:nvSpPr>
-            <p:spPr>
-              <a:xfrm flipH="1">
-                <a:off x="6461068" y="4427634"/>
-                <a:ext cx="207005" cy="352744"/>
-              </a:xfrm>
-              <a:prstGeom prst="roundRect">
-                <a:avLst>
-                  <a:gd name="adj" fmla="val 42382"/>
-                </a:avLst>
-              </a:prstGeom>
-              <a:noFill/>
-              <a:ln>
-                <a:solidFill>
-                  <a:schemeClr val="tx1">
-                    <a:lumMod val="50000"/>
-                    <a:lumOff val="50000"/>
-                  </a:schemeClr>
-                </a:solidFill>
-              </a:ln>
-            </p:spPr>
-            <p:style>
-              <a:lnRef idx="2">
-                <a:schemeClr val="accent1">
-                  <a:shade val="15000"/>
-                </a:schemeClr>
-              </a:lnRef>
-              <a:fillRef idx="1">
-                <a:schemeClr val="accent1"/>
-              </a:fillRef>
-              <a:effectRef idx="0">
-                <a:schemeClr val="accent1"/>
-              </a:effectRef>
-              <a:fontRef idx="minor">
-                <a:schemeClr val="lt1"/>
-              </a:fontRef>
-            </p:style>
-            <p:txBody>
-              <a:bodyPr rtlCol="0" anchor="ctr"/>
-              <a:lstStyle/>
-              <a:p>
-                <a:pPr algn="ctr"/>
-                <a:endParaRPr kumimoji="1" lang="ja-JP" altLang="en-US"/>
-              </a:p>
-            </p:txBody>
-          </p:sp>
-          <p:sp>
-            <p:nvSpPr>
-              <p:cNvPr id="40" name="四角形: 角を丸くする 39">
-                <a:extLst>
-                  <a:ext uri="{FF2B5EF4-FFF2-40B4-BE49-F238E27FC236}">
-                    <a16:creationId xmlns:a16="http://schemas.microsoft.com/office/drawing/2014/main" id="{8C3C20D7-D47E-1BED-1621-5EE713B2B964}"/>
-                  </a:ext>
-                </a:extLst>
-              </p:cNvPr>
-              <p:cNvSpPr/>
-              <p:nvPr/>
-            </p:nvSpPr>
-            <p:spPr>
-              <a:xfrm flipH="1">
-                <a:off x="6516269" y="4205937"/>
-                <a:ext cx="96602" cy="352744"/>
-              </a:xfrm>
-              <a:prstGeom prst="roundRect">
-                <a:avLst>
-                  <a:gd name="adj" fmla="val 42382"/>
-                </a:avLst>
-              </a:prstGeom>
-              <a:noFill/>
-              <a:ln>
-                <a:solidFill>
-                  <a:schemeClr val="tx1">
-                    <a:lumMod val="50000"/>
-                    <a:lumOff val="50000"/>
-                  </a:schemeClr>
-                </a:solidFill>
-              </a:ln>
-            </p:spPr>
-            <p:style>
-              <a:lnRef idx="2">
-                <a:schemeClr val="accent1">
-                  <a:shade val="15000"/>
-                </a:schemeClr>
-              </a:lnRef>
-              <a:fillRef idx="1">
-                <a:schemeClr val="accent1"/>
-              </a:fillRef>
-              <a:effectRef idx="0">
-                <a:schemeClr val="accent1"/>
-              </a:effectRef>
-              <a:fontRef idx="minor">
-                <a:schemeClr val="lt1"/>
-              </a:fontRef>
-            </p:style>
-            <p:txBody>
-              <a:bodyPr rtlCol="0" anchor="ctr"/>
-              <a:lstStyle/>
-              <a:p>
-                <a:pPr algn="ctr"/>
-                <a:endParaRPr kumimoji="1" lang="ja-JP" altLang="en-US"/>
-              </a:p>
-            </p:txBody>
-          </p:sp>
-          <p:sp>
-            <p:nvSpPr>
-              <p:cNvPr id="41" name="四角形: 角を丸くする 40">
-                <a:extLst>
-                  <a:ext uri="{FF2B5EF4-FFF2-40B4-BE49-F238E27FC236}">
-                    <a16:creationId xmlns:a16="http://schemas.microsoft.com/office/drawing/2014/main" id="{1E669E7E-D6B4-E77D-B60C-F9F74EA92957}"/>
-                  </a:ext>
-                </a:extLst>
-              </p:cNvPr>
-              <p:cNvSpPr/>
-              <p:nvPr/>
-            </p:nvSpPr>
-            <p:spPr>
-              <a:xfrm flipH="1">
-                <a:off x="6461068" y="4871027"/>
-                <a:ext cx="207005" cy="352744"/>
-              </a:xfrm>
-              <a:prstGeom prst="roundRect">
-                <a:avLst>
-                  <a:gd name="adj" fmla="val 42382"/>
-                </a:avLst>
-              </a:prstGeom>
-              <a:noFill/>
-              <a:ln>
-                <a:solidFill>
-                  <a:schemeClr val="tx1">
-                    <a:lumMod val="50000"/>
-                    <a:lumOff val="50000"/>
-                  </a:schemeClr>
-                </a:solidFill>
-              </a:ln>
-            </p:spPr>
-            <p:style>
-              <a:lnRef idx="2">
-                <a:schemeClr val="accent1">
-                  <a:shade val="15000"/>
-                </a:schemeClr>
-              </a:lnRef>
-              <a:fillRef idx="1">
-                <a:schemeClr val="accent1"/>
-              </a:fillRef>
-              <a:effectRef idx="0">
-                <a:schemeClr val="accent1"/>
-              </a:effectRef>
-              <a:fontRef idx="minor">
-                <a:schemeClr val="lt1"/>
-              </a:fontRef>
-            </p:style>
-            <p:txBody>
-              <a:bodyPr rtlCol="0" anchor="ctr"/>
-              <a:lstStyle/>
-              <a:p>
-                <a:pPr algn="ctr"/>
-                <a:endParaRPr kumimoji="1" lang="ja-JP" altLang="en-US"/>
-              </a:p>
-            </p:txBody>
-          </p:sp>
-          <p:sp>
-            <p:nvSpPr>
-              <p:cNvPr id="42" name="四角形: 角を丸くする 41">
-                <a:extLst>
-                  <a:ext uri="{FF2B5EF4-FFF2-40B4-BE49-F238E27FC236}">
-                    <a16:creationId xmlns:a16="http://schemas.microsoft.com/office/drawing/2014/main" id="{CEEDAF6F-37C9-056B-3438-1741294D4484}"/>
-                  </a:ext>
-                </a:extLst>
-              </p:cNvPr>
-              <p:cNvSpPr/>
-              <p:nvPr/>
-            </p:nvSpPr>
-            <p:spPr>
-              <a:xfrm flipH="1">
-                <a:off x="6516269" y="4649331"/>
-                <a:ext cx="96602" cy="352744"/>
-              </a:xfrm>
-              <a:prstGeom prst="roundRect">
-                <a:avLst>
-                  <a:gd name="adj" fmla="val 42382"/>
-                </a:avLst>
-              </a:prstGeom>
-              <a:noFill/>
-              <a:ln>
-                <a:solidFill>
-                  <a:schemeClr val="tx1">
-                    <a:lumMod val="50000"/>
-                    <a:lumOff val="50000"/>
-                  </a:schemeClr>
-                </a:solidFill>
-              </a:ln>
-            </p:spPr>
-            <p:style>
-              <a:lnRef idx="2">
-                <a:schemeClr val="accent1">
-                  <a:shade val="15000"/>
-                </a:schemeClr>
-              </a:lnRef>
-              <a:fillRef idx="1">
-                <a:schemeClr val="accent1"/>
-              </a:fillRef>
-              <a:effectRef idx="0">
-                <a:schemeClr val="accent1"/>
-              </a:effectRef>
-              <a:fontRef idx="minor">
-                <a:schemeClr val="lt1"/>
-              </a:fontRef>
-            </p:style>
-            <p:txBody>
-              <a:bodyPr rtlCol="0" anchor="ctr"/>
-              <a:lstStyle/>
-              <a:p>
-                <a:pPr algn="ctr"/>
-                <a:endParaRPr kumimoji="1" lang="ja-JP" altLang="en-US"/>
-              </a:p>
-            </p:txBody>
-          </p:sp>
-          <p:sp>
-            <p:nvSpPr>
-              <p:cNvPr id="43" name="四角形: 角を丸くする 42">
-                <a:extLst>
-                  <a:ext uri="{FF2B5EF4-FFF2-40B4-BE49-F238E27FC236}">
-                    <a16:creationId xmlns:a16="http://schemas.microsoft.com/office/drawing/2014/main" id="{7062BDBE-4254-E4E6-FE7F-D7A56A1AFC27}"/>
-                  </a:ext>
-                </a:extLst>
-              </p:cNvPr>
-              <p:cNvSpPr/>
-              <p:nvPr/>
-            </p:nvSpPr>
-            <p:spPr>
-              <a:xfrm flipH="1">
-                <a:off x="6461068" y="5314421"/>
-                <a:ext cx="207005" cy="352744"/>
-              </a:xfrm>
-              <a:prstGeom prst="roundRect">
-                <a:avLst>
-                  <a:gd name="adj" fmla="val 42382"/>
-                </a:avLst>
-              </a:prstGeom>
-              <a:noFill/>
-              <a:ln>
-                <a:solidFill>
-                  <a:schemeClr val="tx1">
-                    <a:lumMod val="50000"/>
-                    <a:lumOff val="50000"/>
-                  </a:schemeClr>
-                </a:solidFill>
-              </a:ln>
-            </p:spPr>
-            <p:style>
-              <a:lnRef idx="2">
-                <a:schemeClr val="accent1">
-                  <a:shade val="15000"/>
-                </a:schemeClr>
-              </a:lnRef>
-              <a:fillRef idx="1">
-                <a:schemeClr val="accent1"/>
-              </a:fillRef>
-              <a:effectRef idx="0">
-                <a:schemeClr val="accent1"/>
-              </a:effectRef>
-              <a:fontRef idx="minor">
-                <a:schemeClr val="lt1"/>
-              </a:fontRef>
-            </p:style>
-            <p:txBody>
-              <a:bodyPr rtlCol="0" anchor="ctr"/>
-              <a:lstStyle/>
-              <a:p>
-                <a:pPr algn="ctr"/>
-                <a:endParaRPr kumimoji="1" lang="ja-JP" altLang="en-US"/>
-              </a:p>
-            </p:txBody>
-          </p:sp>
-          <p:sp>
-            <p:nvSpPr>
-              <p:cNvPr id="44" name="四角形: 角を丸くする 43">
-                <a:extLst>
-                  <a:ext uri="{FF2B5EF4-FFF2-40B4-BE49-F238E27FC236}">
-                    <a16:creationId xmlns:a16="http://schemas.microsoft.com/office/drawing/2014/main" id="{4253906C-68E5-E012-47E3-CEA474BF2397}"/>
-                  </a:ext>
-                </a:extLst>
-              </p:cNvPr>
-              <p:cNvSpPr/>
-              <p:nvPr/>
-            </p:nvSpPr>
-            <p:spPr>
-              <a:xfrm flipH="1">
-                <a:off x="6516269" y="5092724"/>
-                <a:ext cx="96602" cy="352744"/>
-              </a:xfrm>
-              <a:prstGeom prst="roundRect">
-                <a:avLst>
-                  <a:gd name="adj" fmla="val 42382"/>
-                </a:avLst>
-              </a:prstGeom>
-              <a:noFill/>
-              <a:ln>
-                <a:solidFill>
-                  <a:schemeClr val="tx1">
-                    <a:lumMod val="50000"/>
-                    <a:lumOff val="50000"/>
-                  </a:schemeClr>
-                </a:solidFill>
-              </a:ln>
-            </p:spPr>
-            <p:style>
-              <a:lnRef idx="2">
-                <a:schemeClr val="accent1">
-                  <a:shade val="15000"/>
-                </a:schemeClr>
-              </a:lnRef>
-              <a:fillRef idx="1">
-                <a:schemeClr val="accent1"/>
-              </a:fillRef>
-              <a:effectRef idx="0">
-                <a:schemeClr val="accent1"/>
-              </a:effectRef>
-              <a:fontRef idx="minor">
-                <a:schemeClr val="lt1"/>
-              </a:fontRef>
-            </p:style>
-            <p:txBody>
-              <a:bodyPr rtlCol="0" anchor="ctr"/>
-              <a:lstStyle/>
-              <a:p>
-                <a:pPr algn="ctr"/>
-                <a:endParaRPr kumimoji="1" lang="ja-JP" altLang="en-US"/>
-              </a:p>
-            </p:txBody>
-          </p:sp>
-          <p:sp>
-            <p:nvSpPr>
-              <p:cNvPr id="45" name="四角形: 角を丸くする 44">
-                <a:extLst>
-                  <a:ext uri="{FF2B5EF4-FFF2-40B4-BE49-F238E27FC236}">
-                    <a16:creationId xmlns:a16="http://schemas.microsoft.com/office/drawing/2014/main" id="{92E3CFF7-8D7F-0549-6E25-F2C29A0927F4}"/>
-                  </a:ext>
-                </a:extLst>
-              </p:cNvPr>
-              <p:cNvSpPr/>
-              <p:nvPr/>
-            </p:nvSpPr>
-            <p:spPr>
-              <a:xfrm flipH="1">
-                <a:off x="6461068" y="5757814"/>
-                <a:ext cx="207005" cy="352744"/>
-              </a:xfrm>
-              <a:prstGeom prst="roundRect">
-                <a:avLst>
-                  <a:gd name="adj" fmla="val 42382"/>
-                </a:avLst>
-              </a:prstGeom>
-              <a:noFill/>
-              <a:ln>
-                <a:solidFill>
-                  <a:schemeClr val="tx1">
-                    <a:lumMod val="50000"/>
-                    <a:lumOff val="50000"/>
-                  </a:schemeClr>
-                </a:solidFill>
-              </a:ln>
-            </p:spPr>
-            <p:style>
-              <a:lnRef idx="2">
-                <a:schemeClr val="accent1">
-                  <a:shade val="15000"/>
-                </a:schemeClr>
-              </a:lnRef>
-              <a:fillRef idx="1">
-                <a:schemeClr val="accent1"/>
-              </a:fillRef>
-              <a:effectRef idx="0">
-                <a:schemeClr val="accent1"/>
-              </a:effectRef>
-              <a:fontRef idx="minor">
-                <a:schemeClr val="lt1"/>
-              </a:fontRef>
-            </p:style>
-            <p:txBody>
-              <a:bodyPr rtlCol="0" anchor="ctr"/>
-              <a:lstStyle/>
-              <a:p>
-                <a:pPr algn="ctr"/>
-                <a:endParaRPr kumimoji="1" lang="ja-JP" altLang="en-US"/>
-              </a:p>
-            </p:txBody>
-          </p:sp>
-          <p:sp>
-            <p:nvSpPr>
-              <p:cNvPr id="46" name="四角形: 角を丸くする 45">
-                <a:extLst>
-                  <a:ext uri="{FF2B5EF4-FFF2-40B4-BE49-F238E27FC236}">
-                    <a16:creationId xmlns:a16="http://schemas.microsoft.com/office/drawing/2014/main" id="{30585B16-20B0-0A2C-F931-23C0B0D4099D}"/>
-                  </a:ext>
-                </a:extLst>
-              </p:cNvPr>
-              <p:cNvSpPr/>
-              <p:nvPr/>
-            </p:nvSpPr>
-            <p:spPr>
-              <a:xfrm flipH="1">
-                <a:off x="6516269" y="5536118"/>
-                <a:ext cx="96602" cy="352744"/>
-              </a:xfrm>
-              <a:prstGeom prst="roundRect">
-                <a:avLst>
-                  <a:gd name="adj" fmla="val 42382"/>
-                </a:avLst>
-              </a:prstGeom>
-              <a:noFill/>
-              <a:ln>
-                <a:solidFill>
-                  <a:schemeClr val="tx1">
-                    <a:lumMod val="50000"/>
-                    <a:lumOff val="50000"/>
-                  </a:schemeClr>
-                </a:solidFill>
-              </a:ln>
-            </p:spPr>
-            <p:style>
-              <a:lnRef idx="2">
-                <a:schemeClr val="accent1">
-                  <a:shade val="15000"/>
-                </a:schemeClr>
-              </a:lnRef>
-              <a:fillRef idx="1">
-                <a:schemeClr val="accent1"/>
-              </a:fillRef>
-              <a:effectRef idx="0">
-                <a:schemeClr val="accent1"/>
-              </a:effectRef>
-              <a:fontRef idx="minor">
-                <a:schemeClr val="lt1"/>
-              </a:fontRef>
-            </p:style>
-            <p:txBody>
-              <a:bodyPr rtlCol="0" anchor="ctr"/>
-              <a:lstStyle/>
-              <a:p>
-                <a:pPr algn="ctr"/>
-                <a:endParaRPr kumimoji="1" lang="ja-JP" altLang="en-US"/>
-              </a:p>
-            </p:txBody>
-          </p:sp>
-        </p:grpSp>
-        <p:sp>
-          <p:nvSpPr>
-            <p:cNvPr id="15" name="矢印: 下 14">
-              <a:extLst>
-                <a:ext uri="{FF2B5EF4-FFF2-40B4-BE49-F238E27FC236}">
-                  <a16:creationId xmlns:a16="http://schemas.microsoft.com/office/drawing/2014/main" id="{2F80D09C-2312-E276-B4DA-4E20C540FFE8}"/>
-                </a:ext>
-              </a:extLst>
-            </p:cNvPr>
-            <p:cNvSpPr/>
-            <p:nvPr/>
-          </p:nvSpPr>
-          <p:spPr>
-            <a:xfrm>
-              <a:off x="1508399" y="775567"/>
-              <a:ext cx="484632" cy="5425208"/>
-            </a:xfrm>
-            <a:prstGeom prst="downArrow">
-              <a:avLst/>
-            </a:prstGeom>
-            <a:solidFill>
-              <a:schemeClr val="tx1">
-                <a:lumMod val="50000"/>
-                <a:lumOff val="50000"/>
-              </a:schemeClr>
-            </a:solidFill>
-            <a:ln>
-              <a:noFill/>
-            </a:ln>
-          </p:spPr>
-          <p:style>
-            <a:lnRef idx="2">
-              <a:schemeClr val="accent1">
-                <a:shade val="15000"/>
-              </a:schemeClr>
-            </a:lnRef>
-            <a:fillRef idx="1">
-              <a:schemeClr val="accent1"/>
-            </a:fillRef>
-            <a:effectRef idx="0">
-              <a:schemeClr val="accent1"/>
-            </a:effectRef>
-            <a:fontRef idx="minor">
-              <a:schemeClr val="lt1"/>
-            </a:fontRef>
-          </p:style>
-          <p:txBody>
-            <a:bodyPr rtlCol="0" anchor="ctr"/>
-            <a:lstStyle/>
-            <a:p>
-              <a:pPr algn="ctr"/>
-              <a:endParaRPr kumimoji="1" lang="ja-JP" altLang="en-US"/>
-            </a:p>
-          </p:txBody>
-        </p:sp>
-        <p:sp>
-          <p:nvSpPr>
-            <p:cNvPr id="16" name="正方形/長方形 15">
-              <a:extLst>
-                <a:ext uri="{FF2B5EF4-FFF2-40B4-BE49-F238E27FC236}">
-                  <a16:creationId xmlns:a16="http://schemas.microsoft.com/office/drawing/2014/main" id="{49BBC477-65CE-81CA-254A-48709420CB2A}"/>
-                </a:ext>
-              </a:extLst>
-            </p:cNvPr>
-            <p:cNvSpPr/>
-            <p:nvPr/>
-          </p:nvSpPr>
-          <p:spPr>
-            <a:xfrm>
-              <a:off x="814715" y="1388782"/>
-              <a:ext cx="1872000" cy="720000"/>
-            </a:xfrm>
-            <a:prstGeom prst="rect">
-              <a:avLst/>
-            </a:prstGeom>
-            <a:solidFill>
-              <a:schemeClr val="tx1">
-                <a:lumMod val="50000"/>
-                <a:lumOff val="50000"/>
-              </a:schemeClr>
-            </a:solidFill>
-            <a:ln>
-              <a:noFill/>
-            </a:ln>
-          </p:spPr>
-          <p:style>
-            <a:lnRef idx="2">
-              <a:schemeClr val="accent1">
-                <a:shade val="15000"/>
-              </a:schemeClr>
-            </a:lnRef>
-            <a:fillRef idx="1">
-              <a:schemeClr val="accent1"/>
-            </a:fillRef>
-            <a:effectRef idx="0">
-              <a:schemeClr val="accent1"/>
-            </a:effectRef>
-            <a:fontRef idx="minor">
-              <a:schemeClr val="lt1"/>
-            </a:fontRef>
-          </p:style>
-          <p:txBody>
-            <a:bodyPr rtlCol="0" anchor="ctr"/>
-            <a:lstStyle/>
-            <a:p>
-              <a:pPr algn="ctr"/>
-              <a:r>
-                <a:rPr kumimoji="1" lang="ja-JP" altLang="en-US" sz="1200" dirty="0">
-                  <a:solidFill>
-                    <a:schemeClr val="bg1"/>
-                  </a:solidFill>
-                  <a:latin typeface="メイリオ" panose="020B0604030504040204" pitchFamily="50" charset="-128"/>
-                  <a:ea typeface="メイリオ" panose="020B0604030504040204" pitchFamily="50" charset="-128"/>
-                </a:rPr>
-                <a:t>青い床に到達するまで</a:t>
-              </a:r>
-              <a:endParaRPr kumimoji="1" lang="en-US" altLang="ja-JP" sz="1200" dirty="0">
-                <a:solidFill>
-                  <a:schemeClr val="bg1"/>
-                </a:solidFill>
-                <a:latin typeface="メイリオ" panose="020B0604030504040204" pitchFamily="50" charset="-128"/>
-                <a:ea typeface="メイリオ" panose="020B0604030504040204" pitchFamily="50" charset="-128"/>
-              </a:endParaRPr>
-            </a:p>
-            <a:p>
-              <a:pPr algn="ctr"/>
-              <a:r>
-                <a:rPr kumimoji="1" lang="ja-JP" altLang="en-US" sz="1200" dirty="0">
-                  <a:solidFill>
-                    <a:schemeClr val="bg1"/>
-                  </a:solidFill>
-                  <a:latin typeface="メイリオ" panose="020B0604030504040204" pitchFamily="50" charset="-128"/>
-                  <a:ea typeface="メイリオ" panose="020B0604030504040204" pitchFamily="50" charset="-128"/>
-                </a:rPr>
-                <a:t>黒い線上を</a:t>
-              </a:r>
-              <a:r>
-                <a:rPr lang="ja-JP" altLang="en-US" sz="1200" dirty="0">
-                  <a:solidFill>
-                    <a:schemeClr val="bg1"/>
-                  </a:solidFill>
-                  <a:latin typeface="メイリオ" panose="020B0604030504040204" pitchFamily="50" charset="-128"/>
-                  <a:ea typeface="メイリオ" panose="020B0604030504040204" pitchFamily="50" charset="-128"/>
-                </a:rPr>
-                <a:t>旋回</a:t>
-              </a:r>
-              <a:r>
-                <a:rPr kumimoji="1" lang="ja-JP" altLang="en-US" sz="1200" dirty="0">
-                  <a:solidFill>
-                    <a:schemeClr val="bg1"/>
-                  </a:solidFill>
-                  <a:latin typeface="メイリオ" panose="020B0604030504040204" pitchFamily="50" charset="-128"/>
-                  <a:ea typeface="メイリオ" panose="020B0604030504040204" pitchFamily="50" charset="-128"/>
-                </a:rPr>
-                <a:t>する</a:t>
-              </a:r>
-            </a:p>
-          </p:txBody>
-        </p:sp>
-        <p:sp>
-          <p:nvSpPr>
-            <p:cNvPr id="17" name="正方形/長方形 16">
-              <a:extLst>
-                <a:ext uri="{FF2B5EF4-FFF2-40B4-BE49-F238E27FC236}">
-                  <a16:creationId xmlns:a16="http://schemas.microsoft.com/office/drawing/2014/main" id="{BF53FB95-F61F-6414-BEC0-5765E2D5725D}"/>
-                </a:ext>
-              </a:extLst>
-            </p:cNvPr>
-            <p:cNvSpPr/>
-            <p:nvPr/>
-          </p:nvSpPr>
-          <p:spPr>
-            <a:xfrm>
-              <a:off x="814715" y="2955067"/>
-              <a:ext cx="1872000" cy="720000"/>
-            </a:xfrm>
-            <a:prstGeom prst="rect">
-              <a:avLst/>
-            </a:prstGeom>
-            <a:solidFill>
-              <a:schemeClr val="tx1">
-                <a:lumMod val="50000"/>
-                <a:lumOff val="50000"/>
-              </a:schemeClr>
-            </a:solidFill>
-            <a:ln>
-              <a:noFill/>
-            </a:ln>
-          </p:spPr>
-          <p:style>
-            <a:lnRef idx="2">
-              <a:schemeClr val="accent1">
-                <a:shade val="15000"/>
-              </a:schemeClr>
-            </a:lnRef>
-            <a:fillRef idx="1">
-              <a:schemeClr val="accent1"/>
-            </a:fillRef>
-            <a:effectRef idx="0">
-              <a:schemeClr val="accent1"/>
-            </a:effectRef>
-            <a:fontRef idx="minor">
-              <a:schemeClr val="lt1"/>
-            </a:fontRef>
-          </p:style>
-          <p:txBody>
-            <a:bodyPr rtlCol="0" anchor="ctr"/>
-            <a:lstStyle/>
-            <a:p>
-              <a:pPr algn="ctr"/>
-              <a:r>
-                <a:rPr lang="ja-JP" altLang="en-US" sz="1200" dirty="0">
-                  <a:solidFill>
-                    <a:schemeClr val="bg1"/>
-                  </a:solidFill>
-                  <a:latin typeface="メイリオ" panose="020B0604030504040204" pitchFamily="50" charset="-128"/>
-                  <a:ea typeface="メイリオ" panose="020B0604030504040204" pitchFamily="50" charset="-128"/>
-                </a:rPr>
-                <a:t>黒</a:t>
-              </a:r>
-              <a:r>
-                <a:rPr kumimoji="1" lang="ja-JP" altLang="en-US" sz="1200" dirty="0">
-                  <a:solidFill>
-                    <a:schemeClr val="bg1"/>
-                  </a:solidFill>
-                  <a:latin typeface="メイリオ" panose="020B0604030504040204" pitchFamily="50" charset="-128"/>
-                  <a:ea typeface="メイリオ" panose="020B0604030504040204" pitchFamily="50" charset="-128"/>
-                </a:rPr>
-                <a:t>い床に到達するまで</a:t>
-              </a:r>
-              <a:endParaRPr kumimoji="1" lang="en-US" altLang="ja-JP" sz="1200" dirty="0">
-                <a:solidFill>
-                  <a:schemeClr val="bg1"/>
-                </a:solidFill>
-                <a:latin typeface="メイリオ" panose="020B0604030504040204" pitchFamily="50" charset="-128"/>
-                <a:ea typeface="メイリオ" panose="020B0604030504040204" pitchFamily="50" charset="-128"/>
-              </a:endParaRPr>
-            </a:p>
-            <a:p>
-              <a:pPr algn="ctr"/>
-              <a:r>
-                <a:rPr lang="ja-JP" altLang="en-US" sz="1200" dirty="0">
-                  <a:solidFill>
-                    <a:schemeClr val="bg1"/>
-                  </a:solidFill>
-                  <a:latin typeface="メイリオ" panose="020B0604030504040204" pitchFamily="50" charset="-128"/>
-                  <a:ea typeface="メイリオ" panose="020B0604030504040204" pitchFamily="50" charset="-128"/>
-                </a:rPr>
-                <a:t>青</a:t>
-              </a:r>
-              <a:r>
-                <a:rPr kumimoji="1" lang="ja-JP" altLang="en-US" sz="1200" dirty="0">
-                  <a:solidFill>
-                    <a:schemeClr val="bg1"/>
-                  </a:solidFill>
-                  <a:latin typeface="メイリオ" panose="020B0604030504040204" pitchFamily="50" charset="-128"/>
-                  <a:ea typeface="メイリオ" panose="020B0604030504040204" pitchFamily="50" charset="-128"/>
-                </a:rPr>
-                <a:t>い線上を</a:t>
-              </a:r>
-              <a:r>
-                <a:rPr lang="ja-JP" altLang="en-US" sz="1200" dirty="0">
-                  <a:solidFill>
-                    <a:schemeClr val="bg1"/>
-                  </a:solidFill>
-                  <a:latin typeface="メイリオ" panose="020B0604030504040204" pitchFamily="50" charset="-128"/>
-                  <a:ea typeface="メイリオ" panose="020B0604030504040204" pitchFamily="50" charset="-128"/>
-                </a:rPr>
-                <a:t>旋回</a:t>
-              </a:r>
-              <a:r>
-                <a:rPr kumimoji="1" lang="ja-JP" altLang="en-US" sz="1200" dirty="0">
-                  <a:solidFill>
-                    <a:schemeClr val="bg1"/>
-                  </a:solidFill>
-                  <a:latin typeface="メイリオ" panose="020B0604030504040204" pitchFamily="50" charset="-128"/>
-                  <a:ea typeface="メイリオ" panose="020B0604030504040204" pitchFamily="50" charset="-128"/>
-                </a:rPr>
-                <a:t>する</a:t>
-              </a:r>
-            </a:p>
-          </p:txBody>
-        </p:sp>
-        <p:sp>
-          <p:nvSpPr>
-            <p:cNvPr id="18" name="正方形/長方形 17">
-              <a:extLst>
-                <a:ext uri="{FF2B5EF4-FFF2-40B4-BE49-F238E27FC236}">
-                  <a16:creationId xmlns:a16="http://schemas.microsoft.com/office/drawing/2014/main" id="{55B04504-FE34-7781-4D96-302A7FB2AD1B}"/>
-                </a:ext>
-              </a:extLst>
-            </p:cNvPr>
-            <p:cNvSpPr/>
-            <p:nvPr/>
-          </p:nvSpPr>
-          <p:spPr>
-            <a:xfrm>
-              <a:off x="814715" y="4521351"/>
-              <a:ext cx="1872000" cy="720000"/>
-            </a:xfrm>
-            <a:prstGeom prst="rect">
-              <a:avLst/>
-            </a:prstGeom>
-            <a:solidFill>
-              <a:schemeClr val="tx1">
-                <a:lumMod val="50000"/>
-                <a:lumOff val="50000"/>
-              </a:schemeClr>
-            </a:solidFill>
-            <a:ln>
-              <a:noFill/>
-            </a:ln>
-          </p:spPr>
-          <p:style>
-            <a:lnRef idx="2">
-              <a:schemeClr val="accent1">
-                <a:shade val="15000"/>
-              </a:schemeClr>
-            </a:lnRef>
-            <a:fillRef idx="1">
-              <a:schemeClr val="accent1"/>
-            </a:fillRef>
-            <a:effectRef idx="0">
-              <a:schemeClr val="accent1"/>
-            </a:effectRef>
-            <a:fontRef idx="minor">
-              <a:schemeClr val="lt1"/>
-            </a:fontRef>
-          </p:style>
-          <p:txBody>
-            <a:bodyPr rtlCol="0" anchor="ctr"/>
-            <a:lstStyle/>
-            <a:p>
-              <a:pPr algn="ctr"/>
-              <a:r>
-                <a:rPr kumimoji="1" lang="ja-JP" altLang="en-US" sz="1200" dirty="0">
-                  <a:solidFill>
-                    <a:schemeClr val="bg1"/>
-                  </a:solidFill>
-                  <a:latin typeface="メイリオ" panose="020B0604030504040204" pitchFamily="50" charset="-128"/>
-                  <a:ea typeface="メイリオ" panose="020B0604030504040204" pitchFamily="50" charset="-128"/>
-                </a:rPr>
-                <a:t>青い床に到達するまで</a:t>
-              </a:r>
-              <a:endParaRPr kumimoji="1" lang="en-US" altLang="ja-JP" sz="1200" dirty="0">
-                <a:solidFill>
-                  <a:schemeClr val="bg1"/>
-                </a:solidFill>
-                <a:latin typeface="メイリオ" panose="020B0604030504040204" pitchFamily="50" charset="-128"/>
-                <a:ea typeface="メイリオ" panose="020B0604030504040204" pitchFamily="50" charset="-128"/>
-              </a:endParaRPr>
-            </a:p>
-            <a:p>
-              <a:pPr algn="ctr"/>
-              <a:r>
-                <a:rPr kumimoji="1" lang="ja-JP" altLang="en-US" sz="1200" dirty="0">
-                  <a:solidFill>
-                    <a:schemeClr val="bg1"/>
-                  </a:solidFill>
-                  <a:latin typeface="メイリオ" panose="020B0604030504040204" pitchFamily="50" charset="-128"/>
-                  <a:ea typeface="メイリオ" panose="020B0604030504040204" pitchFamily="50" charset="-128"/>
-                </a:rPr>
-                <a:t>黒い線上を旋回する</a:t>
-              </a:r>
-            </a:p>
-          </p:txBody>
-        </p:sp>
-        <p:sp>
-          <p:nvSpPr>
-            <p:cNvPr id="19" name="テキスト ボックス 18">
-              <a:extLst>
-                <a:ext uri="{FF2B5EF4-FFF2-40B4-BE49-F238E27FC236}">
-                  <a16:creationId xmlns:a16="http://schemas.microsoft.com/office/drawing/2014/main" id="{E8258575-DDA6-3A32-EC93-8FC908578CCE}"/>
+                  <a16:creationId xmlns:a16="http://schemas.microsoft.com/office/drawing/2014/main" id="{66E09C90-D04C-4907-04D6-F8491E03F73C}"/>
                 </a:ext>
               </a:extLst>
             </p:cNvPr>
@@ -17700,8 +17574,8 @@
           </p:nvSpPr>
           <p:spPr>
             <a:xfrm>
-              <a:off x="1504493" y="436913"/>
-              <a:ext cx="492444" cy="276999"/>
+              <a:off x="10098662" y="5370518"/>
+              <a:ext cx="3262432" cy="461665"/>
             </a:xfrm>
             <a:prstGeom prst="rect">
               <a:avLst/>
@@ -17714,9 +17588,8 @@
             </a:bodyPr>
             <a:lstStyle/>
             <a:p>
-              <a:pPr algn="ctr"/>
               <a:r>
-                <a:rPr kumimoji="1" lang="ja-JP" altLang="en-US" sz="1200" b="1" dirty="0">
+                <a:rPr kumimoji="1" lang="ja-JP" altLang="en-US" sz="1200" dirty="0">
                   <a:solidFill>
                     <a:schemeClr val="tx1">
                       <a:lumMod val="85000"/>
@@ -17726,42 +17599,22 @@
                   <a:latin typeface="メイリオ" panose="020B0604030504040204" pitchFamily="50" charset="-128"/>
                   <a:ea typeface="メイリオ" panose="020B0604030504040204" pitchFamily="50" charset="-128"/>
                 </a:rPr>
-                <a:t>戦略</a:t>
+                <a:t>次のポインタに</a:t>
               </a:r>
+              <a:endParaRPr kumimoji="1" lang="en-US" altLang="ja-JP" sz="1200" dirty="0">
+                <a:solidFill>
+                  <a:schemeClr val="tx1">
+                    <a:lumMod val="85000"/>
+                    <a:lumOff val="15000"/>
+                  </a:schemeClr>
+                </a:solidFill>
+                <a:latin typeface="メイリオ" panose="020B0604030504040204" pitchFamily="50" charset="-128"/>
+                <a:ea typeface="メイリオ" panose="020B0604030504040204" pitchFamily="50" charset="-128"/>
+              </a:endParaRPr>
             </a:p>
-          </p:txBody>
-        </p:sp>
-        <p:sp>
-          <p:nvSpPr>
-            <p:cNvPr id="20" name="テキスト ボックス 19">
-              <a:extLst>
-                <a:ext uri="{FF2B5EF4-FFF2-40B4-BE49-F238E27FC236}">
-                  <a16:creationId xmlns:a16="http://schemas.microsoft.com/office/drawing/2014/main" id="{796C2223-A7B7-9454-D7F4-732FADD30F11}"/>
-                </a:ext>
-              </a:extLst>
-            </p:cNvPr>
-            <p:cNvSpPr txBox="1"/>
-            <p:nvPr/>
-          </p:nvSpPr>
-          <p:spPr>
-            <a:xfrm>
-              <a:off x="4040712" y="436913"/>
-              <a:ext cx="492444" cy="276999"/>
-            </a:xfrm>
-            <a:prstGeom prst="rect">
-              <a:avLst/>
-            </a:prstGeom>
-            <a:noFill/>
-          </p:spPr>
-          <p:txBody>
-            <a:bodyPr wrap="none" rtlCol="0">
-              <a:spAutoFit/>
-            </a:bodyPr>
-            <a:lstStyle/>
             <a:p>
-              <a:pPr algn="ctr"/>
               <a:r>
-                <a:rPr kumimoji="1" lang="ja-JP" altLang="en-US" sz="1200" b="1" dirty="0">
+                <a:rPr kumimoji="1" lang="ja-JP" altLang="en-US" sz="1200" dirty="0">
                   <a:solidFill>
                     <a:schemeClr val="tx1">
                       <a:lumMod val="85000"/>
@@ -17771,17 +17624,27 @@
                   <a:latin typeface="メイリオ" panose="020B0604030504040204" pitchFamily="50" charset="-128"/>
                   <a:ea typeface="メイリオ" panose="020B0604030504040204" pitchFamily="50" charset="-128"/>
                 </a:rPr>
-                <a:t>実装</a:t>
+                <a:t>もともと予定していた次回アクションを設定</a:t>
               </a:r>
+              <a:endParaRPr lang="en-US" altLang="ja-JP" sz="1200" dirty="0">
+                <a:solidFill>
+                  <a:schemeClr val="tx1">
+                    <a:lumMod val="85000"/>
+                    <a:lumOff val="15000"/>
+                  </a:schemeClr>
+                </a:solidFill>
+                <a:latin typeface="メイリオ" panose="020B0604030504040204" pitchFamily="50" charset="-128"/>
+                <a:ea typeface="メイリオ" panose="020B0604030504040204" pitchFamily="50" charset="-128"/>
+              </a:endParaRPr>
             </a:p>
           </p:txBody>
         </p:sp>
         <p:sp>
           <p:nvSpPr>
-            <p:cNvPr id="21" name="正方形/長方形 20">
+            <p:cNvPr id="307" name="吹き出し: 角を丸めた四角形 306">
               <a:extLst>
                 <a:ext uri="{FF2B5EF4-FFF2-40B4-BE49-F238E27FC236}">
-                  <a16:creationId xmlns:a16="http://schemas.microsoft.com/office/drawing/2014/main" id="{AEF28CAC-E560-7073-A4E0-8E0792B30A29}"/>
+                  <a16:creationId xmlns:a16="http://schemas.microsoft.com/office/drawing/2014/main" id="{7FD7F60A-BA5B-880D-DBEF-833E67A1A4AC}"/>
                 </a:ext>
               </a:extLst>
             </p:cNvPr>
@@ -17790,2548 +17653,22 @@
           </p:nvSpPr>
           <p:spPr>
             <a:xfrm>
-              <a:off x="3350934" y="1388782"/>
-              <a:ext cx="1872000" cy="720000"/>
+              <a:off x="10058399" y="5241351"/>
+              <a:ext cx="3302695" cy="720000"/>
             </a:xfrm>
-            <a:prstGeom prst="rect">
-              <a:avLst/>
-            </a:prstGeom>
-            <a:solidFill>
-              <a:schemeClr val="accent1">
-                <a:lumMod val="75000"/>
-              </a:schemeClr>
-            </a:solidFill>
-            <a:ln>
-              <a:noFill/>
-            </a:ln>
-          </p:spPr>
-          <p:style>
-            <a:lnRef idx="2">
-              <a:schemeClr val="accent1">
-                <a:shade val="15000"/>
-              </a:schemeClr>
-            </a:lnRef>
-            <a:fillRef idx="1">
-              <a:schemeClr val="accent1"/>
-            </a:fillRef>
-            <a:effectRef idx="0">
-              <a:schemeClr val="accent1"/>
-            </a:effectRef>
-            <a:fontRef idx="minor">
-              <a:schemeClr val="lt1"/>
-            </a:fontRef>
-          </p:style>
-          <p:txBody>
-            <a:bodyPr rtlCol="0" anchor="ctr"/>
-            <a:lstStyle/>
-            <a:p>
-              <a:pPr algn="ctr"/>
-              <a:r>
-                <a:rPr kumimoji="1" lang="ja-JP" altLang="en-US" sz="1200" dirty="0">
-                  <a:solidFill>
-                    <a:schemeClr val="bg1"/>
-                  </a:solidFill>
-                  <a:latin typeface="メイリオ" panose="020B0604030504040204" pitchFamily="50" charset="-128"/>
-                  <a:ea typeface="メイリオ" panose="020B0604030504040204" pitchFamily="50" charset="-128"/>
-                </a:rPr>
-                <a:t>青い床に到達するまで</a:t>
-              </a:r>
-              <a:endParaRPr kumimoji="1" lang="en-US" altLang="ja-JP" sz="1200" dirty="0">
-                <a:solidFill>
-                  <a:schemeClr val="bg1"/>
-                </a:solidFill>
-                <a:latin typeface="メイリオ" panose="020B0604030504040204" pitchFamily="50" charset="-128"/>
-                <a:ea typeface="メイリオ" panose="020B0604030504040204" pitchFamily="50" charset="-128"/>
-              </a:endParaRPr>
-            </a:p>
-            <a:p>
-              <a:pPr algn="ctr"/>
-              <a:r>
-                <a:rPr kumimoji="1" lang="ja-JP" altLang="en-US" sz="1200" dirty="0">
-                  <a:solidFill>
-                    <a:schemeClr val="bg1"/>
-                  </a:solidFill>
-                  <a:latin typeface="メイリオ" panose="020B0604030504040204" pitchFamily="50" charset="-128"/>
-                  <a:ea typeface="メイリオ" panose="020B0604030504040204" pitchFamily="50" charset="-128"/>
-                </a:rPr>
-                <a:t>黒い線上を直進する</a:t>
-              </a:r>
-              <a:endParaRPr kumimoji="1" lang="en-US" altLang="ja-JP" sz="1200" dirty="0">
-                <a:solidFill>
-                  <a:schemeClr val="bg1"/>
-                </a:solidFill>
-                <a:latin typeface="メイリオ" panose="020B0604030504040204" pitchFamily="50" charset="-128"/>
-                <a:ea typeface="メイリオ" panose="020B0604030504040204" pitchFamily="50" charset="-128"/>
-              </a:endParaRPr>
-            </a:p>
-            <a:p>
-              <a:pPr algn="ctr"/>
-              <a:r>
-                <a:rPr kumimoji="1" lang="ja-JP" altLang="en-US" sz="1200" dirty="0">
-                  <a:solidFill>
-                    <a:schemeClr val="bg1"/>
-                  </a:solidFill>
-                  <a:latin typeface="メイリオ" panose="020B0604030504040204" pitchFamily="50" charset="-128"/>
-                  <a:ea typeface="メイリオ" panose="020B0604030504040204" pitchFamily="50" charset="-128"/>
-                </a:rPr>
-                <a:t>アクション</a:t>
-              </a:r>
-            </a:p>
-          </p:txBody>
-        </p:sp>
-        <p:sp>
-          <p:nvSpPr>
-            <p:cNvPr id="22" name="正方形/長方形 21">
-              <a:extLst>
-                <a:ext uri="{FF2B5EF4-FFF2-40B4-BE49-F238E27FC236}">
-                  <a16:creationId xmlns:a16="http://schemas.microsoft.com/office/drawing/2014/main" id="{230327E8-1555-0AA1-8D35-3BCAD37FE8D1}"/>
-                </a:ext>
-              </a:extLst>
-            </p:cNvPr>
-            <p:cNvSpPr/>
-            <p:nvPr/>
-          </p:nvSpPr>
-          <p:spPr>
-            <a:xfrm>
-              <a:off x="3350934" y="2955067"/>
-              <a:ext cx="1872000" cy="720000"/>
-            </a:xfrm>
-            <a:prstGeom prst="rect">
-              <a:avLst/>
-            </a:prstGeom>
-            <a:solidFill>
-              <a:schemeClr val="accent1">
-                <a:lumMod val="75000"/>
-              </a:schemeClr>
-            </a:solidFill>
-            <a:ln>
-              <a:noFill/>
-            </a:ln>
-          </p:spPr>
-          <p:style>
-            <a:lnRef idx="2">
-              <a:schemeClr val="accent1">
-                <a:shade val="15000"/>
-              </a:schemeClr>
-            </a:lnRef>
-            <a:fillRef idx="1">
-              <a:schemeClr val="accent1"/>
-            </a:fillRef>
-            <a:effectRef idx="0">
-              <a:schemeClr val="accent1"/>
-            </a:effectRef>
-            <a:fontRef idx="minor">
-              <a:schemeClr val="lt1"/>
-            </a:fontRef>
-          </p:style>
-          <p:txBody>
-            <a:bodyPr rtlCol="0" anchor="ctr"/>
-            <a:lstStyle/>
-            <a:p>
-              <a:pPr algn="ctr"/>
-              <a:r>
-                <a:rPr lang="ja-JP" altLang="en-US" sz="1200" dirty="0">
-                  <a:solidFill>
-                    <a:schemeClr val="bg1"/>
-                  </a:solidFill>
-                  <a:latin typeface="メイリオ" panose="020B0604030504040204" pitchFamily="50" charset="-128"/>
-                  <a:ea typeface="メイリオ" panose="020B0604030504040204" pitchFamily="50" charset="-128"/>
-                </a:rPr>
-                <a:t>黒</a:t>
-              </a:r>
-              <a:r>
-                <a:rPr kumimoji="1" lang="ja-JP" altLang="en-US" sz="1200" dirty="0">
-                  <a:solidFill>
-                    <a:schemeClr val="bg1"/>
-                  </a:solidFill>
-                  <a:latin typeface="メイリオ" panose="020B0604030504040204" pitchFamily="50" charset="-128"/>
-                  <a:ea typeface="メイリオ" panose="020B0604030504040204" pitchFamily="50" charset="-128"/>
-                </a:rPr>
-                <a:t>い床に到達するまで</a:t>
-              </a:r>
-              <a:endParaRPr kumimoji="1" lang="en-US" altLang="ja-JP" sz="1200" dirty="0">
-                <a:solidFill>
-                  <a:schemeClr val="bg1"/>
-                </a:solidFill>
-                <a:latin typeface="メイリオ" panose="020B0604030504040204" pitchFamily="50" charset="-128"/>
-                <a:ea typeface="メイリオ" panose="020B0604030504040204" pitchFamily="50" charset="-128"/>
-              </a:endParaRPr>
-            </a:p>
-            <a:p>
-              <a:pPr algn="ctr"/>
-              <a:r>
-                <a:rPr lang="ja-JP" altLang="en-US" sz="1200" dirty="0">
-                  <a:solidFill>
-                    <a:schemeClr val="bg1"/>
-                  </a:solidFill>
-                  <a:latin typeface="メイリオ" panose="020B0604030504040204" pitchFamily="50" charset="-128"/>
-                  <a:ea typeface="メイリオ" panose="020B0604030504040204" pitchFamily="50" charset="-128"/>
-                </a:rPr>
-                <a:t>青</a:t>
-              </a:r>
-              <a:r>
-                <a:rPr kumimoji="1" lang="ja-JP" altLang="en-US" sz="1200" dirty="0">
-                  <a:solidFill>
-                    <a:schemeClr val="bg1"/>
-                  </a:solidFill>
-                  <a:latin typeface="メイリオ" panose="020B0604030504040204" pitchFamily="50" charset="-128"/>
-                  <a:ea typeface="メイリオ" panose="020B0604030504040204" pitchFamily="50" charset="-128"/>
-                </a:rPr>
-                <a:t>い線上を直進する</a:t>
-              </a:r>
-              <a:endParaRPr kumimoji="1" lang="en-US" altLang="ja-JP" sz="1200" dirty="0">
-                <a:solidFill>
-                  <a:schemeClr val="bg1"/>
-                </a:solidFill>
-                <a:latin typeface="メイリオ" panose="020B0604030504040204" pitchFamily="50" charset="-128"/>
-                <a:ea typeface="メイリオ" panose="020B0604030504040204" pitchFamily="50" charset="-128"/>
-              </a:endParaRPr>
-            </a:p>
-            <a:p>
-              <a:pPr algn="ctr"/>
-              <a:r>
-                <a:rPr lang="ja-JP" altLang="en-US" sz="1200" dirty="0">
-                  <a:solidFill>
-                    <a:schemeClr val="bg1"/>
-                  </a:solidFill>
-                  <a:latin typeface="メイリオ" panose="020B0604030504040204" pitchFamily="50" charset="-128"/>
-                  <a:ea typeface="メイリオ" panose="020B0604030504040204" pitchFamily="50" charset="-128"/>
-                </a:rPr>
-                <a:t>アクション</a:t>
-              </a:r>
-              <a:endParaRPr kumimoji="1" lang="ja-JP" altLang="en-US" sz="1200" dirty="0">
-                <a:solidFill>
-                  <a:schemeClr val="bg1"/>
-                </a:solidFill>
-                <a:latin typeface="メイリオ" panose="020B0604030504040204" pitchFamily="50" charset="-128"/>
-                <a:ea typeface="メイリオ" panose="020B0604030504040204" pitchFamily="50" charset="-128"/>
-              </a:endParaRPr>
-            </a:p>
-          </p:txBody>
-        </p:sp>
-        <p:sp>
-          <p:nvSpPr>
-            <p:cNvPr id="23" name="正方形/長方形 22">
-              <a:extLst>
-                <a:ext uri="{FF2B5EF4-FFF2-40B4-BE49-F238E27FC236}">
-                  <a16:creationId xmlns:a16="http://schemas.microsoft.com/office/drawing/2014/main" id="{BDEC6602-0480-9BAD-55B2-A5C795460328}"/>
-                </a:ext>
-              </a:extLst>
-            </p:cNvPr>
-            <p:cNvSpPr/>
-            <p:nvPr/>
-          </p:nvSpPr>
-          <p:spPr>
-            <a:xfrm>
-              <a:off x="3350934" y="4521351"/>
-              <a:ext cx="1872000" cy="720000"/>
-            </a:xfrm>
-            <a:prstGeom prst="rect">
-              <a:avLst/>
-            </a:prstGeom>
-            <a:solidFill>
-              <a:schemeClr val="accent1">
-                <a:lumMod val="75000"/>
-              </a:schemeClr>
-            </a:solidFill>
-            <a:ln>
-              <a:noFill/>
-            </a:ln>
-          </p:spPr>
-          <p:style>
-            <a:lnRef idx="2">
-              <a:schemeClr val="accent1">
-                <a:shade val="15000"/>
-              </a:schemeClr>
-            </a:lnRef>
-            <a:fillRef idx="1">
-              <a:schemeClr val="accent1"/>
-            </a:fillRef>
-            <a:effectRef idx="0">
-              <a:schemeClr val="accent1"/>
-            </a:effectRef>
-            <a:fontRef idx="minor">
-              <a:schemeClr val="lt1"/>
-            </a:fontRef>
-          </p:style>
-          <p:txBody>
-            <a:bodyPr rtlCol="0" anchor="ctr"/>
-            <a:lstStyle/>
-            <a:p>
-              <a:pPr algn="ctr"/>
-              <a:r>
-                <a:rPr kumimoji="1" lang="ja-JP" altLang="en-US" sz="1200" dirty="0">
-                  <a:solidFill>
-                    <a:schemeClr val="bg1"/>
-                  </a:solidFill>
-                  <a:latin typeface="メイリオ" panose="020B0604030504040204" pitchFamily="50" charset="-128"/>
-                  <a:ea typeface="メイリオ" panose="020B0604030504040204" pitchFamily="50" charset="-128"/>
-                </a:rPr>
-                <a:t>青い床に到達するまで</a:t>
-              </a:r>
-              <a:endParaRPr kumimoji="1" lang="en-US" altLang="ja-JP" sz="1200" dirty="0">
-                <a:solidFill>
-                  <a:schemeClr val="bg1"/>
-                </a:solidFill>
-                <a:latin typeface="メイリオ" panose="020B0604030504040204" pitchFamily="50" charset="-128"/>
-                <a:ea typeface="メイリオ" panose="020B0604030504040204" pitchFamily="50" charset="-128"/>
-              </a:endParaRPr>
-            </a:p>
-            <a:p>
-              <a:pPr algn="ctr"/>
-              <a:r>
-                <a:rPr kumimoji="1" lang="ja-JP" altLang="en-US" sz="1200" dirty="0">
-                  <a:solidFill>
-                    <a:schemeClr val="bg1"/>
-                  </a:solidFill>
-                  <a:latin typeface="メイリオ" panose="020B0604030504040204" pitchFamily="50" charset="-128"/>
-                  <a:ea typeface="メイリオ" panose="020B0604030504040204" pitchFamily="50" charset="-128"/>
-                </a:rPr>
-                <a:t>黒い線上を旋回する</a:t>
-              </a:r>
-              <a:endParaRPr kumimoji="1" lang="en-US" altLang="ja-JP" sz="1200" dirty="0">
-                <a:solidFill>
-                  <a:schemeClr val="bg1"/>
-                </a:solidFill>
-                <a:latin typeface="メイリオ" panose="020B0604030504040204" pitchFamily="50" charset="-128"/>
-                <a:ea typeface="メイリオ" panose="020B0604030504040204" pitchFamily="50" charset="-128"/>
-              </a:endParaRPr>
-            </a:p>
-            <a:p>
-              <a:pPr algn="ctr"/>
-              <a:r>
-                <a:rPr lang="ja-JP" altLang="en-US" sz="1200" dirty="0">
-                  <a:solidFill>
-                    <a:schemeClr val="bg1"/>
-                  </a:solidFill>
-                  <a:latin typeface="メイリオ" panose="020B0604030504040204" pitchFamily="50" charset="-128"/>
-                  <a:ea typeface="メイリオ" panose="020B0604030504040204" pitchFamily="50" charset="-128"/>
-                </a:rPr>
-                <a:t>アクション</a:t>
-              </a:r>
-              <a:endParaRPr kumimoji="1" lang="ja-JP" altLang="en-US" sz="1200" dirty="0">
-                <a:solidFill>
-                  <a:schemeClr val="bg1"/>
-                </a:solidFill>
-                <a:latin typeface="メイリオ" panose="020B0604030504040204" pitchFamily="50" charset="-128"/>
-                <a:ea typeface="メイリオ" panose="020B0604030504040204" pitchFamily="50" charset="-128"/>
-              </a:endParaRPr>
-            </a:p>
-          </p:txBody>
-        </p:sp>
-      </p:grpSp>
-      <p:sp>
-        <p:nvSpPr>
-          <p:cNvPr id="47" name="テキスト ボックス 46">
-            <a:extLst>
-              <a:ext uri="{FF2B5EF4-FFF2-40B4-BE49-F238E27FC236}">
-                <a16:creationId xmlns:a16="http://schemas.microsoft.com/office/drawing/2014/main" id="{B459E6CE-0877-7085-E7DB-3C817F52A137}"/>
-              </a:ext>
-            </a:extLst>
-          </p:cNvPr>
-          <p:cNvSpPr txBox="1"/>
-          <p:nvPr/>
-        </p:nvSpPr>
-        <p:spPr>
-          <a:xfrm>
-            <a:off x="1862256" y="9942726"/>
-            <a:ext cx="4185761" cy="461665"/>
-          </a:xfrm>
-          <a:prstGeom prst="rect">
-            <a:avLst/>
-          </a:prstGeom>
-          <a:noFill/>
-        </p:spPr>
-        <p:txBody>
-          <a:bodyPr wrap="none" rtlCol="0">
-            <a:spAutoFit/>
-          </a:bodyPr>
-          <a:lstStyle/>
-          <a:p>
-            <a:pPr algn="ctr"/>
-            <a:r>
-              <a:rPr kumimoji="1" lang="ja-JP" altLang="en-US" sz="1200" dirty="0">
-                <a:solidFill>
-                  <a:schemeClr val="tx1">
-                    <a:lumMod val="85000"/>
-                    <a:lumOff val="15000"/>
-                  </a:schemeClr>
-                </a:solidFill>
-                <a:latin typeface="メイリオ" panose="020B0604030504040204" pitchFamily="50" charset="-128"/>
-                <a:ea typeface="メイリオ" panose="020B0604030504040204" pitchFamily="50" charset="-128"/>
-              </a:rPr>
-              <a:t>図</a:t>
-            </a:r>
-            <a:r>
-              <a:rPr kumimoji="1" lang="en-US" altLang="ja-JP" sz="1200" dirty="0">
-                <a:solidFill>
-                  <a:schemeClr val="tx1">
-                    <a:lumMod val="85000"/>
-                    <a:lumOff val="15000"/>
-                  </a:schemeClr>
-                </a:solidFill>
-                <a:latin typeface="メイリオ" panose="020B0604030504040204" pitchFamily="50" charset="-128"/>
-                <a:ea typeface="メイリオ" panose="020B0604030504040204" pitchFamily="50" charset="-128"/>
-              </a:rPr>
-              <a:t>4.1 </a:t>
-            </a:r>
-            <a:r>
-              <a:rPr lang="ja-JP" altLang="en-US" sz="1200" dirty="0">
-                <a:solidFill>
-                  <a:schemeClr val="tx1">
-                    <a:lumMod val="85000"/>
-                    <a:lumOff val="15000"/>
-                  </a:schemeClr>
-                </a:solidFill>
-                <a:latin typeface="メイリオ" panose="020B0604030504040204" pitchFamily="50" charset="-128"/>
-                <a:ea typeface="メイリオ" panose="020B0604030504040204" pitchFamily="50" charset="-128"/>
-              </a:rPr>
-              <a:t>ダブルループの</a:t>
-            </a:r>
-            <a:r>
-              <a:rPr kumimoji="1" lang="ja-JP" altLang="en-US" sz="1200" dirty="0">
-                <a:solidFill>
-                  <a:schemeClr val="tx1">
-                    <a:lumMod val="85000"/>
-                    <a:lumOff val="15000"/>
-                  </a:schemeClr>
-                </a:solidFill>
-                <a:latin typeface="メイリオ" panose="020B0604030504040204" pitchFamily="50" charset="-128"/>
-                <a:ea typeface="メイリオ" panose="020B0604030504040204" pitchFamily="50" charset="-128"/>
-              </a:rPr>
-              <a:t>戦略と</a:t>
-            </a:r>
-            <a:r>
-              <a:rPr lang="ja-JP" altLang="en-US" sz="1200" dirty="0">
-                <a:solidFill>
-                  <a:schemeClr val="tx1">
-                    <a:lumMod val="85000"/>
-                    <a:lumOff val="15000"/>
-                  </a:schemeClr>
-                </a:solidFill>
-                <a:latin typeface="メイリオ" panose="020B0604030504040204" pitchFamily="50" charset="-128"/>
-                <a:ea typeface="メイリオ" panose="020B0604030504040204" pitchFamily="50" charset="-128"/>
-              </a:rPr>
-              <a:t>アクションの対応関係</a:t>
-            </a:r>
-            <a:endParaRPr lang="en-US" altLang="ja-JP" sz="1200" dirty="0">
-              <a:solidFill>
-                <a:schemeClr val="tx1">
-                  <a:lumMod val="85000"/>
-                  <a:lumOff val="15000"/>
-                </a:schemeClr>
-              </a:solidFill>
-              <a:latin typeface="メイリオ" panose="020B0604030504040204" pitchFamily="50" charset="-128"/>
-              <a:ea typeface="メイリオ" panose="020B0604030504040204" pitchFamily="50" charset="-128"/>
-            </a:endParaRPr>
-          </a:p>
-          <a:p>
-            <a:pPr algn="ctr"/>
-            <a:r>
-              <a:rPr lang="ja-JP" altLang="en-US" sz="1200" dirty="0">
-                <a:solidFill>
-                  <a:schemeClr val="tx1">
-                    <a:lumMod val="85000"/>
-                    <a:lumOff val="15000"/>
-                  </a:schemeClr>
-                </a:solidFill>
-                <a:latin typeface="メイリオ" panose="020B0604030504040204" pitchFamily="50" charset="-128"/>
-                <a:ea typeface="メイリオ" panose="020B0604030504040204" pitchFamily="50" charset="-128"/>
-              </a:rPr>
-              <a:t>アクションを鎖のように連結して、戦略の流れを表現する</a:t>
-            </a:r>
-            <a:endParaRPr kumimoji="1" lang="ja-JP" altLang="en-US" sz="1200" dirty="0">
-              <a:solidFill>
-                <a:schemeClr val="tx1">
-                  <a:lumMod val="85000"/>
-                  <a:lumOff val="15000"/>
-                </a:schemeClr>
-              </a:solidFill>
-              <a:latin typeface="メイリオ" panose="020B0604030504040204" pitchFamily="50" charset="-128"/>
-              <a:ea typeface="メイリオ" panose="020B0604030504040204" pitchFamily="50" charset="-128"/>
-            </a:endParaRPr>
-          </a:p>
-        </p:txBody>
-      </p:sp>
-      <p:sp>
-        <p:nvSpPr>
-          <p:cNvPr id="48" name="テキスト ボックス 47">
-            <a:extLst>
-              <a:ext uri="{FF2B5EF4-FFF2-40B4-BE49-F238E27FC236}">
-                <a16:creationId xmlns:a16="http://schemas.microsoft.com/office/drawing/2014/main" id="{9537C3E8-412C-43D0-314E-4BAE235131A8}"/>
-              </a:ext>
-            </a:extLst>
-          </p:cNvPr>
-          <p:cNvSpPr txBox="1"/>
-          <p:nvPr/>
-        </p:nvSpPr>
-        <p:spPr>
-          <a:xfrm>
-            <a:off x="8848994" y="9829131"/>
-            <a:ext cx="4339650" cy="646331"/>
-          </a:xfrm>
-          <a:prstGeom prst="rect">
-            <a:avLst/>
-          </a:prstGeom>
-          <a:noFill/>
-        </p:spPr>
-        <p:txBody>
-          <a:bodyPr wrap="none" rtlCol="0">
-            <a:spAutoFit/>
-          </a:bodyPr>
-          <a:lstStyle/>
-          <a:p>
-            <a:pPr algn="ctr"/>
-            <a:r>
-              <a:rPr kumimoji="1" lang="ja-JP" altLang="en-US" sz="1200" dirty="0">
-                <a:solidFill>
-                  <a:schemeClr val="tx1">
-                    <a:lumMod val="85000"/>
-                    <a:lumOff val="15000"/>
-                  </a:schemeClr>
-                </a:solidFill>
-                <a:latin typeface="メイリオ" panose="020B0604030504040204" pitchFamily="50" charset="-128"/>
-                <a:ea typeface="メイリオ" panose="020B0604030504040204" pitchFamily="50" charset="-128"/>
-              </a:rPr>
-              <a:t>図</a:t>
-            </a:r>
-            <a:r>
-              <a:rPr kumimoji="1" lang="en-US" altLang="ja-JP" sz="1200" dirty="0">
-                <a:solidFill>
-                  <a:schemeClr val="tx1">
-                    <a:lumMod val="85000"/>
-                    <a:lumOff val="15000"/>
-                  </a:schemeClr>
-                </a:solidFill>
-                <a:latin typeface="メイリオ" panose="020B0604030504040204" pitchFamily="50" charset="-128"/>
-                <a:ea typeface="メイリオ" panose="020B0604030504040204" pitchFamily="50" charset="-128"/>
-              </a:rPr>
-              <a:t>4.2 </a:t>
-            </a:r>
-            <a:r>
-              <a:rPr kumimoji="1" lang="ja-JP" altLang="en-US" sz="1200" dirty="0">
-                <a:solidFill>
-                  <a:schemeClr val="tx1">
-                    <a:lumMod val="85000"/>
-                    <a:lumOff val="15000"/>
-                  </a:schemeClr>
-                </a:solidFill>
-                <a:latin typeface="メイリオ" panose="020B0604030504040204" pitchFamily="50" charset="-128"/>
-                <a:ea typeface="メイリオ" panose="020B0604030504040204" pitchFamily="50" charset="-128"/>
-              </a:rPr>
-              <a:t>実行中に次のアクションの並び替え</a:t>
-            </a:r>
-            <a:endParaRPr kumimoji="1" lang="en-US" altLang="ja-JP" sz="1200" dirty="0">
-              <a:solidFill>
-                <a:schemeClr val="tx1">
-                  <a:lumMod val="85000"/>
-                  <a:lumOff val="15000"/>
-                </a:schemeClr>
-              </a:solidFill>
-              <a:latin typeface="メイリオ" panose="020B0604030504040204" pitchFamily="50" charset="-128"/>
-              <a:ea typeface="メイリオ" panose="020B0604030504040204" pitchFamily="50" charset="-128"/>
-            </a:endParaRPr>
-          </a:p>
-          <a:p>
-            <a:pPr algn="ctr"/>
-            <a:r>
-              <a:rPr lang="ja-JP" altLang="en-US" sz="1200" dirty="0">
-                <a:solidFill>
-                  <a:schemeClr val="tx1">
-                    <a:lumMod val="85000"/>
-                    <a:lumOff val="15000"/>
-                  </a:schemeClr>
-                </a:solidFill>
-                <a:latin typeface="メイリオ" panose="020B0604030504040204" pitchFamily="50" charset="-128"/>
-                <a:ea typeface="メイリオ" panose="020B0604030504040204" pitchFamily="50" charset="-128"/>
-              </a:rPr>
-              <a:t>ポインタのつなぎ替えと新しいアクションのインスタンス化</a:t>
-            </a:r>
-            <a:endParaRPr lang="en-US" altLang="ja-JP" sz="1200" dirty="0">
-              <a:solidFill>
-                <a:schemeClr val="tx1">
-                  <a:lumMod val="85000"/>
-                  <a:lumOff val="15000"/>
-                </a:schemeClr>
-              </a:solidFill>
-              <a:latin typeface="メイリオ" panose="020B0604030504040204" pitchFamily="50" charset="-128"/>
-              <a:ea typeface="メイリオ" panose="020B0604030504040204" pitchFamily="50" charset="-128"/>
-            </a:endParaRPr>
-          </a:p>
-          <a:p>
-            <a:pPr algn="ctr"/>
-            <a:r>
-              <a:rPr kumimoji="1" lang="ja-JP" altLang="en-US" sz="1200" dirty="0">
-                <a:solidFill>
-                  <a:schemeClr val="tx1">
-                    <a:lumMod val="85000"/>
-                    <a:lumOff val="15000"/>
-                  </a:schemeClr>
-                </a:solidFill>
-                <a:latin typeface="メイリオ" panose="020B0604030504040204" pitchFamily="50" charset="-128"/>
-                <a:ea typeface="メイリオ" panose="020B0604030504040204" pitchFamily="50" charset="-128"/>
-              </a:rPr>
-              <a:t>でこれを実現する</a:t>
-            </a:r>
-          </a:p>
-        </p:txBody>
-      </p:sp>
-      <p:grpSp>
-        <p:nvGrpSpPr>
-          <p:cNvPr id="49" name="グループ化 48">
-            <a:extLst>
-              <a:ext uri="{FF2B5EF4-FFF2-40B4-BE49-F238E27FC236}">
-                <a16:creationId xmlns:a16="http://schemas.microsoft.com/office/drawing/2014/main" id="{78FDA083-DACC-F0E7-2AF5-B2F1A292596D}"/>
-              </a:ext>
-            </a:extLst>
-          </p:cNvPr>
-          <p:cNvGrpSpPr/>
-          <p:nvPr/>
-        </p:nvGrpSpPr>
-        <p:grpSpPr>
-          <a:xfrm>
-            <a:off x="7744650" y="3958439"/>
-            <a:ext cx="6548338" cy="5591045"/>
-            <a:chOff x="6851516" y="519513"/>
-            <a:chExt cx="6548338" cy="5591045"/>
-          </a:xfrm>
-        </p:grpSpPr>
-        <p:grpSp>
-          <p:nvGrpSpPr>
-            <p:cNvPr id="50" name="グループ化 49">
-              <a:extLst>
-                <a:ext uri="{FF2B5EF4-FFF2-40B4-BE49-F238E27FC236}">
-                  <a16:creationId xmlns:a16="http://schemas.microsoft.com/office/drawing/2014/main" id="{87669F03-89D0-AE15-CE67-78ABD5D2F57A}"/>
-                </a:ext>
-              </a:extLst>
-            </p:cNvPr>
-            <p:cNvGrpSpPr/>
-            <p:nvPr/>
-          </p:nvGrpSpPr>
-          <p:grpSpPr>
-            <a:xfrm rot="15711597">
-              <a:off x="8989731" y="2782270"/>
-              <a:ext cx="207005" cy="2126321"/>
-              <a:chOff x="11877322" y="878465"/>
-              <a:chExt cx="207005" cy="2126321"/>
-            </a:xfrm>
-          </p:grpSpPr>
-          <p:sp>
-            <p:nvSpPr>
-              <p:cNvPr id="104" name="四角形: 角を丸くする 103">
-                <a:extLst>
-                  <a:ext uri="{FF2B5EF4-FFF2-40B4-BE49-F238E27FC236}">
-                    <a16:creationId xmlns:a16="http://schemas.microsoft.com/office/drawing/2014/main" id="{7A506386-C278-0E9D-0E02-6A60AEFEBFC3}"/>
-                  </a:ext>
-                </a:extLst>
-              </p:cNvPr>
-              <p:cNvSpPr/>
-              <p:nvPr/>
-            </p:nvSpPr>
-            <p:spPr>
-              <a:xfrm flipH="1">
-                <a:off x="11877322" y="878465"/>
-                <a:ext cx="207005" cy="352744"/>
-              </a:xfrm>
-              <a:prstGeom prst="roundRect">
-                <a:avLst>
-                  <a:gd name="adj" fmla="val 42382"/>
-                </a:avLst>
-              </a:prstGeom>
-              <a:noFill/>
-              <a:ln>
-                <a:solidFill>
-                  <a:schemeClr val="tx1">
-                    <a:lumMod val="50000"/>
-                    <a:lumOff val="50000"/>
-                  </a:schemeClr>
-                </a:solidFill>
-              </a:ln>
-            </p:spPr>
-            <p:style>
-              <a:lnRef idx="2">
-                <a:schemeClr val="accent1">
-                  <a:shade val="15000"/>
-                </a:schemeClr>
-              </a:lnRef>
-              <a:fillRef idx="1">
-                <a:schemeClr val="accent1"/>
-              </a:fillRef>
-              <a:effectRef idx="0">
-                <a:schemeClr val="accent1"/>
-              </a:effectRef>
-              <a:fontRef idx="minor">
-                <a:schemeClr val="lt1"/>
-              </a:fontRef>
-            </p:style>
-            <p:txBody>
-              <a:bodyPr rtlCol="0" anchor="ctr"/>
-              <a:lstStyle/>
-              <a:p>
-                <a:pPr algn="ctr"/>
-                <a:endParaRPr kumimoji="1" lang="ja-JP" altLang="en-US"/>
-              </a:p>
-            </p:txBody>
-          </p:sp>
-          <p:sp>
-            <p:nvSpPr>
-              <p:cNvPr id="105" name="四角形: 角を丸くする 104">
-                <a:extLst>
-                  <a:ext uri="{FF2B5EF4-FFF2-40B4-BE49-F238E27FC236}">
-                    <a16:creationId xmlns:a16="http://schemas.microsoft.com/office/drawing/2014/main" id="{08BAB9AC-8620-E383-EA0A-0C28354A8851}"/>
-                  </a:ext>
-                </a:extLst>
-              </p:cNvPr>
-              <p:cNvSpPr/>
-              <p:nvPr/>
-            </p:nvSpPr>
-            <p:spPr>
-              <a:xfrm flipH="1">
-                <a:off x="11877322" y="1321859"/>
-                <a:ext cx="207005" cy="352744"/>
-              </a:xfrm>
-              <a:prstGeom prst="roundRect">
-                <a:avLst>
-                  <a:gd name="adj" fmla="val 42382"/>
-                </a:avLst>
-              </a:prstGeom>
-              <a:noFill/>
-              <a:ln>
-                <a:solidFill>
-                  <a:schemeClr val="tx1">
-                    <a:lumMod val="50000"/>
-                    <a:lumOff val="50000"/>
-                  </a:schemeClr>
-                </a:solidFill>
-              </a:ln>
-            </p:spPr>
-            <p:style>
-              <a:lnRef idx="2">
-                <a:schemeClr val="accent1">
-                  <a:shade val="15000"/>
-                </a:schemeClr>
-              </a:lnRef>
-              <a:fillRef idx="1">
-                <a:schemeClr val="accent1"/>
-              </a:fillRef>
-              <a:effectRef idx="0">
-                <a:schemeClr val="accent1"/>
-              </a:effectRef>
-              <a:fontRef idx="minor">
-                <a:schemeClr val="lt1"/>
-              </a:fontRef>
-            </p:style>
-            <p:txBody>
-              <a:bodyPr rtlCol="0" anchor="ctr"/>
-              <a:lstStyle/>
-              <a:p>
-                <a:pPr algn="ctr"/>
-                <a:endParaRPr kumimoji="1" lang="ja-JP" altLang="en-US"/>
-              </a:p>
-            </p:txBody>
-          </p:sp>
-          <p:sp>
-            <p:nvSpPr>
-              <p:cNvPr id="106" name="四角形: 角を丸くする 105">
-                <a:extLst>
-                  <a:ext uri="{FF2B5EF4-FFF2-40B4-BE49-F238E27FC236}">
-                    <a16:creationId xmlns:a16="http://schemas.microsoft.com/office/drawing/2014/main" id="{FD22D080-6A4E-0172-9414-E618DB90C01F}"/>
-                  </a:ext>
-                </a:extLst>
-              </p:cNvPr>
-              <p:cNvSpPr/>
-              <p:nvPr/>
-            </p:nvSpPr>
-            <p:spPr>
-              <a:xfrm flipH="1">
-                <a:off x="11877322" y="1765253"/>
-                <a:ext cx="207005" cy="352744"/>
-              </a:xfrm>
-              <a:prstGeom prst="roundRect">
-                <a:avLst>
-                  <a:gd name="adj" fmla="val 42382"/>
-                </a:avLst>
-              </a:prstGeom>
-              <a:noFill/>
-              <a:ln>
-                <a:solidFill>
-                  <a:schemeClr val="tx1">
-                    <a:lumMod val="50000"/>
-                    <a:lumOff val="50000"/>
-                  </a:schemeClr>
-                </a:solidFill>
-              </a:ln>
-            </p:spPr>
-            <p:style>
-              <a:lnRef idx="2">
-                <a:schemeClr val="accent1">
-                  <a:shade val="15000"/>
-                </a:schemeClr>
-              </a:lnRef>
-              <a:fillRef idx="1">
-                <a:schemeClr val="accent1"/>
-              </a:fillRef>
-              <a:effectRef idx="0">
-                <a:schemeClr val="accent1"/>
-              </a:effectRef>
-              <a:fontRef idx="minor">
-                <a:schemeClr val="lt1"/>
-              </a:fontRef>
-            </p:style>
-            <p:txBody>
-              <a:bodyPr rtlCol="0" anchor="ctr"/>
-              <a:lstStyle/>
-              <a:p>
-                <a:pPr algn="ctr"/>
-                <a:endParaRPr kumimoji="1" lang="ja-JP" altLang="en-US"/>
-              </a:p>
-            </p:txBody>
-          </p:sp>
-          <p:sp>
-            <p:nvSpPr>
-              <p:cNvPr id="107" name="四角形: 角を丸くする 106">
-                <a:extLst>
-                  <a:ext uri="{FF2B5EF4-FFF2-40B4-BE49-F238E27FC236}">
-                    <a16:creationId xmlns:a16="http://schemas.microsoft.com/office/drawing/2014/main" id="{E408C72D-6CE6-1031-8823-F77F3A216FE6}"/>
-                  </a:ext>
-                </a:extLst>
-              </p:cNvPr>
-              <p:cNvSpPr/>
-              <p:nvPr/>
-            </p:nvSpPr>
-            <p:spPr>
-              <a:xfrm flipH="1">
-                <a:off x="11877322" y="2208648"/>
-                <a:ext cx="207005" cy="352744"/>
-              </a:xfrm>
-              <a:prstGeom prst="roundRect">
-                <a:avLst>
-                  <a:gd name="adj" fmla="val 42382"/>
-                </a:avLst>
-              </a:prstGeom>
-              <a:noFill/>
-              <a:ln>
-                <a:solidFill>
-                  <a:schemeClr val="tx1">
-                    <a:lumMod val="50000"/>
-                    <a:lumOff val="50000"/>
-                  </a:schemeClr>
-                </a:solidFill>
-              </a:ln>
-            </p:spPr>
-            <p:style>
-              <a:lnRef idx="2">
-                <a:schemeClr val="accent1">
-                  <a:shade val="15000"/>
-                </a:schemeClr>
-              </a:lnRef>
-              <a:fillRef idx="1">
-                <a:schemeClr val="accent1"/>
-              </a:fillRef>
-              <a:effectRef idx="0">
-                <a:schemeClr val="accent1"/>
-              </a:effectRef>
-              <a:fontRef idx="minor">
-                <a:schemeClr val="lt1"/>
-              </a:fontRef>
-            </p:style>
-            <p:txBody>
-              <a:bodyPr rtlCol="0" anchor="ctr"/>
-              <a:lstStyle/>
-              <a:p>
-                <a:pPr algn="ctr"/>
-                <a:endParaRPr kumimoji="1" lang="ja-JP" altLang="en-US"/>
-              </a:p>
-            </p:txBody>
-          </p:sp>
-          <p:sp>
-            <p:nvSpPr>
-              <p:cNvPr id="108" name="四角形: 角を丸くする 107">
-                <a:extLst>
-                  <a:ext uri="{FF2B5EF4-FFF2-40B4-BE49-F238E27FC236}">
-                    <a16:creationId xmlns:a16="http://schemas.microsoft.com/office/drawing/2014/main" id="{AC651532-B719-0872-9D43-FE428624B61D}"/>
-                  </a:ext>
-                </a:extLst>
-              </p:cNvPr>
-              <p:cNvSpPr/>
-              <p:nvPr/>
-            </p:nvSpPr>
-            <p:spPr>
-              <a:xfrm flipH="1">
-                <a:off x="11877322" y="2652042"/>
-                <a:ext cx="207005" cy="352744"/>
-              </a:xfrm>
-              <a:prstGeom prst="roundRect">
-                <a:avLst>
-                  <a:gd name="adj" fmla="val 42382"/>
-                </a:avLst>
-              </a:prstGeom>
-              <a:noFill/>
-              <a:ln>
-                <a:solidFill>
-                  <a:schemeClr val="tx1">
-                    <a:lumMod val="50000"/>
-                    <a:lumOff val="50000"/>
-                  </a:schemeClr>
-                </a:solidFill>
-              </a:ln>
-            </p:spPr>
-            <p:style>
-              <a:lnRef idx="2">
-                <a:schemeClr val="accent1">
-                  <a:shade val="15000"/>
-                </a:schemeClr>
-              </a:lnRef>
-              <a:fillRef idx="1">
-                <a:schemeClr val="accent1"/>
-              </a:fillRef>
-              <a:effectRef idx="0">
-                <a:schemeClr val="accent1"/>
-              </a:effectRef>
-              <a:fontRef idx="minor">
-                <a:schemeClr val="lt1"/>
-              </a:fontRef>
-            </p:style>
-            <p:txBody>
-              <a:bodyPr rtlCol="0" anchor="ctr"/>
-              <a:lstStyle/>
-              <a:p>
-                <a:pPr algn="ctr"/>
-                <a:endParaRPr kumimoji="1" lang="ja-JP" altLang="en-US"/>
-              </a:p>
-            </p:txBody>
-          </p:sp>
-          <p:sp>
-            <p:nvSpPr>
-              <p:cNvPr id="109" name="四角形: 角を丸くする 108">
-                <a:extLst>
-                  <a:ext uri="{FF2B5EF4-FFF2-40B4-BE49-F238E27FC236}">
-                    <a16:creationId xmlns:a16="http://schemas.microsoft.com/office/drawing/2014/main" id="{533B2914-C02E-EF61-9DF1-BC0E1E60655C}"/>
-                  </a:ext>
-                </a:extLst>
-              </p:cNvPr>
-              <p:cNvSpPr/>
-              <p:nvPr/>
-            </p:nvSpPr>
-            <p:spPr>
-              <a:xfrm flipH="1">
-                <a:off x="11932523" y="1100162"/>
-                <a:ext cx="96602" cy="352744"/>
-              </a:xfrm>
-              <a:prstGeom prst="roundRect">
-                <a:avLst>
-                  <a:gd name="adj" fmla="val 42382"/>
-                </a:avLst>
-              </a:prstGeom>
-              <a:noFill/>
-              <a:ln>
-                <a:solidFill>
-                  <a:schemeClr val="tx1">
-                    <a:lumMod val="50000"/>
-                    <a:lumOff val="50000"/>
-                  </a:schemeClr>
-                </a:solidFill>
-              </a:ln>
-            </p:spPr>
-            <p:style>
-              <a:lnRef idx="2">
-                <a:schemeClr val="accent1">
-                  <a:shade val="15000"/>
-                </a:schemeClr>
-              </a:lnRef>
-              <a:fillRef idx="1">
-                <a:schemeClr val="accent1"/>
-              </a:fillRef>
-              <a:effectRef idx="0">
-                <a:schemeClr val="accent1"/>
-              </a:effectRef>
-              <a:fontRef idx="minor">
-                <a:schemeClr val="lt1"/>
-              </a:fontRef>
-            </p:style>
-            <p:txBody>
-              <a:bodyPr rtlCol="0" anchor="ctr"/>
-              <a:lstStyle/>
-              <a:p>
-                <a:pPr algn="ctr"/>
-                <a:endParaRPr kumimoji="1" lang="ja-JP" altLang="en-US"/>
-              </a:p>
-            </p:txBody>
-          </p:sp>
-          <p:sp>
-            <p:nvSpPr>
-              <p:cNvPr id="110" name="四角形: 角を丸くする 109">
-                <a:extLst>
-                  <a:ext uri="{FF2B5EF4-FFF2-40B4-BE49-F238E27FC236}">
-                    <a16:creationId xmlns:a16="http://schemas.microsoft.com/office/drawing/2014/main" id="{5BC1AE58-431B-866B-9CE3-0C4FBAFCE09D}"/>
-                  </a:ext>
-                </a:extLst>
-              </p:cNvPr>
-              <p:cNvSpPr/>
-              <p:nvPr/>
-            </p:nvSpPr>
-            <p:spPr>
-              <a:xfrm flipH="1">
-                <a:off x="11932523" y="1543556"/>
-                <a:ext cx="96602" cy="352744"/>
-              </a:xfrm>
-              <a:prstGeom prst="roundRect">
-                <a:avLst>
-                  <a:gd name="adj" fmla="val 42382"/>
-                </a:avLst>
-              </a:prstGeom>
-              <a:noFill/>
-              <a:ln>
-                <a:solidFill>
-                  <a:schemeClr val="tx1">
-                    <a:lumMod val="50000"/>
-                    <a:lumOff val="50000"/>
-                  </a:schemeClr>
-                </a:solidFill>
-              </a:ln>
-            </p:spPr>
-            <p:style>
-              <a:lnRef idx="2">
-                <a:schemeClr val="accent1">
-                  <a:shade val="15000"/>
-                </a:schemeClr>
-              </a:lnRef>
-              <a:fillRef idx="1">
-                <a:schemeClr val="accent1"/>
-              </a:fillRef>
-              <a:effectRef idx="0">
-                <a:schemeClr val="accent1"/>
-              </a:effectRef>
-              <a:fontRef idx="minor">
-                <a:schemeClr val="lt1"/>
-              </a:fontRef>
-            </p:style>
-            <p:txBody>
-              <a:bodyPr rtlCol="0" anchor="ctr"/>
-              <a:lstStyle/>
-              <a:p>
-                <a:pPr algn="ctr"/>
-                <a:endParaRPr kumimoji="1" lang="ja-JP" altLang="en-US"/>
-              </a:p>
-            </p:txBody>
-          </p:sp>
-          <p:sp>
-            <p:nvSpPr>
-              <p:cNvPr id="111" name="四角形: 角を丸くする 110">
-                <a:extLst>
-                  <a:ext uri="{FF2B5EF4-FFF2-40B4-BE49-F238E27FC236}">
-                    <a16:creationId xmlns:a16="http://schemas.microsoft.com/office/drawing/2014/main" id="{60362E2C-3195-117F-795B-55855EE5D5DB}"/>
-                  </a:ext>
-                </a:extLst>
-              </p:cNvPr>
-              <p:cNvSpPr/>
-              <p:nvPr/>
-            </p:nvSpPr>
-            <p:spPr>
-              <a:xfrm flipH="1">
-                <a:off x="11932523" y="1986950"/>
-                <a:ext cx="96602" cy="352744"/>
-              </a:xfrm>
-              <a:prstGeom prst="roundRect">
-                <a:avLst>
-                  <a:gd name="adj" fmla="val 42382"/>
-                </a:avLst>
-              </a:prstGeom>
-              <a:noFill/>
-              <a:ln>
-                <a:solidFill>
-                  <a:schemeClr val="tx1">
-                    <a:lumMod val="50000"/>
-                    <a:lumOff val="50000"/>
-                  </a:schemeClr>
-                </a:solidFill>
-              </a:ln>
-            </p:spPr>
-            <p:style>
-              <a:lnRef idx="2">
-                <a:schemeClr val="accent1">
-                  <a:shade val="15000"/>
-                </a:schemeClr>
-              </a:lnRef>
-              <a:fillRef idx="1">
-                <a:schemeClr val="accent1"/>
-              </a:fillRef>
-              <a:effectRef idx="0">
-                <a:schemeClr val="accent1"/>
-              </a:effectRef>
-              <a:fontRef idx="minor">
-                <a:schemeClr val="lt1"/>
-              </a:fontRef>
-            </p:style>
-            <p:txBody>
-              <a:bodyPr rtlCol="0" anchor="ctr"/>
-              <a:lstStyle/>
-              <a:p>
-                <a:pPr algn="ctr"/>
-                <a:endParaRPr kumimoji="1" lang="ja-JP" altLang="en-US"/>
-              </a:p>
-            </p:txBody>
-          </p:sp>
-          <p:sp>
-            <p:nvSpPr>
-              <p:cNvPr id="112" name="四角形: 角を丸くする 111">
-                <a:extLst>
-                  <a:ext uri="{FF2B5EF4-FFF2-40B4-BE49-F238E27FC236}">
-                    <a16:creationId xmlns:a16="http://schemas.microsoft.com/office/drawing/2014/main" id="{644FBE5B-498E-8421-8E31-E7C12F634808}"/>
-                  </a:ext>
-                </a:extLst>
-              </p:cNvPr>
-              <p:cNvSpPr/>
-              <p:nvPr/>
-            </p:nvSpPr>
-            <p:spPr>
-              <a:xfrm flipH="1">
-                <a:off x="11932523" y="2430345"/>
-                <a:ext cx="96602" cy="352744"/>
-              </a:xfrm>
-              <a:prstGeom prst="roundRect">
-                <a:avLst>
-                  <a:gd name="adj" fmla="val 42382"/>
-                </a:avLst>
-              </a:prstGeom>
-              <a:noFill/>
-              <a:ln>
-                <a:solidFill>
-                  <a:schemeClr val="tx1">
-                    <a:lumMod val="50000"/>
-                    <a:lumOff val="50000"/>
-                  </a:schemeClr>
-                </a:solidFill>
-              </a:ln>
-            </p:spPr>
-            <p:style>
-              <a:lnRef idx="2">
-                <a:schemeClr val="accent1">
-                  <a:shade val="15000"/>
-                </a:schemeClr>
-              </a:lnRef>
-              <a:fillRef idx="1">
-                <a:schemeClr val="accent1"/>
-              </a:fillRef>
-              <a:effectRef idx="0">
-                <a:schemeClr val="accent1"/>
-              </a:effectRef>
-              <a:fontRef idx="minor">
-                <a:schemeClr val="lt1"/>
-              </a:fontRef>
-            </p:style>
-            <p:txBody>
-              <a:bodyPr rtlCol="0" anchor="ctr"/>
-              <a:lstStyle/>
-              <a:p>
-                <a:pPr algn="ctr"/>
-                <a:endParaRPr kumimoji="1" lang="ja-JP" altLang="en-US"/>
-              </a:p>
-            </p:txBody>
-          </p:sp>
-        </p:grpSp>
-        <p:grpSp>
-          <p:nvGrpSpPr>
-            <p:cNvPr id="51" name="グループ化 50">
-              <a:extLst>
-                <a:ext uri="{FF2B5EF4-FFF2-40B4-BE49-F238E27FC236}">
-                  <a16:creationId xmlns:a16="http://schemas.microsoft.com/office/drawing/2014/main" id="{A75A0E3E-7AD0-0E7A-891E-3566797D83FD}"/>
-                </a:ext>
-              </a:extLst>
-            </p:cNvPr>
-            <p:cNvGrpSpPr/>
-            <p:nvPr/>
-          </p:nvGrpSpPr>
-          <p:grpSpPr>
-            <a:xfrm>
-              <a:off x="10248593" y="1683782"/>
-              <a:ext cx="207005" cy="2348015"/>
-              <a:chOff x="7684013" y="3762543"/>
-              <a:chExt cx="207005" cy="2348015"/>
-            </a:xfrm>
-          </p:grpSpPr>
-          <p:sp>
-            <p:nvSpPr>
-              <p:cNvPr id="94" name="四角形: 角を丸くする 93">
-                <a:extLst>
-                  <a:ext uri="{FF2B5EF4-FFF2-40B4-BE49-F238E27FC236}">
-                    <a16:creationId xmlns:a16="http://schemas.microsoft.com/office/drawing/2014/main" id="{FA8701D5-0505-22DF-0888-ED31C618D92F}"/>
-                  </a:ext>
-                </a:extLst>
-              </p:cNvPr>
-              <p:cNvSpPr/>
-              <p:nvPr/>
-            </p:nvSpPr>
-            <p:spPr>
-              <a:xfrm flipH="1">
-                <a:off x="7684013" y="3984240"/>
-                <a:ext cx="207005" cy="352744"/>
-              </a:xfrm>
-              <a:prstGeom prst="roundRect">
-                <a:avLst>
-                  <a:gd name="adj" fmla="val 42382"/>
-                </a:avLst>
-              </a:prstGeom>
-              <a:noFill/>
-              <a:ln>
-                <a:solidFill>
-                  <a:schemeClr val="tx1">
-                    <a:lumMod val="50000"/>
-                    <a:lumOff val="50000"/>
-                  </a:schemeClr>
-                </a:solidFill>
-              </a:ln>
-            </p:spPr>
-            <p:style>
-              <a:lnRef idx="2">
-                <a:schemeClr val="accent1">
-                  <a:shade val="15000"/>
-                </a:schemeClr>
-              </a:lnRef>
-              <a:fillRef idx="1">
-                <a:schemeClr val="accent1"/>
-              </a:fillRef>
-              <a:effectRef idx="0">
-                <a:schemeClr val="accent1"/>
-              </a:effectRef>
-              <a:fontRef idx="minor">
-                <a:schemeClr val="lt1"/>
-              </a:fontRef>
-            </p:style>
-            <p:txBody>
-              <a:bodyPr rtlCol="0" anchor="ctr"/>
-              <a:lstStyle/>
-              <a:p>
-                <a:pPr algn="ctr"/>
-                <a:endParaRPr kumimoji="1" lang="ja-JP" altLang="en-US"/>
-              </a:p>
-            </p:txBody>
-          </p:sp>
-          <p:sp>
-            <p:nvSpPr>
-              <p:cNvPr id="95" name="四角形: 角を丸くする 94">
-                <a:extLst>
-                  <a:ext uri="{FF2B5EF4-FFF2-40B4-BE49-F238E27FC236}">
-                    <a16:creationId xmlns:a16="http://schemas.microsoft.com/office/drawing/2014/main" id="{2B4BDE10-DA11-7C63-A8BA-9E6C89AAAFC7}"/>
-                  </a:ext>
-                </a:extLst>
-              </p:cNvPr>
-              <p:cNvSpPr/>
-              <p:nvPr/>
-            </p:nvSpPr>
-            <p:spPr>
-              <a:xfrm flipH="1">
-                <a:off x="7739214" y="3762543"/>
-                <a:ext cx="96602" cy="352744"/>
-              </a:xfrm>
-              <a:prstGeom prst="roundRect">
-                <a:avLst>
-                  <a:gd name="adj" fmla="val 42382"/>
-                </a:avLst>
-              </a:prstGeom>
-              <a:noFill/>
-              <a:ln>
-                <a:solidFill>
-                  <a:schemeClr val="tx1">
-                    <a:lumMod val="50000"/>
-                    <a:lumOff val="50000"/>
-                  </a:schemeClr>
-                </a:solidFill>
-              </a:ln>
-            </p:spPr>
-            <p:style>
-              <a:lnRef idx="2">
-                <a:schemeClr val="accent1">
-                  <a:shade val="15000"/>
-                </a:schemeClr>
-              </a:lnRef>
-              <a:fillRef idx="1">
-                <a:schemeClr val="accent1"/>
-              </a:fillRef>
-              <a:effectRef idx="0">
-                <a:schemeClr val="accent1"/>
-              </a:effectRef>
-              <a:fontRef idx="minor">
-                <a:schemeClr val="lt1"/>
-              </a:fontRef>
-            </p:style>
-            <p:txBody>
-              <a:bodyPr rtlCol="0" anchor="ctr"/>
-              <a:lstStyle/>
-              <a:p>
-                <a:pPr algn="ctr"/>
-                <a:endParaRPr kumimoji="1" lang="ja-JP" altLang="en-US"/>
-              </a:p>
-            </p:txBody>
-          </p:sp>
-          <p:sp>
-            <p:nvSpPr>
-              <p:cNvPr id="96" name="四角形: 角を丸くする 95">
-                <a:extLst>
-                  <a:ext uri="{FF2B5EF4-FFF2-40B4-BE49-F238E27FC236}">
-                    <a16:creationId xmlns:a16="http://schemas.microsoft.com/office/drawing/2014/main" id="{CE7FB815-B7D6-8276-3AD5-ABE24637D291}"/>
-                  </a:ext>
-                </a:extLst>
-              </p:cNvPr>
-              <p:cNvSpPr/>
-              <p:nvPr/>
-            </p:nvSpPr>
-            <p:spPr>
-              <a:xfrm flipH="1">
-                <a:off x="7684013" y="4427634"/>
-                <a:ext cx="207005" cy="352744"/>
-              </a:xfrm>
-              <a:prstGeom prst="roundRect">
-                <a:avLst>
-                  <a:gd name="adj" fmla="val 42382"/>
-                </a:avLst>
-              </a:prstGeom>
-              <a:noFill/>
-              <a:ln>
-                <a:solidFill>
-                  <a:schemeClr val="tx1">
-                    <a:lumMod val="50000"/>
-                    <a:lumOff val="50000"/>
-                  </a:schemeClr>
-                </a:solidFill>
-              </a:ln>
-            </p:spPr>
-            <p:style>
-              <a:lnRef idx="2">
-                <a:schemeClr val="accent1">
-                  <a:shade val="15000"/>
-                </a:schemeClr>
-              </a:lnRef>
-              <a:fillRef idx="1">
-                <a:schemeClr val="accent1"/>
-              </a:fillRef>
-              <a:effectRef idx="0">
-                <a:schemeClr val="accent1"/>
-              </a:effectRef>
-              <a:fontRef idx="minor">
-                <a:schemeClr val="lt1"/>
-              </a:fontRef>
-            </p:style>
-            <p:txBody>
-              <a:bodyPr rtlCol="0" anchor="ctr"/>
-              <a:lstStyle/>
-              <a:p>
-                <a:pPr algn="ctr"/>
-                <a:endParaRPr kumimoji="1" lang="ja-JP" altLang="en-US"/>
-              </a:p>
-            </p:txBody>
-          </p:sp>
-          <p:sp>
-            <p:nvSpPr>
-              <p:cNvPr id="97" name="四角形: 角を丸くする 96">
-                <a:extLst>
-                  <a:ext uri="{FF2B5EF4-FFF2-40B4-BE49-F238E27FC236}">
-                    <a16:creationId xmlns:a16="http://schemas.microsoft.com/office/drawing/2014/main" id="{5AD0DB53-7FE9-6525-D815-89875F449244}"/>
-                  </a:ext>
-                </a:extLst>
-              </p:cNvPr>
-              <p:cNvSpPr/>
-              <p:nvPr/>
-            </p:nvSpPr>
-            <p:spPr>
-              <a:xfrm flipH="1">
-                <a:off x="7739214" y="4205937"/>
-                <a:ext cx="96602" cy="352744"/>
-              </a:xfrm>
-              <a:prstGeom prst="roundRect">
-                <a:avLst>
-                  <a:gd name="adj" fmla="val 42382"/>
-                </a:avLst>
-              </a:prstGeom>
-              <a:noFill/>
-              <a:ln>
-                <a:solidFill>
-                  <a:schemeClr val="tx1">
-                    <a:lumMod val="50000"/>
-                    <a:lumOff val="50000"/>
-                  </a:schemeClr>
-                </a:solidFill>
-              </a:ln>
-            </p:spPr>
-            <p:style>
-              <a:lnRef idx="2">
-                <a:schemeClr val="accent1">
-                  <a:shade val="15000"/>
-                </a:schemeClr>
-              </a:lnRef>
-              <a:fillRef idx="1">
-                <a:schemeClr val="accent1"/>
-              </a:fillRef>
-              <a:effectRef idx="0">
-                <a:schemeClr val="accent1"/>
-              </a:effectRef>
-              <a:fontRef idx="minor">
-                <a:schemeClr val="lt1"/>
-              </a:fontRef>
-            </p:style>
-            <p:txBody>
-              <a:bodyPr rtlCol="0" anchor="ctr"/>
-              <a:lstStyle/>
-              <a:p>
-                <a:pPr algn="ctr"/>
-                <a:endParaRPr kumimoji="1" lang="ja-JP" altLang="en-US"/>
-              </a:p>
-            </p:txBody>
-          </p:sp>
-          <p:sp>
-            <p:nvSpPr>
-              <p:cNvPr id="98" name="四角形: 角を丸くする 97">
-                <a:extLst>
-                  <a:ext uri="{FF2B5EF4-FFF2-40B4-BE49-F238E27FC236}">
-                    <a16:creationId xmlns:a16="http://schemas.microsoft.com/office/drawing/2014/main" id="{9FF8A748-4667-478A-D173-89DF5E4FB1EA}"/>
-                  </a:ext>
-                </a:extLst>
-              </p:cNvPr>
-              <p:cNvSpPr/>
-              <p:nvPr/>
-            </p:nvSpPr>
-            <p:spPr>
-              <a:xfrm flipH="1">
-                <a:off x="7684013" y="4871027"/>
-                <a:ext cx="207005" cy="352744"/>
-              </a:xfrm>
-              <a:prstGeom prst="roundRect">
-                <a:avLst>
-                  <a:gd name="adj" fmla="val 42382"/>
-                </a:avLst>
-              </a:prstGeom>
-              <a:noFill/>
-              <a:ln>
-                <a:solidFill>
-                  <a:schemeClr val="tx1">
-                    <a:lumMod val="50000"/>
-                    <a:lumOff val="50000"/>
-                  </a:schemeClr>
-                </a:solidFill>
-              </a:ln>
-            </p:spPr>
-            <p:style>
-              <a:lnRef idx="2">
-                <a:schemeClr val="accent1">
-                  <a:shade val="15000"/>
-                </a:schemeClr>
-              </a:lnRef>
-              <a:fillRef idx="1">
-                <a:schemeClr val="accent1"/>
-              </a:fillRef>
-              <a:effectRef idx="0">
-                <a:schemeClr val="accent1"/>
-              </a:effectRef>
-              <a:fontRef idx="minor">
-                <a:schemeClr val="lt1"/>
-              </a:fontRef>
-            </p:style>
-            <p:txBody>
-              <a:bodyPr rtlCol="0" anchor="ctr"/>
-              <a:lstStyle/>
-              <a:p>
-                <a:pPr algn="ctr"/>
-                <a:endParaRPr kumimoji="1" lang="ja-JP" altLang="en-US"/>
-              </a:p>
-            </p:txBody>
-          </p:sp>
-          <p:sp>
-            <p:nvSpPr>
-              <p:cNvPr id="99" name="四角形: 角を丸くする 98">
-                <a:extLst>
-                  <a:ext uri="{FF2B5EF4-FFF2-40B4-BE49-F238E27FC236}">
-                    <a16:creationId xmlns:a16="http://schemas.microsoft.com/office/drawing/2014/main" id="{E156FCBB-DF36-3128-6495-F25A080784B6}"/>
-                  </a:ext>
-                </a:extLst>
-              </p:cNvPr>
-              <p:cNvSpPr/>
-              <p:nvPr/>
-            </p:nvSpPr>
-            <p:spPr>
-              <a:xfrm flipH="1">
-                <a:off x="7739214" y="4649331"/>
-                <a:ext cx="96602" cy="352744"/>
-              </a:xfrm>
-              <a:prstGeom prst="roundRect">
-                <a:avLst>
-                  <a:gd name="adj" fmla="val 42382"/>
-                </a:avLst>
-              </a:prstGeom>
-              <a:noFill/>
-              <a:ln>
-                <a:solidFill>
-                  <a:schemeClr val="tx1">
-                    <a:lumMod val="50000"/>
-                    <a:lumOff val="50000"/>
-                  </a:schemeClr>
-                </a:solidFill>
-              </a:ln>
-            </p:spPr>
-            <p:style>
-              <a:lnRef idx="2">
-                <a:schemeClr val="accent1">
-                  <a:shade val="15000"/>
-                </a:schemeClr>
-              </a:lnRef>
-              <a:fillRef idx="1">
-                <a:schemeClr val="accent1"/>
-              </a:fillRef>
-              <a:effectRef idx="0">
-                <a:schemeClr val="accent1"/>
-              </a:effectRef>
-              <a:fontRef idx="minor">
-                <a:schemeClr val="lt1"/>
-              </a:fontRef>
-            </p:style>
-            <p:txBody>
-              <a:bodyPr rtlCol="0" anchor="ctr"/>
-              <a:lstStyle/>
-              <a:p>
-                <a:pPr algn="ctr"/>
-                <a:endParaRPr kumimoji="1" lang="ja-JP" altLang="en-US"/>
-              </a:p>
-            </p:txBody>
-          </p:sp>
-          <p:sp>
-            <p:nvSpPr>
-              <p:cNvPr id="100" name="四角形: 角を丸くする 99">
-                <a:extLst>
-                  <a:ext uri="{FF2B5EF4-FFF2-40B4-BE49-F238E27FC236}">
-                    <a16:creationId xmlns:a16="http://schemas.microsoft.com/office/drawing/2014/main" id="{5A9EBF27-9E63-EF42-AB9F-94EEBF6DA8EA}"/>
-                  </a:ext>
-                </a:extLst>
-              </p:cNvPr>
-              <p:cNvSpPr/>
-              <p:nvPr/>
-            </p:nvSpPr>
-            <p:spPr>
-              <a:xfrm flipH="1">
-                <a:off x="7684013" y="5314421"/>
-                <a:ext cx="207005" cy="352744"/>
-              </a:xfrm>
-              <a:prstGeom prst="roundRect">
-                <a:avLst>
-                  <a:gd name="adj" fmla="val 42382"/>
-                </a:avLst>
-              </a:prstGeom>
-              <a:noFill/>
-              <a:ln>
-                <a:solidFill>
-                  <a:schemeClr val="tx1">
-                    <a:lumMod val="50000"/>
-                    <a:lumOff val="50000"/>
-                  </a:schemeClr>
-                </a:solidFill>
-              </a:ln>
-            </p:spPr>
-            <p:style>
-              <a:lnRef idx="2">
-                <a:schemeClr val="accent1">
-                  <a:shade val="15000"/>
-                </a:schemeClr>
-              </a:lnRef>
-              <a:fillRef idx="1">
-                <a:schemeClr val="accent1"/>
-              </a:fillRef>
-              <a:effectRef idx="0">
-                <a:schemeClr val="accent1"/>
-              </a:effectRef>
-              <a:fontRef idx="minor">
-                <a:schemeClr val="lt1"/>
-              </a:fontRef>
-            </p:style>
-            <p:txBody>
-              <a:bodyPr rtlCol="0" anchor="ctr"/>
-              <a:lstStyle/>
-              <a:p>
-                <a:pPr algn="ctr"/>
-                <a:endParaRPr kumimoji="1" lang="ja-JP" altLang="en-US"/>
-              </a:p>
-            </p:txBody>
-          </p:sp>
-          <p:sp>
-            <p:nvSpPr>
-              <p:cNvPr id="101" name="四角形: 角を丸くする 100">
-                <a:extLst>
-                  <a:ext uri="{FF2B5EF4-FFF2-40B4-BE49-F238E27FC236}">
-                    <a16:creationId xmlns:a16="http://schemas.microsoft.com/office/drawing/2014/main" id="{1774B79E-8E1D-4F84-A692-EA0F1BEDD5DC}"/>
-                  </a:ext>
-                </a:extLst>
-              </p:cNvPr>
-              <p:cNvSpPr/>
-              <p:nvPr/>
-            </p:nvSpPr>
-            <p:spPr>
-              <a:xfrm flipH="1">
-                <a:off x="7739214" y="5092724"/>
-                <a:ext cx="96602" cy="352744"/>
-              </a:xfrm>
-              <a:prstGeom prst="roundRect">
-                <a:avLst>
-                  <a:gd name="adj" fmla="val 42382"/>
-                </a:avLst>
-              </a:prstGeom>
-              <a:noFill/>
-              <a:ln>
-                <a:solidFill>
-                  <a:schemeClr val="tx1">
-                    <a:lumMod val="50000"/>
-                    <a:lumOff val="50000"/>
-                  </a:schemeClr>
-                </a:solidFill>
-              </a:ln>
-            </p:spPr>
-            <p:style>
-              <a:lnRef idx="2">
-                <a:schemeClr val="accent1">
-                  <a:shade val="15000"/>
-                </a:schemeClr>
-              </a:lnRef>
-              <a:fillRef idx="1">
-                <a:schemeClr val="accent1"/>
-              </a:fillRef>
-              <a:effectRef idx="0">
-                <a:schemeClr val="accent1"/>
-              </a:effectRef>
-              <a:fontRef idx="minor">
-                <a:schemeClr val="lt1"/>
-              </a:fontRef>
-            </p:style>
-            <p:txBody>
-              <a:bodyPr rtlCol="0" anchor="ctr"/>
-              <a:lstStyle/>
-              <a:p>
-                <a:pPr algn="ctr"/>
-                <a:endParaRPr kumimoji="1" lang="ja-JP" altLang="en-US"/>
-              </a:p>
-            </p:txBody>
-          </p:sp>
-          <p:sp>
-            <p:nvSpPr>
-              <p:cNvPr id="102" name="四角形: 角を丸くする 101">
-                <a:extLst>
-                  <a:ext uri="{FF2B5EF4-FFF2-40B4-BE49-F238E27FC236}">
-                    <a16:creationId xmlns:a16="http://schemas.microsoft.com/office/drawing/2014/main" id="{B03D5382-B234-E62F-3648-FE65308F1658}"/>
-                  </a:ext>
-                </a:extLst>
-              </p:cNvPr>
-              <p:cNvSpPr/>
-              <p:nvPr/>
-            </p:nvSpPr>
-            <p:spPr>
-              <a:xfrm flipH="1">
-                <a:off x="7684013" y="5757814"/>
-                <a:ext cx="207005" cy="352744"/>
-              </a:xfrm>
-              <a:prstGeom prst="roundRect">
-                <a:avLst>
-                  <a:gd name="adj" fmla="val 42382"/>
-                </a:avLst>
-              </a:prstGeom>
-              <a:noFill/>
-              <a:ln>
-                <a:solidFill>
-                  <a:schemeClr val="tx1">
-                    <a:lumMod val="50000"/>
-                    <a:lumOff val="50000"/>
-                  </a:schemeClr>
-                </a:solidFill>
-              </a:ln>
-            </p:spPr>
-            <p:style>
-              <a:lnRef idx="2">
-                <a:schemeClr val="accent1">
-                  <a:shade val="15000"/>
-                </a:schemeClr>
-              </a:lnRef>
-              <a:fillRef idx="1">
-                <a:schemeClr val="accent1"/>
-              </a:fillRef>
-              <a:effectRef idx="0">
-                <a:schemeClr val="accent1"/>
-              </a:effectRef>
-              <a:fontRef idx="minor">
-                <a:schemeClr val="lt1"/>
-              </a:fontRef>
-            </p:style>
-            <p:txBody>
-              <a:bodyPr rtlCol="0" anchor="ctr"/>
-              <a:lstStyle/>
-              <a:p>
-                <a:pPr algn="ctr"/>
-                <a:endParaRPr kumimoji="1" lang="ja-JP" altLang="en-US"/>
-              </a:p>
-            </p:txBody>
-          </p:sp>
-          <p:sp>
-            <p:nvSpPr>
-              <p:cNvPr id="103" name="四角形: 角を丸くする 102">
-                <a:extLst>
-                  <a:ext uri="{FF2B5EF4-FFF2-40B4-BE49-F238E27FC236}">
-                    <a16:creationId xmlns:a16="http://schemas.microsoft.com/office/drawing/2014/main" id="{44A08AD7-9D41-4D9C-90A0-5AD2A9A35E0A}"/>
-                  </a:ext>
-                </a:extLst>
-              </p:cNvPr>
-              <p:cNvSpPr/>
-              <p:nvPr/>
-            </p:nvSpPr>
-            <p:spPr>
-              <a:xfrm flipH="1">
-                <a:off x="7739214" y="5536118"/>
-                <a:ext cx="96602" cy="352744"/>
-              </a:xfrm>
-              <a:prstGeom prst="roundRect">
-                <a:avLst>
-                  <a:gd name="adj" fmla="val 42382"/>
-                </a:avLst>
-              </a:prstGeom>
-              <a:noFill/>
-              <a:ln>
-                <a:solidFill>
-                  <a:schemeClr val="tx1">
-                    <a:lumMod val="50000"/>
-                    <a:lumOff val="50000"/>
-                  </a:schemeClr>
-                </a:solidFill>
-              </a:ln>
-            </p:spPr>
-            <p:style>
-              <a:lnRef idx="2">
-                <a:schemeClr val="accent1">
-                  <a:shade val="15000"/>
-                </a:schemeClr>
-              </a:lnRef>
-              <a:fillRef idx="1">
-                <a:schemeClr val="accent1"/>
-              </a:fillRef>
-              <a:effectRef idx="0">
-                <a:schemeClr val="accent1"/>
-              </a:effectRef>
-              <a:fontRef idx="minor">
-                <a:schemeClr val="lt1"/>
-              </a:fontRef>
-            </p:style>
-            <p:txBody>
-              <a:bodyPr rtlCol="0" anchor="ctr"/>
-              <a:lstStyle/>
-              <a:p>
-                <a:pPr algn="ctr"/>
-                <a:endParaRPr kumimoji="1" lang="ja-JP" altLang="en-US"/>
-              </a:p>
-            </p:txBody>
-          </p:sp>
-        </p:grpSp>
-        <p:grpSp>
-          <p:nvGrpSpPr>
-            <p:cNvPr id="52" name="グループ化 51">
-              <a:extLst>
-                <a:ext uri="{FF2B5EF4-FFF2-40B4-BE49-F238E27FC236}">
-                  <a16:creationId xmlns:a16="http://schemas.microsoft.com/office/drawing/2014/main" id="{C2EB604C-763B-7F0B-251D-692CF9931CC8}"/>
-                </a:ext>
-              </a:extLst>
-            </p:cNvPr>
-            <p:cNvGrpSpPr/>
-            <p:nvPr/>
-          </p:nvGrpSpPr>
-          <p:grpSpPr>
-            <a:xfrm rot="5888403" flipV="1">
-              <a:off x="8951704" y="702092"/>
-              <a:ext cx="207005" cy="2126321"/>
-              <a:chOff x="11877322" y="878465"/>
-              <a:chExt cx="207005" cy="2126321"/>
-            </a:xfrm>
-          </p:grpSpPr>
-          <p:sp>
-            <p:nvSpPr>
-              <p:cNvPr id="85" name="四角形: 角を丸くする 84">
-                <a:extLst>
-                  <a:ext uri="{FF2B5EF4-FFF2-40B4-BE49-F238E27FC236}">
-                    <a16:creationId xmlns:a16="http://schemas.microsoft.com/office/drawing/2014/main" id="{4CC18FA2-E209-E986-9248-0A0BC68CEBA7}"/>
-                  </a:ext>
-                </a:extLst>
-              </p:cNvPr>
-              <p:cNvSpPr/>
-              <p:nvPr/>
-            </p:nvSpPr>
-            <p:spPr>
-              <a:xfrm flipH="1">
-                <a:off x="11877322" y="878465"/>
-                <a:ext cx="207005" cy="352744"/>
-              </a:xfrm>
-              <a:prstGeom prst="roundRect">
-                <a:avLst>
-                  <a:gd name="adj" fmla="val 42382"/>
-                </a:avLst>
-              </a:prstGeom>
-              <a:noFill/>
-              <a:ln>
-                <a:solidFill>
-                  <a:schemeClr val="tx1">
-                    <a:lumMod val="50000"/>
-                    <a:lumOff val="50000"/>
-                  </a:schemeClr>
-                </a:solidFill>
-              </a:ln>
-            </p:spPr>
-            <p:style>
-              <a:lnRef idx="2">
-                <a:schemeClr val="accent1">
-                  <a:shade val="15000"/>
-                </a:schemeClr>
-              </a:lnRef>
-              <a:fillRef idx="1">
-                <a:schemeClr val="accent1"/>
-              </a:fillRef>
-              <a:effectRef idx="0">
-                <a:schemeClr val="accent1"/>
-              </a:effectRef>
-              <a:fontRef idx="minor">
-                <a:schemeClr val="lt1"/>
-              </a:fontRef>
-            </p:style>
-            <p:txBody>
-              <a:bodyPr rtlCol="0" anchor="ctr"/>
-              <a:lstStyle/>
-              <a:p>
-                <a:pPr algn="ctr"/>
-                <a:endParaRPr kumimoji="1" lang="ja-JP" altLang="en-US"/>
-              </a:p>
-            </p:txBody>
-          </p:sp>
-          <p:sp>
-            <p:nvSpPr>
-              <p:cNvPr id="86" name="四角形: 角を丸くする 85">
-                <a:extLst>
-                  <a:ext uri="{FF2B5EF4-FFF2-40B4-BE49-F238E27FC236}">
-                    <a16:creationId xmlns:a16="http://schemas.microsoft.com/office/drawing/2014/main" id="{38BDFDCD-3B73-1AA0-C54C-6F9091F02709}"/>
-                  </a:ext>
-                </a:extLst>
-              </p:cNvPr>
-              <p:cNvSpPr/>
-              <p:nvPr/>
-            </p:nvSpPr>
-            <p:spPr>
-              <a:xfrm flipH="1">
-                <a:off x="11877322" y="1321859"/>
-                <a:ext cx="207005" cy="352744"/>
-              </a:xfrm>
-              <a:prstGeom prst="roundRect">
-                <a:avLst>
-                  <a:gd name="adj" fmla="val 42382"/>
-                </a:avLst>
-              </a:prstGeom>
-              <a:noFill/>
-              <a:ln>
-                <a:solidFill>
-                  <a:schemeClr val="tx1">
-                    <a:lumMod val="50000"/>
-                    <a:lumOff val="50000"/>
-                  </a:schemeClr>
-                </a:solidFill>
-              </a:ln>
-            </p:spPr>
-            <p:style>
-              <a:lnRef idx="2">
-                <a:schemeClr val="accent1">
-                  <a:shade val="15000"/>
-                </a:schemeClr>
-              </a:lnRef>
-              <a:fillRef idx="1">
-                <a:schemeClr val="accent1"/>
-              </a:fillRef>
-              <a:effectRef idx="0">
-                <a:schemeClr val="accent1"/>
-              </a:effectRef>
-              <a:fontRef idx="minor">
-                <a:schemeClr val="lt1"/>
-              </a:fontRef>
-            </p:style>
-            <p:txBody>
-              <a:bodyPr rtlCol="0" anchor="ctr"/>
-              <a:lstStyle/>
-              <a:p>
-                <a:pPr algn="ctr"/>
-                <a:endParaRPr kumimoji="1" lang="ja-JP" altLang="en-US"/>
-              </a:p>
-            </p:txBody>
-          </p:sp>
-          <p:sp>
-            <p:nvSpPr>
-              <p:cNvPr id="87" name="四角形: 角を丸くする 86">
-                <a:extLst>
-                  <a:ext uri="{FF2B5EF4-FFF2-40B4-BE49-F238E27FC236}">
-                    <a16:creationId xmlns:a16="http://schemas.microsoft.com/office/drawing/2014/main" id="{72F5F528-6E90-11C2-6D06-9150EE83062A}"/>
-                  </a:ext>
-                </a:extLst>
-              </p:cNvPr>
-              <p:cNvSpPr/>
-              <p:nvPr/>
-            </p:nvSpPr>
-            <p:spPr>
-              <a:xfrm flipH="1">
-                <a:off x="11877322" y="1765253"/>
-                <a:ext cx="207005" cy="352744"/>
-              </a:xfrm>
-              <a:prstGeom prst="roundRect">
-                <a:avLst>
-                  <a:gd name="adj" fmla="val 42382"/>
-                </a:avLst>
-              </a:prstGeom>
-              <a:noFill/>
-              <a:ln>
-                <a:solidFill>
-                  <a:schemeClr val="tx1">
-                    <a:lumMod val="50000"/>
-                    <a:lumOff val="50000"/>
-                  </a:schemeClr>
-                </a:solidFill>
-              </a:ln>
-            </p:spPr>
-            <p:style>
-              <a:lnRef idx="2">
-                <a:schemeClr val="accent1">
-                  <a:shade val="15000"/>
-                </a:schemeClr>
-              </a:lnRef>
-              <a:fillRef idx="1">
-                <a:schemeClr val="accent1"/>
-              </a:fillRef>
-              <a:effectRef idx="0">
-                <a:schemeClr val="accent1"/>
-              </a:effectRef>
-              <a:fontRef idx="minor">
-                <a:schemeClr val="lt1"/>
-              </a:fontRef>
-            </p:style>
-            <p:txBody>
-              <a:bodyPr rtlCol="0" anchor="ctr"/>
-              <a:lstStyle/>
-              <a:p>
-                <a:pPr algn="ctr"/>
-                <a:endParaRPr kumimoji="1" lang="ja-JP" altLang="en-US"/>
-              </a:p>
-            </p:txBody>
-          </p:sp>
-          <p:sp>
-            <p:nvSpPr>
-              <p:cNvPr id="88" name="四角形: 角を丸くする 87">
-                <a:extLst>
-                  <a:ext uri="{FF2B5EF4-FFF2-40B4-BE49-F238E27FC236}">
-                    <a16:creationId xmlns:a16="http://schemas.microsoft.com/office/drawing/2014/main" id="{AD04D7AE-E541-E15F-6D82-C27830FB6689}"/>
-                  </a:ext>
-                </a:extLst>
-              </p:cNvPr>
-              <p:cNvSpPr/>
-              <p:nvPr/>
-            </p:nvSpPr>
-            <p:spPr>
-              <a:xfrm flipH="1">
-                <a:off x="11877322" y="2208648"/>
-                <a:ext cx="207005" cy="352744"/>
-              </a:xfrm>
-              <a:prstGeom prst="roundRect">
-                <a:avLst>
-                  <a:gd name="adj" fmla="val 42382"/>
-                </a:avLst>
-              </a:prstGeom>
-              <a:noFill/>
-              <a:ln>
-                <a:solidFill>
-                  <a:schemeClr val="tx1">
-                    <a:lumMod val="50000"/>
-                    <a:lumOff val="50000"/>
-                  </a:schemeClr>
-                </a:solidFill>
-              </a:ln>
-            </p:spPr>
-            <p:style>
-              <a:lnRef idx="2">
-                <a:schemeClr val="accent1">
-                  <a:shade val="15000"/>
-                </a:schemeClr>
-              </a:lnRef>
-              <a:fillRef idx="1">
-                <a:schemeClr val="accent1"/>
-              </a:fillRef>
-              <a:effectRef idx="0">
-                <a:schemeClr val="accent1"/>
-              </a:effectRef>
-              <a:fontRef idx="minor">
-                <a:schemeClr val="lt1"/>
-              </a:fontRef>
-            </p:style>
-            <p:txBody>
-              <a:bodyPr rtlCol="0" anchor="ctr"/>
-              <a:lstStyle/>
-              <a:p>
-                <a:pPr algn="ctr"/>
-                <a:endParaRPr kumimoji="1" lang="ja-JP" altLang="en-US"/>
-              </a:p>
-            </p:txBody>
-          </p:sp>
-          <p:sp>
-            <p:nvSpPr>
-              <p:cNvPr id="89" name="四角形: 角を丸くする 88">
-                <a:extLst>
-                  <a:ext uri="{FF2B5EF4-FFF2-40B4-BE49-F238E27FC236}">
-                    <a16:creationId xmlns:a16="http://schemas.microsoft.com/office/drawing/2014/main" id="{CAD35FE6-4DB4-800F-138B-73B37C98B2E6}"/>
-                  </a:ext>
-                </a:extLst>
-              </p:cNvPr>
-              <p:cNvSpPr/>
-              <p:nvPr/>
-            </p:nvSpPr>
-            <p:spPr>
-              <a:xfrm flipH="1">
-                <a:off x="11877322" y="2652042"/>
-                <a:ext cx="207005" cy="352744"/>
-              </a:xfrm>
-              <a:prstGeom prst="roundRect">
-                <a:avLst>
-                  <a:gd name="adj" fmla="val 42382"/>
-                </a:avLst>
-              </a:prstGeom>
-              <a:noFill/>
-              <a:ln>
-                <a:solidFill>
-                  <a:schemeClr val="tx1">
-                    <a:lumMod val="50000"/>
-                    <a:lumOff val="50000"/>
-                  </a:schemeClr>
-                </a:solidFill>
-              </a:ln>
-            </p:spPr>
-            <p:style>
-              <a:lnRef idx="2">
-                <a:schemeClr val="accent1">
-                  <a:shade val="15000"/>
-                </a:schemeClr>
-              </a:lnRef>
-              <a:fillRef idx="1">
-                <a:schemeClr val="accent1"/>
-              </a:fillRef>
-              <a:effectRef idx="0">
-                <a:schemeClr val="accent1"/>
-              </a:effectRef>
-              <a:fontRef idx="minor">
-                <a:schemeClr val="lt1"/>
-              </a:fontRef>
-            </p:style>
-            <p:txBody>
-              <a:bodyPr rtlCol="0" anchor="ctr"/>
-              <a:lstStyle/>
-              <a:p>
-                <a:pPr algn="ctr"/>
-                <a:endParaRPr kumimoji="1" lang="ja-JP" altLang="en-US"/>
-              </a:p>
-            </p:txBody>
-          </p:sp>
-          <p:sp>
-            <p:nvSpPr>
-              <p:cNvPr id="90" name="四角形: 角を丸くする 89">
-                <a:extLst>
-                  <a:ext uri="{FF2B5EF4-FFF2-40B4-BE49-F238E27FC236}">
-                    <a16:creationId xmlns:a16="http://schemas.microsoft.com/office/drawing/2014/main" id="{D791270E-7A06-A564-DAFD-EEA310D20CF8}"/>
-                  </a:ext>
-                </a:extLst>
-              </p:cNvPr>
-              <p:cNvSpPr/>
-              <p:nvPr/>
-            </p:nvSpPr>
-            <p:spPr>
-              <a:xfrm flipH="1">
-                <a:off x="11932523" y="1100162"/>
-                <a:ext cx="96602" cy="352744"/>
-              </a:xfrm>
-              <a:prstGeom prst="roundRect">
-                <a:avLst>
-                  <a:gd name="adj" fmla="val 42382"/>
-                </a:avLst>
-              </a:prstGeom>
-              <a:noFill/>
-              <a:ln>
-                <a:solidFill>
-                  <a:schemeClr val="tx1">
-                    <a:lumMod val="50000"/>
-                    <a:lumOff val="50000"/>
-                  </a:schemeClr>
-                </a:solidFill>
-              </a:ln>
-            </p:spPr>
-            <p:style>
-              <a:lnRef idx="2">
-                <a:schemeClr val="accent1">
-                  <a:shade val="15000"/>
-                </a:schemeClr>
-              </a:lnRef>
-              <a:fillRef idx="1">
-                <a:schemeClr val="accent1"/>
-              </a:fillRef>
-              <a:effectRef idx="0">
-                <a:schemeClr val="accent1"/>
-              </a:effectRef>
-              <a:fontRef idx="minor">
-                <a:schemeClr val="lt1"/>
-              </a:fontRef>
-            </p:style>
-            <p:txBody>
-              <a:bodyPr rtlCol="0" anchor="ctr"/>
-              <a:lstStyle/>
-              <a:p>
-                <a:pPr algn="ctr"/>
-                <a:endParaRPr kumimoji="1" lang="ja-JP" altLang="en-US"/>
-              </a:p>
-            </p:txBody>
-          </p:sp>
-          <p:sp>
-            <p:nvSpPr>
-              <p:cNvPr id="91" name="四角形: 角を丸くする 90">
-                <a:extLst>
-                  <a:ext uri="{FF2B5EF4-FFF2-40B4-BE49-F238E27FC236}">
-                    <a16:creationId xmlns:a16="http://schemas.microsoft.com/office/drawing/2014/main" id="{FCA4B3E7-8F58-383E-B740-6E78984E0FD3}"/>
-                  </a:ext>
-                </a:extLst>
-              </p:cNvPr>
-              <p:cNvSpPr/>
-              <p:nvPr/>
-            </p:nvSpPr>
-            <p:spPr>
-              <a:xfrm flipH="1">
-                <a:off x="11932523" y="1543556"/>
-                <a:ext cx="96602" cy="352744"/>
-              </a:xfrm>
-              <a:prstGeom prst="roundRect">
-                <a:avLst>
-                  <a:gd name="adj" fmla="val 42382"/>
-                </a:avLst>
-              </a:prstGeom>
-              <a:noFill/>
-              <a:ln>
-                <a:solidFill>
-                  <a:schemeClr val="tx1">
-                    <a:lumMod val="50000"/>
-                    <a:lumOff val="50000"/>
-                  </a:schemeClr>
-                </a:solidFill>
-              </a:ln>
-            </p:spPr>
-            <p:style>
-              <a:lnRef idx="2">
-                <a:schemeClr val="accent1">
-                  <a:shade val="15000"/>
-                </a:schemeClr>
-              </a:lnRef>
-              <a:fillRef idx="1">
-                <a:schemeClr val="accent1"/>
-              </a:fillRef>
-              <a:effectRef idx="0">
-                <a:schemeClr val="accent1"/>
-              </a:effectRef>
-              <a:fontRef idx="minor">
-                <a:schemeClr val="lt1"/>
-              </a:fontRef>
-            </p:style>
-            <p:txBody>
-              <a:bodyPr rtlCol="0" anchor="ctr"/>
-              <a:lstStyle/>
-              <a:p>
-                <a:pPr algn="ctr"/>
-                <a:endParaRPr kumimoji="1" lang="ja-JP" altLang="en-US"/>
-              </a:p>
-            </p:txBody>
-          </p:sp>
-          <p:sp>
-            <p:nvSpPr>
-              <p:cNvPr id="92" name="四角形: 角を丸くする 91">
-                <a:extLst>
-                  <a:ext uri="{FF2B5EF4-FFF2-40B4-BE49-F238E27FC236}">
-                    <a16:creationId xmlns:a16="http://schemas.microsoft.com/office/drawing/2014/main" id="{245B8819-A9A6-489D-E2D0-A90DB0728214}"/>
-                  </a:ext>
-                </a:extLst>
-              </p:cNvPr>
-              <p:cNvSpPr/>
-              <p:nvPr/>
-            </p:nvSpPr>
-            <p:spPr>
-              <a:xfrm flipH="1">
-                <a:off x="11932523" y="1986950"/>
-                <a:ext cx="96602" cy="352744"/>
-              </a:xfrm>
-              <a:prstGeom prst="roundRect">
-                <a:avLst>
-                  <a:gd name="adj" fmla="val 42382"/>
-                </a:avLst>
-              </a:prstGeom>
-              <a:noFill/>
-              <a:ln>
-                <a:solidFill>
-                  <a:schemeClr val="tx1">
-                    <a:lumMod val="50000"/>
-                    <a:lumOff val="50000"/>
-                  </a:schemeClr>
-                </a:solidFill>
-              </a:ln>
-            </p:spPr>
-            <p:style>
-              <a:lnRef idx="2">
-                <a:schemeClr val="accent1">
-                  <a:shade val="15000"/>
-                </a:schemeClr>
-              </a:lnRef>
-              <a:fillRef idx="1">
-                <a:schemeClr val="accent1"/>
-              </a:fillRef>
-              <a:effectRef idx="0">
-                <a:schemeClr val="accent1"/>
-              </a:effectRef>
-              <a:fontRef idx="minor">
-                <a:schemeClr val="lt1"/>
-              </a:fontRef>
-            </p:style>
-            <p:txBody>
-              <a:bodyPr rtlCol="0" anchor="ctr"/>
-              <a:lstStyle/>
-              <a:p>
-                <a:pPr algn="ctr"/>
-                <a:endParaRPr kumimoji="1" lang="ja-JP" altLang="en-US"/>
-              </a:p>
-            </p:txBody>
-          </p:sp>
-          <p:sp>
-            <p:nvSpPr>
-              <p:cNvPr id="93" name="四角形: 角を丸くする 92">
-                <a:extLst>
-                  <a:ext uri="{FF2B5EF4-FFF2-40B4-BE49-F238E27FC236}">
-                    <a16:creationId xmlns:a16="http://schemas.microsoft.com/office/drawing/2014/main" id="{CA11F641-E267-707F-DE1D-87FD082D76C1}"/>
-                  </a:ext>
-                </a:extLst>
-              </p:cNvPr>
-              <p:cNvSpPr/>
-              <p:nvPr/>
-            </p:nvSpPr>
-            <p:spPr>
-              <a:xfrm flipH="1">
-                <a:off x="11932523" y="2430345"/>
-                <a:ext cx="96602" cy="352744"/>
-              </a:xfrm>
-              <a:prstGeom prst="roundRect">
-                <a:avLst>
-                  <a:gd name="adj" fmla="val 42382"/>
-                </a:avLst>
-              </a:prstGeom>
-              <a:noFill/>
-              <a:ln>
-                <a:solidFill>
-                  <a:schemeClr val="tx1">
-                    <a:lumMod val="50000"/>
-                    <a:lumOff val="50000"/>
-                  </a:schemeClr>
-                </a:solidFill>
-              </a:ln>
-            </p:spPr>
-            <p:style>
-              <a:lnRef idx="2">
-                <a:schemeClr val="accent1">
-                  <a:shade val="15000"/>
-                </a:schemeClr>
-              </a:lnRef>
-              <a:fillRef idx="1">
-                <a:schemeClr val="accent1"/>
-              </a:fillRef>
-              <a:effectRef idx="0">
-                <a:schemeClr val="accent1"/>
-              </a:effectRef>
-              <a:fontRef idx="minor">
-                <a:schemeClr val="lt1"/>
-              </a:fontRef>
-            </p:style>
-            <p:txBody>
-              <a:bodyPr rtlCol="0" anchor="ctr"/>
-              <a:lstStyle/>
-              <a:p>
-                <a:pPr algn="ctr"/>
-                <a:endParaRPr kumimoji="1" lang="ja-JP" altLang="en-US"/>
-              </a:p>
-            </p:txBody>
-          </p:sp>
-        </p:grpSp>
-        <p:grpSp>
-          <p:nvGrpSpPr>
-            <p:cNvPr id="53" name="グループ化 52">
-              <a:extLst>
-                <a:ext uri="{FF2B5EF4-FFF2-40B4-BE49-F238E27FC236}">
-                  <a16:creationId xmlns:a16="http://schemas.microsoft.com/office/drawing/2014/main" id="{2C2728C1-2272-D33F-96CA-D41F0CB85530}"/>
-                </a:ext>
-              </a:extLst>
-            </p:cNvPr>
-            <p:cNvGrpSpPr/>
-            <p:nvPr/>
-          </p:nvGrpSpPr>
-          <p:grpSpPr>
-            <a:xfrm>
-              <a:off x="7684013" y="878465"/>
-              <a:ext cx="207005" cy="1017835"/>
-              <a:chOff x="7684013" y="878465"/>
-              <a:chExt cx="207005" cy="1017835"/>
-            </a:xfrm>
-          </p:grpSpPr>
-          <p:sp>
-            <p:nvSpPr>
-              <p:cNvPr id="81" name="四角形: 角を丸くする 80">
-                <a:extLst>
-                  <a:ext uri="{FF2B5EF4-FFF2-40B4-BE49-F238E27FC236}">
-                    <a16:creationId xmlns:a16="http://schemas.microsoft.com/office/drawing/2014/main" id="{9C8CB8FF-D6DE-D488-4F0D-BA42F1BDAB92}"/>
-                  </a:ext>
-                </a:extLst>
-              </p:cNvPr>
-              <p:cNvSpPr/>
-              <p:nvPr/>
-            </p:nvSpPr>
-            <p:spPr>
-              <a:xfrm flipH="1">
-                <a:off x="7684013" y="878465"/>
-                <a:ext cx="207005" cy="352744"/>
-              </a:xfrm>
-              <a:prstGeom prst="roundRect">
-                <a:avLst>
-                  <a:gd name="adj" fmla="val 42382"/>
-                </a:avLst>
-              </a:prstGeom>
-              <a:noFill/>
-              <a:ln>
-                <a:solidFill>
-                  <a:schemeClr val="tx1">
-                    <a:lumMod val="50000"/>
-                    <a:lumOff val="50000"/>
-                  </a:schemeClr>
-                </a:solidFill>
-              </a:ln>
-            </p:spPr>
-            <p:style>
-              <a:lnRef idx="2">
-                <a:schemeClr val="accent1">
-                  <a:shade val="15000"/>
-                </a:schemeClr>
-              </a:lnRef>
-              <a:fillRef idx="1">
-                <a:schemeClr val="accent1"/>
-              </a:fillRef>
-              <a:effectRef idx="0">
-                <a:schemeClr val="accent1"/>
-              </a:effectRef>
-              <a:fontRef idx="minor">
-                <a:schemeClr val="lt1"/>
-              </a:fontRef>
-            </p:style>
-            <p:txBody>
-              <a:bodyPr rtlCol="0" anchor="ctr"/>
-              <a:lstStyle/>
-              <a:p>
-                <a:pPr algn="ctr"/>
-                <a:endParaRPr kumimoji="1" lang="ja-JP" altLang="en-US"/>
-              </a:p>
-            </p:txBody>
-          </p:sp>
-          <p:sp>
-            <p:nvSpPr>
-              <p:cNvPr id="82" name="四角形: 角を丸くする 81">
-                <a:extLst>
-                  <a:ext uri="{FF2B5EF4-FFF2-40B4-BE49-F238E27FC236}">
-                    <a16:creationId xmlns:a16="http://schemas.microsoft.com/office/drawing/2014/main" id="{386F7CDE-90E1-B05F-6545-D4D4F604022A}"/>
-                  </a:ext>
-                </a:extLst>
-              </p:cNvPr>
-              <p:cNvSpPr/>
-              <p:nvPr/>
-            </p:nvSpPr>
-            <p:spPr>
-              <a:xfrm flipH="1">
-                <a:off x="7684013" y="1321859"/>
-                <a:ext cx="207005" cy="352744"/>
-              </a:xfrm>
-              <a:prstGeom prst="roundRect">
-                <a:avLst>
-                  <a:gd name="adj" fmla="val 42382"/>
-                </a:avLst>
-              </a:prstGeom>
-              <a:noFill/>
-              <a:ln>
-                <a:solidFill>
-                  <a:schemeClr val="tx1">
-                    <a:lumMod val="50000"/>
-                    <a:lumOff val="50000"/>
-                  </a:schemeClr>
-                </a:solidFill>
-              </a:ln>
-            </p:spPr>
-            <p:style>
-              <a:lnRef idx="2">
-                <a:schemeClr val="accent1">
-                  <a:shade val="15000"/>
-                </a:schemeClr>
-              </a:lnRef>
-              <a:fillRef idx="1">
-                <a:schemeClr val="accent1"/>
-              </a:fillRef>
-              <a:effectRef idx="0">
-                <a:schemeClr val="accent1"/>
-              </a:effectRef>
-              <a:fontRef idx="minor">
-                <a:schemeClr val="lt1"/>
-              </a:fontRef>
-            </p:style>
-            <p:txBody>
-              <a:bodyPr rtlCol="0" anchor="ctr"/>
-              <a:lstStyle/>
-              <a:p>
-                <a:pPr algn="ctr"/>
-                <a:endParaRPr kumimoji="1" lang="ja-JP" altLang="en-US"/>
-              </a:p>
-            </p:txBody>
-          </p:sp>
-          <p:sp>
-            <p:nvSpPr>
-              <p:cNvPr id="83" name="四角形: 角を丸くする 82">
-                <a:extLst>
-                  <a:ext uri="{FF2B5EF4-FFF2-40B4-BE49-F238E27FC236}">
-                    <a16:creationId xmlns:a16="http://schemas.microsoft.com/office/drawing/2014/main" id="{5FD02E95-2C1E-2A69-9A04-456B06C25FBA}"/>
-                  </a:ext>
-                </a:extLst>
-              </p:cNvPr>
-              <p:cNvSpPr/>
-              <p:nvPr/>
-            </p:nvSpPr>
-            <p:spPr>
-              <a:xfrm flipH="1">
-                <a:off x="7739214" y="1100162"/>
-                <a:ext cx="96602" cy="352744"/>
-              </a:xfrm>
-              <a:prstGeom prst="roundRect">
-                <a:avLst>
-                  <a:gd name="adj" fmla="val 42382"/>
-                </a:avLst>
-              </a:prstGeom>
-              <a:noFill/>
-              <a:ln>
-                <a:solidFill>
-                  <a:schemeClr val="tx1">
-                    <a:lumMod val="50000"/>
-                    <a:lumOff val="50000"/>
-                  </a:schemeClr>
-                </a:solidFill>
-              </a:ln>
-            </p:spPr>
-            <p:style>
-              <a:lnRef idx="2">
-                <a:schemeClr val="accent1">
-                  <a:shade val="15000"/>
-                </a:schemeClr>
-              </a:lnRef>
-              <a:fillRef idx="1">
-                <a:schemeClr val="accent1"/>
-              </a:fillRef>
-              <a:effectRef idx="0">
-                <a:schemeClr val="accent1"/>
-              </a:effectRef>
-              <a:fontRef idx="minor">
-                <a:schemeClr val="lt1"/>
-              </a:fontRef>
-            </p:style>
-            <p:txBody>
-              <a:bodyPr rtlCol="0" anchor="ctr"/>
-              <a:lstStyle/>
-              <a:p>
-                <a:pPr algn="ctr"/>
-                <a:endParaRPr kumimoji="1" lang="ja-JP" altLang="en-US"/>
-              </a:p>
-            </p:txBody>
-          </p:sp>
-          <p:sp>
-            <p:nvSpPr>
-              <p:cNvPr id="84" name="四角形: 角を丸くする 83">
-                <a:extLst>
-                  <a:ext uri="{FF2B5EF4-FFF2-40B4-BE49-F238E27FC236}">
-                    <a16:creationId xmlns:a16="http://schemas.microsoft.com/office/drawing/2014/main" id="{B80289DB-9F7D-D9CE-A874-B5BF4F99E67D}"/>
-                  </a:ext>
-                </a:extLst>
-              </p:cNvPr>
-              <p:cNvSpPr/>
-              <p:nvPr/>
-            </p:nvSpPr>
-            <p:spPr>
-              <a:xfrm flipH="1">
-                <a:off x="7739214" y="1543556"/>
-                <a:ext cx="96602" cy="352744"/>
-              </a:xfrm>
-              <a:prstGeom prst="roundRect">
-                <a:avLst>
-                  <a:gd name="adj" fmla="val 42382"/>
-                </a:avLst>
-              </a:prstGeom>
-              <a:noFill/>
-              <a:ln>
-                <a:solidFill>
-                  <a:schemeClr val="tx1">
-                    <a:lumMod val="50000"/>
-                    <a:lumOff val="50000"/>
-                  </a:schemeClr>
-                </a:solidFill>
-              </a:ln>
-            </p:spPr>
-            <p:style>
-              <a:lnRef idx="2">
-                <a:schemeClr val="accent1">
-                  <a:shade val="15000"/>
-                </a:schemeClr>
-              </a:lnRef>
-              <a:fillRef idx="1">
-                <a:schemeClr val="accent1"/>
-              </a:fillRef>
-              <a:effectRef idx="0">
-                <a:schemeClr val="accent1"/>
-              </a:effectRef>
-              <a:fontRef idx="minor">
-                <a:schemeClr val="lt1"/>
-              </a:fontRef>
-            </p:style>
-            <p:txBody>
-              <a:bodyPr rtlCol="0" anchor="ctr"/>
-              <a:lstStyle/>
-              <a:p>
-                <a:pPr algn="ctr"/>
-                <a:endParaRPr kumimoji="1" lang="ja-JP" altLang="en-US"/>
-              </a:p>
-            </p:txBody>
-          </p:sp>
-        </p:grpSp>
-        <p:sp>
-          <p:nvSpPr>
-            <p:cNvPr id="54" name="四角形: 角を丸くする 53">
-              <a:extLst>
-                <a:ext uri="{FF2B5EF4-FFF2-40B4-BE49-F238E27FC236}">
-                  <a16:creationId xmlns:a16="http://schemas.microsoft.com/office/drawing/2014/main" id="{F3A51941-9659-B3CD-F84F-1579CBA25876}"/>
-                </a:ext>
-              </a:extLst>
-            </p:cNvPr>
-            <p:cNvSpPr/>
-            <p:nvPr/>
-          </p:nvSpPr>
-          <p:spPr>
-            <a:xfrm flipH="1">
-              <a:off x="7684013" y="3538829"/>
-              <a:ext cx="207005" cy="352744"/>
-            </a:xfrm>
-            <a:prstGeom prst="roundRect">
+            <a:prstGeom prst="wedgeRoundRectCallout">
               <a:avLst>
-                <a:gd name="adj" fmla="val 42382"/>
+                <a:gd name="adj1" fmla="val -48531"/>
+                <a:gd name="adj2" fmla="val -109132"/>
+                <a:gd name="adj3" fmla="val 16667"/>
               </a:avLst>
             </a:prstGeom>
             <a:noFill/>
             <a:ln>
               <a:solidFill>
                 <a:schemeClr val="tx1">
-                  <a:lumMod val="50000"/>
-                  <a:lumOff val="50000"/>
+                  <a:lumMod val="85000"/>
+                  <a:lumOff val="15000"/>
                 </a:schemeClr>
               </a:solidFill>
             </a:ln>
@@ -20357,607 +17694,162 @@
             <a:lstStyle/>
             <a:p>
               <a:pPr algn="ctr"/>
-              <a:endParaRPr kumimoji="1" lang="ja-JP" altLang="en-US"/>
+              <a:endParaRPr kumimoji="1" lang="ja-JP" altLang="en-US">
+                <a:solidFill>
+                  <a:schemeClr val="tx1">
+                    <a:lumMod val="85000"/>
+                    <a:lumOff val="15000"/>
+                  </a:schemeClr>
+                </a:solidFill>
+              </a:endParaRPr>
             </a:p>
           </p:txBody>
         </p:sp>
-        <p:grpSp>
-          <p:nvGrpSpPr>
-            <p:cNvPr id="55" name="グループ化 54">
+      </p:grpSp>
+      <p:grpSp>
+        <p:nvGrpSpPr>
+          <p:cNvPr id="308" name="グループ化 307">
+            <a:extLst>
+              <a:ext uri="{FF2B5EF4-FFF2-40B4-BE49-F238E27FC236}">
+                <a16:creationId xmlns:a16="http://schemas.microsoft.com/office/drawing/2014/main" id="{14C58B53-2BEA-C3DB-BF4D-A3F94D007576}"/>
+              </a:ext>
+            </a:extLst>
+          </p:cNvPr>
+          <p:cNvGrpSpPr/>
+          <p:nvPr/>
+        </p:nvGrpSpPr>
+        <p:grpSpPr>
+          <a:xfrm>
+            <a:off x="12095971" y="2982539"/>
+            <a:ext cx="2800767" cy="720000"/>
+            <a:chOff x="11901016" y="1842139"/>
+            <a:chExt cx="2800767" cy="720000"/>
+          </a:xfrm>
+        </p:grpSpPr>
+        <p:sp>
+          <p:nvSpPr>
+            <p:cNvPr id="309" name="テキスト ボックス 308">
               <a:extLst>
                 <a:ext uri="{FF2B5EF4-FFF2-40B4-BE49-F238E27FC236}">
-                  <a16:creationId xmlns:a16="http://schemas.microsoft.com/office/drawing/2014/main" id="{C1E6DAC8-B0BA-BFDB-5B42-AA5674C20819}"/>
+                  <a16:creationId xmlns:a16="http://schemas.microsoft.com/office/drawing/2014/main" id="{A218A71B-22CE-8A81-B264-0D09120CF5D4}"/>
                 </a:ext>
               </a:extLst>
             </p:cNvPr>
-            <p:cNvGrpSpPr/>
+            <p:cNvSpPr txBox="1"/>
             <p:nvPr/>
-          </p:nvGrpSpPr>
-          <p:grpSpPr>
+          </p:nvSpPr>
+          <p:spPr>
             <a:xfrm>
-              <a:off x="7684013" y="3762543"/>
-              <a:ext cx="207005" cy="2348015"/>
-              <a:chOff x="7684013" y="3762543"/>
-              <a:chExt cx="207005" cy="2348015"/>
+              <a:off x="11901016" y="1971307"/>
+              <a:ext cx="2800767" cy="461665"/>
             </a:xfrm>
-          </p:grpSpPr>
-          <p:sp>
-            <p:nvSpPr>
-              <p:cNvPr id="71" name="四角形: 角を丸くする 70">
-                <a:extLst>
-                  <a:ext uri="{FF2B5EF4-FFF2-40B4-BE49-F238E27FC236}">
-                    <a16:creationId xmlns:a16="http://schemas.microsoft.com/office/drawing/2014/main" id="{0D0A1887-AF21-7CD2-B1A4-2DF0D22B9DE6}"/>
-                  </a:ext>
-                </a:extLst>
-              </p:cNvPr>
-              <p:cNvSpPr/>
-              <p:nvPr/>
-            </p:nvSpPr>
-            <p:spPr>
-              <a:xfrm flipH="1">
-                <a:off x="7684013" y="3984240"/>
-                <a:ext cx="207005" cy="352744"/>
-              </a:xfrm>
-              <a:prstGeom prst="roundRect">
-                <a:avLst>
-                  <a:gd name="adj" fmla="val 42382"/>
-                </a:avLst>
-              </a:prstGeom>
-              <a:noFill/>
-              <a:ln>
+            <a:prstGeom prst="rect">
+              <a:avLst/>
+            </a:prstGeom>
+            <a:noFill/>
+          </p:spPr>
+          <p:txBody>
+            <a:bodyPr wrap="none" rtlCol="0">
+              <a:spAutoFit/>
+            </a:bodyPr>
+            <a:lstStyle/>
+            <a:p>
+              <a:r>
+                <a:rPr lang="ja-JP" altLang="en-US" sz="1200" dirty="0">
+                  <a:solidFill>
+                    <a:schemeClr val="tx1">
+                      <a:lumMod val="85000"/>
+                      <a:lumOff val="15000"/>
+                    </a:schemeClr>
+                  </a:solidFill>
+                  <a:latin typeface="メイリオ" panose="020B0604030504040204" pitchFamily="50" charset="-128"/>
+                  <a:ea typeface="メイリオ" panose="020B0604030504040204" pitchFamily="50" charset="-128"/>
+                </a:rPr>
+                <a:t>新しくインスタンス化した</a:t>
+              </a:r>
+              <a:r>
+                <a:rPr kumimoji="1" lang="ja-JP" altLang="en-US" sz="1200" dirty="0">
+                  <a:solidFill>
+                    <a:schemeClr val="tx1">
+                      <a:lumMod val="85000"/>
+                      <a:lumOff val="15000"/>
+                    </a:schemeClr>
+                  </a:solidFill>
+                  <a:latin typeface="メイリオ" panose="020B0604030504040204" pitchFamily="50" charset="-128"/>
+                  <a:ea typeface="メイリオ" panose="020B0604030504040204" pitchFamily="50" charset="-128"/>
+                </a:rPr>
+                <a:t>アクション</a:t>
+              </a:r>
+              <a:endParaRPr kumimoji="1" lang="en-US" altLang="ja-JP" sz="1200" dirty="0">
                 <a:solidFill>
                   <a:schemeClr val="tx1">
-                    <a:lumMod val="50000"/>
-                    <a:lumOff val="50000"/>
+                    <a:lumMod val="85000"/>
+                    <a:lumOff val="15000"/>
                   </a:schemeClr>
                 </a:solidFill>
-              </a:ln>
-            </p:spPr>
-            <p:style>
-              <a:lnRef idx="2">
-                <a:schemeClr val="accent1">
-                  <a:shade val="15000"/>
-                </a:schemeClr>
-              </a:lnRef>
-              <a:fillRef idx="1">
-                <a:schemeClr val="accent1"/>
-              </a:fillRef>
-              <a:effectRef idx="0">
-                <a:schemeClr val="accent1"/>
-              </a:effectRef>
-              <a:fontRef idx="minor">
-                <a:schemeClr val="lt1"/>
-              </a:fontRef>
-            </p:style>
-            <p:txBody>
-              <a:bodyPr rtlCol="0" anchor="ctr"/>
-              <a:lstStyle/>
-              <a:p>
-                <a:pPr algn="ctr"/>
-                <a:endParaRPr kumimoji="1" lang="ja-JP" altLang="en-US"/>
-              </a:p>
-            </p:txBody>
-          </p:sp>
-          <p:sp>
-            <p:nvSpPr>
-              <p:cNvPr id="72" name="四角形: 角を丸くする 71">
-                <a:extLst>
-                  <a:ext uri="{FF2B5EF4-FFF2-40B4-BE49-F238E27FC236}">
-                    <a16:creationId xmlns:a16="http://schemas.microsoft.com/office/drawing/2014/main" id="{343DC6FE-78BC-96E4-4F93-F785F3DAA9E4}"/>
-                  </a:ext>
-                </a:extLst>
-              </p:cNvPr>
-              <p:cNvSpPr/>
-              <p:nvPr/>
-            </p:nvSpPr>
-            <p:spPr>
-              <a:xfrm flipH="1">
-                <a:off x="7739214" y="3762543"/>
-                <a:ext cx="96602" cy="352744"/>
-              </a:xfrm>
-              <a:prstGeom prst="roundRect">
-                <a:avLst>
-                  <a:gd name="adj" fmla="val 42382"/>
-                </a:avLst>
-              </a:prstGeom>
-              <a:noFill/>
-              <a:ln>
+                <a:latin typeface="メイリオ" panose="020B0604030504040204" pitchFamily="50" charset="-128"/>
+                <a:ea typeface="メイリオ" panose="020B0604030504040204" pitchFamily="50" charset="-128"/>
+              </a:endParaRPr>
+            </a:p>
+            <a:p>
+              <a:r>
+                <a:rPr lang="en-US" altLang="ja-JP" sz="1200" dirty="0">
+                  <a:solidFill>
+                    <a:schemeClr val="tx1">
+                      <a:lumMod val="85000"/>
+                      <a:lumOff val="15000"/>
+                    </a:schemeClr>
+                  </a:solidFill>
+                  <a:latin typeface="メイリオ" panose="020B0604030504040204" pitchFamily="50" charset="-128"/>
+                  <a:ea typeface="メイリオ" panose="020B0604030504040204" pitchFamily="50" charset="-128"/>
+                </a:rPr>
+                <a:t>(</a:t>
+              </a:r>
+              <a:r>
+                <a:rPr lang="ja-JP" altLang="en-US" sz="1200" dirty="0">
+                  <a:solidFill>
+                    <a:schemeClr val="tx1">
+                      <a:lumMod val="85000"/>
+                      <a:lumOff val="15000"/>
+                    </a:schemeClr>
+                  </a:solidFill>
+                  <a:latin typeface="メイリオ" panose="020B0604030504040204" pitchFamily="50" charset="-128"/>
+                  <a:ea typeface="メイリオ" panose="020B0604030504040204" pitchFamily="50" charset="-128"/>
+                </a:rPr>
+                <a:t>走路復帰アクション群の生成</a:t>
+              </a:r>
+              <a:r>
+                <a:rPr lang="en-US" altLang="ja-JP" sz="1200" dirty="0">
+                  <a:solidFill>
+                    <a:schemeClr val="tx1">
+                      <a:lumMod val="85000"/>
+                      <a:lumOff val="15000"/>
+                    </a:schemeClr>
+                  </a:solidFill>
+                  <a:latin typeface="メイリオ" panose="020B0604030504040204" pitchFamily="50" charset="-128"/>
+                  <a:ea typeface="メイリオ" panose="020B0604030504040204" pitchFamily="50" charset="-128"/>
+                </a:rPr>
+                <a:t>)</a:t>
+              </a:r>
+              <a:endParaRPr kumimoji="1" lang="ja-JP" altLang="en-US" sz="1200" dirty="0">
                 <a:solidFill>
                   <a:schemeClr val="tx1">
-                    <a:lumMod val="50000"/>
-                    <a:lumOff val="50000"/>
+                    <a:lumMod val="85000"/>
+                    <a:lumOff val="15000"/>
                   </a:schemeClr>
                 </a:solidFill>
-              </a:ln>
-            </p:spPr>
-            <p:style>
-              <a:lnRef idx="2">
-                <a:schemeClr val="accent1">
-                  <a:shade val="15000"/>
-                </a:schemeClr>
-              </a:lnRef>
-              <a:fillRef idx="1">
-                <a:schemeClr val="accent1"/>
-              </a:fillRef>
-              <a:effectRef idx="0">
-                <a:schemeClr val="accent1"/>
-              </a:effectRef>
-              <a:fontRef idx="minor">
-                <a:schemeClr val="lt1"/>
-              </a:fontRef>
-            </p:style>
-            <p:txBody>
-              <a:bodyPr rtlCol="0" anchor="ctr"/>
-              <a:lstStyle/>
-              <a:p>
-                <a:pPr algn="ctr"/>
-                <a:endParaRPr kumimoji="1" lang="ja-JP" altLang="en-US"/>
-              </a:p>
-            </p:txBody>
-          </p:sp>
-          <p:sp>
-            <p:nvSpPr>
-              <p:cNvPr id="73" name="四角形: 角を丸くする 72">
-                <a:extLst>
-                  <a:ext uri="{FF2B5EF4-FFF2-40B4-BE49-F238E27FC236}">
-                    <a16:creationId xmlns:a16="http://schemas.microsoft.com/office/drawing/2014/main" id="{FE591783-6273-35E9-58B5-8266DDEE9CC8}"/>
-                  </a:ext>
-                </a:extLst>
-              </p:cNvPr>
-              <p:cNvSpPr/>
-              <p:nvPr/>
-            </p:nvSpPr>
-            <p:spPr>
-              <a:xfrm flipH="1">
-                <a:off x="7684013" y="4427634"/>
-                <a:ext cx="207005" cy="352744"/>
-              </a:xfrm>
-              <a:prstGeom prst="roundRect">
-                <a:avLst>
-                  <a:gd name="adj" fmla="val 42382"/>
-                </a:avLst>
-              </a:prstGeom>
-              <a:noFill/>
-              <a:ln>
-                <a:solidFill>
-                  <a:schemeClr val="tx1">
-                    <a:lumMod val="50000"/>
-                    <a:lumOff val="50000"/>
-                  </a:schemeClr>
-                </a:solidFill>
-              </a:ln>
-            </p:spPr>
-            <p:style>
-              <a:lnRef idx="2">
-                <a:schemeClr val="accent1">
-                  <a:shade val="15000"/>
-                </a:schemeClr>
-              </a:lnRef>
-              <a:fillRef idx="1">
-                <a:schemeClr val="accent1"/>
-              </a:fillRef>
-              <a:effectRef idx="0">
-                <a:schemeClr val="accent1"/>
-              </a:effectRef>
-              <a:fontRef idx="minor">
-                <a:schemeClr val="lt1"/>
-              </a:fontRef>
-            </p:style>
-            <p:txBody>
-              <a:bodyPr rtlCol="0" anchor="ctr"/>
-              <a:lstStyle/>
-              <a:p>
-                <a:pPr algn="ctr"/>
-                <a:endParaRPr kumimoji="1" lang="ja-JP" altLang="en-US"/>
-              </a:p>
-            </p:txBody>
-          </p:sp>
-          <p:sp>
-            <p:nvSpPr>
-              <p:cNvPr id="74" name="四角形: 角を丸くする 73">
-                <a:extLst>
-                  <a:ext uri="{FF2B5EF4-FFF2-40B4-BE49-F238E27FC236}">
-                    <a16:creationId xmlns:a16="http://schemas.microsoft.com/office/drawing/2014/main" id="{DE518261-BB18-BA52-2C40-061D042A5727}"/>
-                  </a:ext>
-                </a:extLst>
-              </p:cNvPr>
-              <p:cNvSpPr/>
-              <p:nvPr/>
-            </p:nvSpPr>
-            <p:spPr>
-              <a:xfrm flipH="1">
-                <a:off x="7739214" y="4205937"/>
-                <a:ext cx="96602" cy="352744"/>
-              </a:xfrm>
-              <a:prstGeom prst="roundRect">
-                <a:avLst>
-                  <a:gd name="adj" fmla="val 42382"/>
-                </a:avLst>
-              </a:prstGeom>
-              <a:noFill/>
-              <a:ln>
-                <a:solidFill>
-                  <a:schemeClr val="tx1">
-                    <a:lumMod val="50000"/>
-                    <a:lumOff val="50000"/>
-                  </a:schemeClr>
-                </a:solidFill>
-              </a:ln>
-            </p:spPr>
-            <p:style>
-              <a:lnRef idx="2">
-                <a:schemeClr val="accent1">
-                  <a:shade val="15000"/>
-                </a:schemeClr>
-              </a:lnRef>
-              <a:fillRef idx="1">
-                <a:schemeClr val="accent1"/>
-              </a:fillRef>
-              <a:effectRef idx="0">
-                <a:schemeClr val="accent1"/>
-              </a:effectRef>
-              <a:fontRef idx="minor">
-                <a:schemeClr val="lt1"/>
-              </a:fontRef>
-            </p:style>
-            <p:txBody>
-              <a:bodyPr rtlCol="0" anchor="ctr"/>
-              <a:lstStyle/>
-              <a:p>
-                <a:pPr algn="ctr"/>
-                <a:endParaRPr kumimoji="1" lang="ja-JP" altLang="en-US"/>
-              </a:p>
-            </p:txBody>
-          </p:sp>
-          <p:sp>
-            <p:nvSpPr>
-              <p:cNvPr id="75" name="四角形: 角を丸くする 74">
-                <a:extLst>
-                  <a:ext uri="{FF2B5EF4-FFF2-40B4-BE49-F238E27FC236}">
-                    <a16:creationId xmlns:a16="http://schemas.microsoft.com/office/drawing/2014/main" id="{18D229F1-1086-C179-7EFE-D741FA822A0A}"/>
-                  </a:ext>
-                </a:extLst>
-              </p:cNvPr>
-              <p:cNvSpPr/>
-              <p:nvPr/>
-            </p:nvSpPr>
-            <p:spPr>
-              <a:xfrm flipH="1">
-                <a:off x="7684013" y="4871027"/>
-                <a:ext cx="207005" cy="352744"/>
-              </a:xfrm>
-              <a:prstGeom prst="roundRect">
-                <a:avLst>
-                  <a:gd name="adj" fmla="val 42382"/>
-                </a:avLst>
-              </a:prstGeom>
-              <a:noFill/>
-              <a:ln>
-                <a:solidFill>
-                  <a:schemeClr val="tx1">
-                    <a:lumMod val="50000"/>
-                    <a:lumOff val="50000"/>
-                  </a:schemeClr>
-                </a:solidFill>
-              </a:ln>
-            </p:spPr>
-            <p:style>
-              <a:lnRef idx="2">
-                <a:schemeClr val="accent1">
-                  <a:shade val="15000"/>
-                </a:schemeClr>
-              </a:lnRef>
-              <a:fillRef idx="1">
-                <a:schemeClr val="accent1"/>
-              </a:fillRef>
-              <a:effectRef idx="0">
-                <a:schemeClr val="accent1"/>
-              </a:effectRef>
-              <a:fontRef idx="minor">
-                <a:schemeClr val="lt1"/>
-              </a:fontRef>
-            </p:style>
-            <p:txBody>
-              <a:bodyPr rtlCol="0" anchor="ctr"/>
-              <a:lstStyle/>
-              <a:p>
-                <a:pPr algn="ctr"/>
-                <a:endParaRPr kumimoji="1" lang="ja-JP" altLang="en-US"/>
-              </a:p>
-            </p:txBody>
-          </p:sp>
-          <p:sp>
-            <p:nvSpPr>
-              <p:cNvPr id="76" name="四角形: 角を丸くする 75">
-                <a:extLst>
-                  <a:ext uri="{FF2B5EF4-FFF2-40B4-BE49-F238E27FC236}">
-                    <a16:creationId xmlns:a16="http://schemas.microsoft.com/office/drawing/2014/main" id="{9572A7CC-1791-67A2-7B89-1D38FCE3A76F}"/>
-                  </a:ext>
-                </a:extLst>
-              </p:cNvPr>
-              <p:cNvSpPr/>
-              <p:nvPr/>
-            </p:nvSpPr>
-            <p:spPr>
-              <a:xfrm flipH="1">
-                <a:off x="7739214" y="4649331"/>
-                <a:ext cx="96602" cy="352744"/>
-              </a:xfrm>
-              <a:prstGeom prst="roundRect">
-                <a:avLst>
-                  <a:gd name="adj" fmla="val 42382"/>
-                </a:avLst>
-              </a:prstGeom>
-              <a:noFill/>
-              <a:ln>
-                <a:solidFill>
-                  <a:schemeClr val="tx1">
-                    <a:lumMod val="50000"/>
-                    <a:lumOff val="50000"/>
-                  </a:schemeClr>
-                </a:solidFill>
-              </a:ln>
-            </p:spPr>
-            <p:style>
-              <a:lnRef idx="2">
-                <a:schemeClr val="accent1">
-                  <a:shade val="15000"/>
-                </a:schemeClr>
-              </a:lnRef>
-              <a:fillRef idx="1">
-                <a:schemeClr val="accent1"/>
-              </a:fillRef>
-              <a:effectRef idx="0">
-                <a:schemeClr val="accent1"/>
-              </a:effectRef>
-              <a:fontRef idx="minor">
-                <a:schemeClr val="lt1"/>
-              </a:fontRef>
-            </p:style>
-            <p:txBody>
-              <a:bodyPr rtlCol="0" anchor="ctr"/>
-              <a:lstStyle/>
-              <a:p>
-                <a:pPr algn="ctr"/>
-                <a:endParaRPr kumimoji="1" lang="ja-JP" altLang="en-US"/>
-              </a:p>
-            </p:txBody>
-          </p:sp>
-          <p:sp>
-            <p:nvSpPr>
-              <p:cNvPr id="77" name="四角形: 角を丸くする 76">
-                <a:extLst>
-                  <a:ext uri="{FF2B5EF4-FFF2-40B4-BE49-F238E27FC236}">
-                    <a16:creationId xmlns:a16="http://schemas.microsoft.com/office/drawing/2014/main" id="{AF6DD5F0-F917-CE50-6670-2391B5DB5DA3}"/>
-                  </a:ext>
-                </a:extLst>
-              </p:cNvPr>
-              <p:cNvSpPr/>
-              <p:nvPr/>
-            </p:nvSpPr>
-            <p:spPr>
-              <a:xfrm flipH="1">
-                <a:off x="7684013" y="5314421"/>
-                <a:ext cx="207005" cy="352744"/>
-              </a:xfrm>
-              <a:prstGeom prst="roundRect">
-                <a:avLst>
-                  <a:gd name="adj" fmla="val 42382"/>
-                </a:avLst>
-              </a:prstGeom>
-              <a:noFill/>
-              <a:ln>
-                <a:solidFill>
-                  <a:schemeClr val="tx1">
-                    <a:lumMod val="50000"/>
-                    <a:lumOff val="50000"/>
-                  </a:schemeClr>
-                </a:solidFill>
-              </a:ln>
-            </p:spPr>
-            <p:style>
-              <a:lnRef idx="2">
-                <a:schemeClr val="accent1">
-                  <a:shade val="15000"/>
-                </a:schemeClr>
-              </a:lnRef>
-              <a:fillRef idx="1">
-                <a:schemeClr val="accent1"/>
-              </a:fillRef>
-              <a:effectRef idx="0">
-                <a:schemeClr val="accent1"/>
-              </a:effectRef>
-              <a:fontRef idx="minor">
-                <a:schemeClr val="lt1"/>
-              </a:fontRef>
-            </p:style>
-            <p:txBody>
-              <a:bodyPr rtlCol="0" anchor="ctr"/>
-              <a:lstStyle/>
-              <a:p>
-                <a:pPr algn="ctr"/>
-                <a:endParaRPr kumimoji="1" lang="ja-JP" altLang="en-US"/>
-              </a:p>
-            </p:txBody>
-          </p:sp>
-          <p:sp>
-            <p:nvSpPr>
-              <p:cNvPr id="78" name="四角形: 角を丸くする 77">
-                <a:extLst>
-                  <a:ext uri="{FF2B5EF4-FFF2-40B4-BE49-F238E27FC236}">
-                    <a16:creationId xmlns:a16="http://schemas.microsoft.com/office/drawing/2014/main" id="{41A5C626-2F6E-EAE3-9FB0-521D5FE50E09}"/>
-                  </a:ext>
-                </a:extLst>
-              </p:cNvPr>
-              <p:cNvSpPr/>
-              <p:nvPr/>
-            </p:nvSpPr>
-            <p:spPr>
-              <a:xfrm flipH="1">
-                <a:off x="7739214" y="5092724"/>
-                <a:ext cx="96602" cy="352744"/>
-              </a:xfrm>
-              <a:prstGeom prst="roundRect">
-                <a:avLst>
-                  <a:gd name="adj" fmla="val 42382"/>
-                </a:avLst>
-              </a:prstGeom>
-              <a:noFill/>
-              <a:ln>
-                <a:solidFill>
-                  <a:schemeClr val="tx1">
-                    <a:lumMod val="50000"/>
-                    <a:lumOff val="50000"/>
-                  </a:schemeClr>
-                </a:solidFill>
-              </a:ln>
-            </p:spPr>
-            <p:style>
-              <a:lnRef idx="2">
-                <a:schemeClr val="accent1">
-                  <a:shade val="15000"/>
-                </a:schemeClr>
-              </a:lnRef>
-              <a:fillRef idx="1">
-                <a:schemeClr val="accent1"/>
-              </a:fillRef>
-              <a:effectRef idx="0">
-                <a:schemeClr val="accent1"/>
-              </a:effectRef>
-              <a:fontRef idx="minor">
-                <a:schemeClr val="lt1"/>
-              </a:fontRef>
-            </p:style>
-            <p:txBody>
-              <a:bodyPr rtlCol="0" anchor="ctr"/>
-              <a:lstStyle/>
-              <a:p>
-                <a:pPr algn="ctr"/>
-                <a:endParaRPr kumimoji="1" lang="ja-JP" altLang="en-US"/>
-              </a:p>
-            </p:txBody>
-          </p:sp>
-          <p:sp>
-            <p:nvSpPr>
-              <p:cNvPr id="79" name="四角形: 角を丸くする 78">
-                <a:extLst>
-                  <a:ext uri="{FF2B5EF4-FFF2-40B4-BE49-F238E27FC236}">
-                    <a16:creationId xmlns:a16="http://schemas.microsoft.com/office/drawing/2014/main" id="{83212183-D6E9-4BBE-3DCD-5FB568DA43C5}"/>
-                  </a:ext>
-                </a:extLst>
-              </p:cNvPr>
-              <p:cNvSpPr/>
-              <p:nvPr/>
-            </p:nvSpPr>
-            <p:spPr>
-              <a:xfrm flipH="1">
-                <a:off x="7684013" y="5757814"/>
-                <a:ext cx="207005" cy="352744"/>
-              </a:xfrm>
-              <a:prstGeom prst="roundRect">
-                <a:avLst>
-                  <a:gd name="adj" fmla="val 42382"/>
-                </a:avLst>
-              </a:prstGeom>
-              <a:noFill/>
-              <a:ln>
-                <a:solidFill>
-                  <a:schemeClr val="tx1">
-                    <a:lumMod val="50000"/>
-                    <a:lumOff val="50000"/>
-                  </a:schemeClr>
-                </a:solidFill>
-              </a:ln>
-            </p:spPr>
-            <p:style>
-              <a:lnRef idx="2">
-                <a:schemeClr val="accent1">
-                  <a:shade val="15000"/>
-                </a:schemeClr>
-              </a:lnRef>
-              <a:fillRef idx="1">
-                <a:schemeClr val="accent1"/>
-              </a:fillRef>
-              <a:effectRef idx="0">
-                <a:schemeClr val="accent1"/>
-              </a:effectRef>
-              <a:fontRef idx="minor">
-                <a:schemeClr val="lt1"/>
-              </a:fontRef>
-            </p:style>
-            <p:txBody>
-              <a:bodyPr rtlCol="0" anchor="ctr"/>
-              <a:lstStyle/>
-              <a:p>
-                <a:pPr algn="ctr"/>
-                <a:endParaRPr kumimoji="1" lang="ja-JP" altLang="en-US"/>
-              </a:p>
-            </p:txBody>
-          </p:sp>
-          <p:sp>
-            <p:nvSpPr>
-              <p:cNvPr id="80" name="四角形: 角を丸くする 79">
-                <a:extLst>
-                  <a:ext uri="{FF2B5EF4-FFF2-40B4-BE49-F238E27FC236}">
-                    <a16:creationId xmlns:a16="http://schemas.microsoft.com/office/drawing/2014/main" id="{725D12A5-5BFE-7771-C50B-EA388CFEC2B6}"/>
-                  </a:ext>
-                </a:extLst>
-              </p:cNvPr>
-              <p:cNvSpPr/>
-              <p:nvPr/>
-            </p:nvSpPr>
-            <p:spPr>
-              <a:xfrm flipH="1">
-                <a:off x="7739214" y="5536118"/>
-                <a:ext cx="96602" cy="352744"/>
-              </a:xfrm>
-              <a:prstGeom prst="roundRect">
-                <a:avLst>
-                  <a:gd name="adj" fmla="val 42382"/>
-                </a:avLst>
-              </a:prstGeom>
-              <a:noFill/>
-              <a:ln>
-                <a:solidFill>
-                  <a:schemeClr val="tx1">
-                    <a:lumMod val="50000"/>
-                    <a:lumOff val="50000"/>
-                  </a:schemeClr>
-                </a:solidFill>
-              </a:ln>
-            </p:spPr>
-            <p:style>
-              <a:lnRef idx="2">
-                <a:schemeClr val="accent1">
-                  <a:shade val="15000"/>
-                </a:schemeClr>
-              </a:lnRef>
-              <a:fillRef idx="1">
-                <a:schemeClr val="accent1"/>
-              </a:fillRef>
-              <a:effectRef idx="0">
-                <a:schemeClr val="accent1"/>
-              </a:effectRef>
-              <a:fontRef idx="minor">
-                <a:schemeClr val="lt1"/>
-              </a:fontRef>
-            </p:style>
-            <p:txBody>
-              <a:bodyPr rtlCol="0" anchor="ctr"/>
-              <a:lstStyle/>
-              <a:p>
-                <a:pPr algn="ctr"/>
-                <a:endParaRPr kumimoji="1" lang="ja-JP" altLang="en-US"/>
-              </a:p>
-            </p:txBody>
-          </p:sp>
-        </p:grpSp>
+                <a:latin typeface="メイリオ" panose="020B0604030504040204" pitchFamily="50" charset="-128"/>
+                <a:ea typeface="メイリオ" panose="020B0604030504040204" pitchFamily="50" charset="-128"/>
+              </a:endParaRPr>
+            </a:p>
+          </p:txBody>
+        </p:sp>
         <p:sp>
           <p:nvSpPr>
-            <p:cNvPr id="56" name="正方形/長方形 55">
+            <p:cNvPr id="310" name="吹き出し: 角を丸めた四角形 309">
               <a:extLst>
                 <a:ext uri="{FF2B5EF4-FFF2-40B4-BE49-F238E27FC236}">
-                  <a16:creationId xmlns:a16="http://schemas.microsoft.com/office/drawing/2014/main" id="{7FE0D979-9894-E6CB-B32C-BC1BA1CEF976}"/>
+                  <a16:creationId xmlns:a16="http://schemas.microsoft.com/office/drawing/2014/main" id="{8D674294-08E3-69A4-D094-FBA6B38D34D0}"/>
                 </a:ext>
               </a:extLst>
             </p:cNvPr>
@@ -20966,19 +17858,24 @@
           </p:nvSpPr>
           <p:spPr>
             <a:xfrm>
-              <a:off x="6851516" y="1388782"/>
-              <a:ext cx="1872000" cy="720000"/>
+              <a:off x="11901016" y="1842139"/>
+              <a:ext cx="2800767" cy="720000"/>
             </a:xfrm>
-            <a:prstGeom prst="rect">
-              <a:avLst/>
+            <a:prstGeom prst="wedgeRoundRectCallout">
+              <a:avLst>
+                <a:gd name="adj1" fmla="val 21175"/>
+                <a:gd name="adj2" fmla="val 89814"/>
+                <a:gd name="adj3" fmla="val 16667"/>
+              </a:avLst>
             </a:prstGeom>
-            <a:solidFill>
-              <a:schemeClr val="accent1">
-                <a:lumMod val="75000"/>
-              </a:schemeClr>
-            </a:solidFill>
+            <a:noFill/>
             <a:ln>
-              <a:noFill/>
+              <a:solidFill>
+                <a:schemeClr val="tx1">
+                  <a:lumMod val="85000"/>
+                  <a:lumOff val="15000"/>
+                </a:schemeClr>
+              </a:solidFill>
             </a:ln>
           </p:spPr>
           <p:style>
@@ -21002,1076 +17899,566 @@
             <a:lstStyle/>
             <a:p>
               <a:pPr algn="ctr"/>
-              <a:r>
-                <a:rPr kumimoji="1" lang="ja-JP" altLang="en-US" sz="1200" dirty="0">
-                  <a:solidFill>
-                    <a:schemeClr val="bg1"/>
-                  </a:solidFill>
-                  <a:latin typeface="メイリオ" panose="020B0604030504040204" pitchFamily="50" charset="-128"/>
-                  <a:ea typeface="メイリオ" panose="020B0604030504040204" pitchFamily="50" charset="-128"/>
-                </a:rPr>
-                <a:t>青い床に到達するまで</a:t>
-              </a:r>
-              <a:endParaRPr kumimoji="1" lang="en-US" altLang="ja-JP" sz="1200" dirty="0">
-                <a:solidFill>
-                  <a:schemeClr val="bg1"/>
-                </a:solidFill>
-                <a:latin typeface="メイリオ" panose="020B0604030504040204" pitchFamily="50" charset="-128"/>
-                <a:ea typeface="メイリオ" panose="020B0604030504040204" pitchFamily="50" charset="-128"/>
-              </a:endParaRPr>
-            </a:p>
-            <a:p>
-              <a:pPr algn="ctr"/>
-              <a:r>
-                <a:rPr kumimoji="1" lang="ja-JP" altLang="en-US" sz="1200" dirty="0">
-                  <a:solidFill>
-                    <a:schemeClr val="bg1"/>
-                  </a:solidFill>
-                  <a:latin typeface="メイリオ" panose="020B0604030504040204" pitchFamily="50" charset="-128"/>
-                  <a:ea typeface="メイリオ" panose="020B0604030504040204" pitchFamily="50" charset="-128"/>
-                </a:rPr>
-                <a:t>黒い線上を旋回する</a:t>
-              </a:r>
-              <a:endParaRPr kumimoji="1" lang="en-US" altLang="ja-JP" sz="1200" dirty="0">
-                <a:solidFill>
-                  <a:schemeClr val="bg1"/>
-                </a:solidFill>
-                <a:latin typeface="メイリオ" panose="020B0604030504040204" pitchFamily="50" charset="-128"/>
-                <a:ea typeface="メイリオ" panose="020B0604030504040204" pitchFamily="50" charset="-128"/>
-              </a:endParaRPr>
-            </a:p>
-            <a:p>
-              <a:pPr algn="ctr"/>
-              <a:r>
-                <a:rPr kumimoji="1" lang="ja-JP" altLang="en-US" sz="1200" dirty="0">
-                  <a:solidFill>
-                    <a:schemeClr val="bg1"/>
-                  </a:solidFill>
-                  <a:latin typeface="メイリオ" panose="020B0604030504040204" pitchFamily="50" charset="-128"/>
-                  <a:ea typeface="メイリオ" panose="020B0604030504040204" pitchFamily="50" charset="-128"/>
-                </a:rPr>
-                <a:t>アクション</a:t>
-              </a:r>
-            </a:p>
-          </p:txBody>
-        </p:sp>
-        <p:sp>
-          <p:nvSpPr>
-            <p:cNvPr id="57" name="正方形/長方形 56">
-              <a:extLst>
-                <a:ext uri="{FF2B5EF4-FFF2-40B4-BE49-F238E27FC236}">
-                  <a16:creationId xmlns:a16="http://schemas.microsoft.com/office/drawing/2014/main" id="{5D4122F2-40DC-00CE-5802-8E98452CBEF5}"/>
-                </a:ext>
-              </a:extLst>
-            </p:cNvPr>
-            <p:cNvSpPr/>
-            <p:nvPr/>
-          </p:nvSpPr>
-          <p:spPr>
-            <a:xfrm>
-              <a:off x="6851516" y="3477162"/>
-              <a:ext cx="1872000" cy="720000"/>
-            </a:xfrm>
-            <a:prstGeom prst="rect">
-              <a:avLst/>
-            </a:prstGeom>
-            <a:solidFill>
-              <a:schemeClr val="accent1">
-                <a:lumMod val="75000"/>
-              </a:schemeClr>
-            </a:solidFill>
-            <a:ln>
-              <a:noFill/>
-            </a:ln>
-          </p:spPr>
-          <p:style>
-            <a:lnRef idx="2">
-              <a:schemeClr val="accent1">
-                <a:shade val="15000"/>
-              </a:schemeClr>
-            </a:lnRef>
-            <a:fillRef idx="1">
-              <a:schemeClr val="accent1"/>
-            </a:fillRef>
-            <a:effectRef idx="0">
-              <a:schemeClr val="accent1"/>
-            </a:effectRef>
-            <a:fontRef idx="minor">
-              <a:schemeClr val="lt1"/>
-            </a:fontRef>
-          </p:style>
-          <p:txBody>
-            <a:bodyPr rtlCol="0" anchor="ctr"/>
-            <a:lstStyle/>
-            <a:p>
-              <a:pPr algn="ctr"/>
-              <a:r>
-                <a:rPr lang="ja-JP" altLang="en-US" sz="1200" dirty="0">
-                  <a:solidFill>
-                    <a:schemeClr val="bg1"/>
-                  </a:solidFill>
-                  <a:latin typeface="メイリオ" panose="020B0604030504040204" pitchFamily="50" charset="-128"/>
-                  <a:ea typeface="メイリオ" panose="020B0604030504040204" pitchFamily="50" charset="-128"/>
-                </a:rPr>
-                <a:t>黒</a:t>
-              </a:r>
-              <a:r>
-                <a:rPr kumimoji="1" lang="ja-JP" altLang="en-US" sz="1200" dirty="0">
-                  <a:solidFill>
-                    <a:schemeClr val="bg1"/>
-                  </a:solidFill>
-                  <a:latin typeface="メイリオ" panose="020B0604030504040204" pitchFamily="50" charset="-128"/>
-                  <a:ea typeface="メイリオ" panose="020B0604030504040204" pitchFamily="50" charset="-128"/>
-                </a:rPr>
-                <a:t>い床に到達するまで</a:t>
-              </a:r>
-              <a:endParaRPr kumimoji="1" lang="en-US" altLang="ja-JP" sz="1200" dirty="0">
-                <a:solidFill>
-                  <a:schemeClr val="bg1"/>
-                </a:solidFill>
-                <a:latin typeface="メイリオ" panose="020B0604030504040204" pitchFamily="50" charset="-128"/>
-                <a:ea typeface="メイリオ" panose="020B0604030504040204" pitchFamily="50" charset="-128"/>
-              </a:endParaRPr>
-            </a:p>
-            <a:p>
-              <a:pPr algn="ctr"/>
-              <a:r>
-                <a:rPr lang="ja-JP" altLang="en-US" sz="1200" dirty="0">
-                  <a:solidFill>
-                    <a:schemeClr val="bg1"/>
-                  </a:solidFill>
-                  <a:latin typeface="メイリオ" panose="020B0604030504040204" pitchFamily="50" charset="-128"/>
-                  <a:ea typeface="メイリオ" panose="020B0604030504040204" pitchFamily="50" charset="-128"/>
-                </a:rPr>
-                <a:t>青</a:t>
-              </a:r>
-              <a:r>
-                <a:rPr kumimoji="1" lang="ja-JP" altLang="en-US" sz="1200" dirty="0">
-                  <a:solidFill>
-                    <a:schemeClr val="bg1"/>
-                  </a:solidFill>
-                  <a:latin typeface="メイリオ" panose="020B0604030504040204" pitchFamily="50" charset="-128"/>
-                  <a:ea typeface="メイリオ" panose="020B0604030504040204" pitchFamily="50" charset="-128"/>
-                </a:rPr>
-                <a:t>い線上を旋回する</a:t>
-              </a:r>
-              <a:endParaRPr kumimoji="1" lang="en-US" altLang="ja-JP" sz="1200" dirty="0">
-                <a:solidFill>
-                  <a:schemeClr val="bg1"/>
-                </a:solidFill>
-                <a:latin typeface="メイリオ" panose="020B0604030504040204" pitchFamily="50" charset="-128"/>
-                <a:ea typeface="メイリオ" panose="020B0604030504040204" pitchFamily="50" charset="-128"/>
-              </a:endParaRPr>
-            </a:p>
-            <a:p>
-              <a:pPr algn="ctr"/>
-              <a:r>
-                <a:rPr lang="ja-JP" altLang="en-US" sz="1200" dirty="0">
-                  <a:solidFill>
-                    <a:schemeClr val="bg1"/>
-                  </a:solidFill>
-                  <a:latin typeface="メイリオ" panose="020B0604030504040204" pitchFamily="50" charset="-128"/>
-                  <a:ea typeface="メイリオ" panose="020B0604030504040204" pitchFamily="50" charset="-128"/>
-                </a:rPr>
-                <a:t>アクション</a:t>
-              </a:r>
-              <a:endParaRPr kumimoji="1" lang="ja-JP" altLang="en-US" sz="1200" dirty="0">
-                <a:solidFill>
-                  <a:schemeClr val="bg1"/>
-                </a:solidFill>
-                <a:latin typeface="メイリオ" panose="020B0604030504040204" pitchFamily="50" charset="-128"/>
-                <a:ea typeface="メイリオ" panose="020B0604030504040204" pitchFamily="50" charset="-128"/>
+              <a:endParaRPr kumimoji="1" lang="ja-JP" altLang="en-US">
+                <a:solidFill>
+                  <a:schemeClr val="tx1">
+                    <a:lumMod val="85000"/>
+                    <a:lumOff val="15000"/>
+                  </a:schemeClr>
+                </a:solidFill>
               </a:endParaRPr>
             </a:p>
           </p:txBody>
         </p:sp>
-        <p:sp>
-          <p:nvSpPr>
-            <p:cNvPr id="58" name="正方形/長方形 57">
-              <a:extLst>
-                <a:ext uri="{FF2B5EF4-FFF2-40B4-BE49-F238E27FC236}">
-                  <a16:creationId xmlns:a16="http://schemas.microsoft.com/office/drawing/2014/main" id="{AD2B0349-C50D-B9AD-998C-A5D1131E713B}"/>
-                </a:ext>
-              </a:extLst>
-            </p:cNvPr>
-            <p:cNvSpPr/>
-            <p:nvPr/>
-          </p:nvSpPr>
-          <p:spPr>
-            <a:xfrm>
-              <a:off x="6851516" y="4521351"/>
-              <a:ext cx="1872000" cy="720000"/>
-            </a:xfrm>
-            <a:prstGeom prst="rect">
-              <a:avLst/>
-            </a:prstGeom>
-            <a:solidFill>
-              <a:schemeClr val="accent1">
-                <a:lumMod val="75000"/>
-              </a:schemeClr>
-            </a:solidFill>
-            <a:ln>
-              <a:noFill/>
-            </a:ln>
-          </p:spPr>
-          <p:style>
-            <a:lnRef idx="2">
-              <a:schemeClr val="accent1">
-                <a:shade val="15000"/>
-              </a:schemeClr>
-            </a:lnRef>
-            <a:fillRef idx="1">
-              <a:schemeClr val="accent1"/>
-            </a:fillRef>
-            <a:effectRef idx="0">
-              <a:schemeClr val="accent1"/>
-            </a:effectRef>
-            <a:fontRef idx="minor">
-              <a:schemeClr val="lt1"/>
-            </a:fontRef>
-          </p:style>
-          <p:txBody>
-            <a:bodyPr rtlCol="0" anchor="ctr"/>
-            <a:lstStyle/>
-            <a:p>
-              <a:pPr algn="ctr"/>
-              <a:r>
-                <a:rPr kumimoji="1" lang="ja-JP" altLang="en-US" sz="1200" dirty="0">
-                  <a:solidFill>
-                    <a:schemeClr val="bg1"/>
-                  </a:solidFill>
-                  <a:latin typeface="メイリオ" panose="020B0604030504040204" pitchFamily="50" charset="-128"/>
-                  <a:ea typeface="メイリオ" panose="020B0604030504040204" pitchFamily="50" charset="-128"/>
-                </a:rPr>
-                <a:t>青い床に到達するまで</a:t>
-              </a:r>
-              <a:endParaRPr kumimoji="1" lang="en-US" altLang="ja-JP" sz="1200" dirty="0">
+      </p:grpSp>
+      <p:sp>
+        <p:nvSpPr>
+          <p:cNvPr id="311" name="正方形/長方形 310">
+            <a:extLst>
+              <a:ext uri="{FF2B5EF4-FFF2-40B4-BE49-F238E27FC236}">
+                <a16:creationId xmlns:a16="http://schemas.microsoft.com/office/drawing/2014/main" id="{D6BBE029-07B0-CD26-F905-B37DA30645EA}"/>
+              </a:ext>
+            </a:extLst>
+          </p:cNvPr>
+          <p:cNvSpPr/>
+          <p:nvPr/>
+        </p:nvSpPr>
+        <p:spPr>
+          <a:xfrm>
+            <a:off x="11749377" y="5256500"/>
+            <a:ext cx="1872000" cy="720000"/>
+          </a:xfrm>
+          <a:prstGeom prst="rect">
+            <a:avLst/>
+          </a:prstGeom>
+          <a:solidFill>
+            <a:schemeClr val="accent2">
+              <a:lumMod val="75000"/>
+            </a:schemeClr>
+          </a:solidFill>
+          <a:ln>
+            <a:noFill/>
+          </a:ln>
+        </p:spPr>
+        <p:style>
+          <a:lnRef idx="2">
+            <a:schemeClr val="accent1">
+              <a:shade val="15000"/>
+            </a:schemeClr>
+          </a:lnRef>
+          <a:fillRef idx="1">
+            <a:schemeClr val="accent1"/>
+          </a:fillRef>
+          <a:effectRef idx="0">
+            <a:schemeClr val="accent1"/>
+          </a:effectRef>
+          <a:fontRef idx="minor">
+            <a:schemeClr val="lt1"/>
+          </a:fontRef>
+        </p:style>
+        <p:txBody>
+          <a:bodyPr rtlCol="0" anchor="ctr"/>
+          <a:lstStyle/>
+          <a:p>
+            <a:pPr algn="ctr"/>
+            <a:r>
+              <a:rPr kumimoji="1" lang="ja-JP" altLang="en-US" sz="1200" dirty="0">
                 <a:solidFill>
                   <a:schemeClr val="bg1"/>
                 </a:solidFill>
                 <a:latin typeface="メイリオ" panose="020B0604030504040204" pitchFamily="50" charset="-128"/>
                 <a:ea typeface="メイリオ" panose="020B0604030504040204" pitchFamily="50" charset="-128"/>
-              </a:endParaRPr>
-            </a:p>
-            <a:p>
-              <a:pPr algn="ctr"/>
-              <a:r>
-                <a:rPr kumimoji="1" lang="ja-JP" altLang="en-US" sz="1200" dirty="0">
-                  <a:solidFill>
-                    <a:schemeClr val="bg1"/>
-                  </a:solidFill>
-                  <a:latin typeface="メイリオ" panose="020B0604030504040204" pitchFamily="50" charset="-128"/>
-                  <a:ea typeface="メイリオ" panose="020B0604030504040204" pitchFamily="50" charset="-128"/>
-                </a:rPr>
-                <a:t>黒い線上を旋回する</a:t>
-              </a:r>
-              <a:endParaRPr kumimoji="1" lang="en-US" altLang="ja-JP" sz="1200" dirty="0">
+              </a:rPr>
+              <a:t>青い床に到達するまで</a:t>
+            </a:r>
+            <a:endParaRPr kumimoji="1" lang="en-US" altLang="ja-JP" sz="1200" dirty="0">
+              <a:solidFill>
+                <a:schemeClr val="bg1"/>
+              </a:solidFill>
+              <a:latin typeface="メイリオ" panose="020B0604030504040204" pitchFamily="50" charset="-128"/>
+              <a:ea typeface="メイリオ" panose="020B0604030504040204" pitchFamily="50" charset="-128"/>
+            </a:endParaRPr>
+          </a:p>
+          <a:p>
+            <a:pPr algn="ctr"/>
+            <a:r>
+              <a:rPr kumimoji="1" lang="ja-JP" altLang="en-US" sz="1200" dirty="0">
                 <a:solidFill>
                   <a:schemeClr val="bg1"/>
                 </a:solidFill>
                 <a:latin typeface="メイリオ" panose="020B0604030504040204" pitchFamily="50" charset="-128"/>
                 <a:ea typeface="メイリオ" panose="020B0604030504040204" pitchFamily="50" charset="-128"/>
-              </a:endParaRPr>
-            </a:p>
-            <a:p>
-              <a:pPr algn="ctr"/>
-              <a:r>
-                <a:rPr lang="ja-JP" altLang="en-US" sz="1200" dirty="0">
-                  <a:solidFill>
-                    <a:schemeClr val="bg1"/>
-                  </a:solidFill>
-                  <a:latin typeface="メイリオ" panose="020B0604030504040204" pitchFamily="50" charset="-128"/>
-                  <a:ea typeface="メイリオ" panose="020B0604030504040204" pitchFamily="50" charset="-128"/>
-                </a:rPr>
-                <a:t>アクション</a:t>
-              </a:r>
-              <a:endParaRPr kumimoji="1" lang="ja-JP" altLang="en-US" sz="1200" dirty="0">
+              </a:rPr>
+              <a:t>黒い線上を旋回する</a:t>
+            </a:r>
+            <a:endParaRPr kumimoji="1" lang="en-US" altLang="ja-JP" sz="1200" dirty="0">
+              <a:solidFill>
+                <a:schemeClr val="bg1"/>
+              </a:solidFill>
+              <a:latin typeface="メイリオ" panose="020B0604030504040204" pitchFamily="50" charset="-128"/>
+              <a:ea typeface="メイリオ" panose="020B0604030504040204" pitchFamily="50" charset="-128"/>
+            </a:endParaRPr>
+          </a:p>
+          <a:p>
+            <a:pPr algn="ctr"/>
+            <a:r>
+              <a:rPr kumimoji="1" lang="ja-JP" altLang="en-US" sz="1200" dirty="0">
                 <a:solidFill>
                   <a:schemeClr val="bg1"/>
                 </a:solidFill>
                 <a:latin typeface="メイリオ" panose="020B0604030504040204" pitchFamily="50" charset="-128"/>
                 <a:ea typeface="メイリオ" panose="020B0604030504040204" pitchFamily="50" charset="-128"/>
-              </a:endParaRPr>
-            </a:p>
-          </p:txBody>
-        </p:sp>
-        <p:sp>
-          <p:nvSpPr>
-            <p:cNvPr id="59" name="正方形/長方形 58">
-              <a:extLst>
-                <a:ext uri="{FF2B5EF4-FFF2-40B4-BE49-F238E27FC236}">
-                  <a16:creationId xmlns:a16="http://schemas.microsoft.com/office/drawing/2014/main" id="{86B429D3-9FE0-C869-C814-F5E6179B6AA5}"/>
-                </a:ext>
-              </a:extLst>
-            </p:cNvPr>
-            <p:cNvSpPr/>
-            <p:nvPr/>
-          </p:nvSpPr>
-          <p:spPr>
-            <a:xfrm>
-              <a:off x="9416097" y="2432972"/>
-              <a:ext cx="1872000" cy="720000"/>
-            </a:xfrm>
-            <a:prstGeom prst="rect">
-              <a:avLst/>
-            </a:prstGeom>
+              </a:rPr>
+              <a:t>アクション</a:t>
+            </a:r>
+          </a:p>
+        </p:txBody>
+      </p:sp>
+      <p:cxnSp>
+        <p:nvCxnSpPr>
+          <p:cNvPr id="314" name="直線矢印コネクタ 313">
+            <a:extLst>
+              <a:ext uri="{FF2B5EF4-FFF2-40B4-BE49-F238E27FC236}">
+                <a16:creationId xmlns:a16="http://schemas.microsoft.com/office/drawing/2014/main" id="{D80AA56D-710F-77B7-6AA3-2279C4819A0E}"/>
+              </a:ext>
+            </a:extLst>
+          </p:cNvPr>
+          <p:cNvCxnSpPr>
+            <a:cxnSpLocks/>
+            <a:endCxn id="245" idx="0"/>
+          </p:cNvCxnSpPr>
+          <p:nvPr/>
+        </p:nvCxnSpPr>
+        <p:spPr>
+          <a:xfrm>
+            <a:off x="8279651" y="2343027"/>
+            <a:ext cx="0" cy="825093"/>
+          </a:xfrm>
+          <a:prstGeom prst="straightConnector1">
+            <a:avLst/>
+          </a:prstGeom>
+          <a:ln w="38100">
+            <a:tailEnd type="triangle"/>
+          </a:ln>
+        </p:spPr>
+        <p:style>
+          <a:lnRef idx="1">
+            <a:schemeClr val="accent1"/>
+          </a:lnRef>
+          <a:fillRef idx="0">
+            <a:schemeClr val="accent1"/>
+          </a:fillRef>
+          <a:effectRef idx="0">
+            <a:schemeClr val="accent1"/>
+          </a:effectRef>
+          <a:fontRef idx="minor">
+            <a:schemeClr val="tx1"/>
+          </a:fontRef>
+        </p:style>
+      </p:cxnSp>
+      <p:cxnSp>
+        <p:nvCxnSpPr>
+          <p:cNvPr id="316" name="直線矢印コネクタ 315">
+            <a:extLst>
+              <a:ext uri="{FF2B5EF4-FFF2-40B4-BE49-F238E27FC236}">
+                <a16:creationId xmlns:a16="http://schemas.microsoft.com/office/drawing/2014/main" id="{AD7D53AD-605D-DD76-E982-96DC74A66C99}"/>
+              </a:ext>
+            </a:extLst>
+          </p:cNvPr>
+          <p:cNvCxnSpPr>
+            <a:cxnSpLocks/>
+            <a:stCxn id="245" idx="2"/>
+            <a:endCxn id="246" idx="0"/>
+          </p:cNvCxnSpPr>
+          <p:nvPr/>
+        </p:nvCxnSpPr>
+        <p:spPr>
+          <a:xfrm>
+            <a:off x="8279651" y="3888120"/>
+            <a:ext cx="0" cy="1368379"/>
+          </a:xfrm>
+          <a:prstGeom prst="straightConnector1">
+            <a:avLst/>
+          </a:prstGeom>
+          <a:ln w="38100">
+            <a:tailEnd type="triangle"/>
+          </a:ln>
+        </p:spPr>
+        <p:style>
+          <a:lnRef idx="1">
+            <a:schemeClr val="accent1"/>
+          </a:lnRef>
+          <a:fillRef idx="0">
+            <a:schemeClr val="accent1"/>
+          </a:fillRef>
+          <a:effectRef idx="0">
+            <a:schemeClr val="accent1"/>
+          </a:effectRef>
+          <a:fontRef idx="minor">
+            <a:schemeClr val="tx1"/>
+          </a:fontRef>
+        </p:style>
+      </p:cxnSp>
+      <p:cxnSp>
+        <p:nvCxnSpPr>
+          <p:cNvPr id="319" name="直線矢印コネクタ 318">
+            <a:extLst>
+              <a:ext uri="{FF2B5EF4-FFF2-40B4-BE49-F238E27FC236}">
+                <a16:creationId xmlns:a16="http://schemas.microsoft.com/office/drawing/2014/main" id="{D7CEFCBF-1139-99E6-9680-80AE5AB53A7B}"/>
+              </a:ext>
+            </a:extLst>
+          </p:cNvPr>
+          <p:cNvCxnSpPr>
+            <a:cxnSpLocks/>
+            <a:stCxn id="246" idx="2"/>
+            <a:endCxn id="247" idx="0"/>
+          </p:cNvCxnSpPr>
+          <p:nvPr/>
+        </p:nvCxnSpPr>
+        <p:spPr>
+          <a:xfrm>
+            <a:off x="8279651" y="5976499"/>
+            <a:ext cx="0" cy="1582890"/>
+          </a:xfrm>
+          <a:prstGeom prst="straightConnector1">
+            <a:avLst/>
+          </a:prstGeom>
+          <a:ln w="38100">
+            <a:tailEnd type="triangle"/>
+          </a:ln>
+        </p:spPr>
+        <p:style>
+          <a:lnRef idx="1">
+            <a:schemeClr val="accent1"/>
+          </a:lnRef>
+          <a:fillRef idx="0">
+            <a:schemeClr val="accent1"/>
+          </a:fillRef>
+          <a:effectRef idx="0">
+            <a:schemeClr val="accent1"/>
+          </a:effectRef>
+          <a:fontRef idx="minor">
+            <a:schemeClr val="tx1"/>
+          </a:fontRef>
+        </p:style>
+      </p:cxnSp>
+      <p:cxnSp>
+        <p:nvCxnSpPr>
+          <p:cNvPr id="323" name="直線矢印コネクタ 322">
+            <a:extLst>
+              <a:ext uri="{FF2B5EF4-FFF2-40B4-BE49-F238E27FC236}">
+                <a16:creationId xmlns:a16="http://schemas.microsoft.com/office/drawing/2014/main" id="{42A8FD87-8FC2-B7C5-CB07-05951377E6C9}"/>
+              </a:ext>
+            </a:extLst>
+          </p:cNvPr>
+          <p:cNvCxnSpPr>
+            <a:cxnSpLocks/>
+            <a:stCxn id="247" idx="2"/>
+          </p:cNvCxnSpPr>
+          <p:nvPr/>
+        </p:nvCxnSpPr>
+        <p:spPr>
+          <a:xfrm>
+            <a:off x="8279651" y="8279389"/>
+            <a:ext cx="0" cy="825093"/>
+          </a:xfrm>
+          <a:prstGeom prst="straightConnector1">
+            <a:avLst/>
+          </a:prstGeom>
+          <a:ln w="38100">
+            <a:tailEnd type="triangle"/>
+          </a:ln>
+        </p:spPr>
+        <p:style>
+          <a:lnRef idx="1">
+            <a:schemeClr val="accent1"/>
+          </a:lnRef>
+          <a:fillRef idx="0">
+            <a:schemeClr val="accent1"/>
+          </a:fillRef>
+          <a:effectRef idx="0">
+            <a:schemeClr val="accent1"/>
+          </a:effectRef>
+          <a:fontRef idx="minor">
+            <a:schemeClr val="tx1"/>
+          </a:fontRef>
+        </p:style>
+      </p:cxnSp>
+      <p:cxnSp>
+        <p:nvCxnSpPr>
+          <p:cNvPr id="325" name="直線矢印コネクタ 324">
+            <a:extLst>
+              <a:ext uri="{FF2B5EF4-FFF2-40B4-BE49-F238E27FC236}">
+                <a16:creationId xmlns:a16="http://schemas.microsoft.com/office/drawing/2014/main" id="{DBC33175-4E25-1BE8-98E7-F948F9D640E1}"/>
+              </a:ext>
+            </a:extLst>
+          </p:cNvPr>
+          <p:cNvCxnSpPr>
+            <a:cxnSpLocks/>
+            <a:endCxn id="296" idx="0"/>
+          </p:cNvCxnSpPr>
+          <p:nvPr/>
+        </p:nvCxnSpPr>
+        <p:spPr>
+          <a:xfrm>
+            <a:off x="10503700" y="2343027"/>
+            <a:ext cx="0" cy="825093"/>
+          </a:xfrm>
+          <a:prstGeom prst="straightConnector1">
+            <a:avLst/>
+          </a:prstGeom>
+          <a:ln w="38100">
+            <a:tailEnd type="triangle"/>
+          </a:ln>
+        </p:spPr>
+        <p:style>
+          <a:lnRef idx="1">
+            <a:schemeClr val="accent1"/>
+          </a:lnRef>
+          <a:fillRef idx="0">
+            <a:schemeClr val="accent1"/>
+          </a:fillRef>
+          <a:effectRef idx="0">
+            <a:schemeClr val="accent1"/>
+          </a:effectRef>
+          <a:fontRef idx="minor">
+            <a:schemeClr val="tx1"/>
+          </a:fontRef>
+        </p:style>
+      </p:cxnSp>
+      <p:cxnSp>
+        <p:nvCxnSpPr>
+          <p:cNvPr id="327" name="直線矢印コネクタ 326">
+            <a:extLst>
+              <a:ext uri="{FF2B5EF4-FFF2-40B4-BE49-F238E27FC236}">
+                <a16:creationId xmlns:a16="http://schemas.microsoft.com/office/drawing/2014/main" id="{47BB32DA-F4F0-0C1E-DFB7-D6F37114A8BE}"/>
+              </a:ext>
+            </a:extLst>
+          </p:cNvPr>
+          <p:cNvCxnSpPr>
+            <a:cxnSpLocks/>
+            <a:stCxn id="298" idx="2"/>
+          </p:cNvCxnSpPr>
+          <p:nvPr/>
+        </p:nvCxnSpPr>
+        <p:spPr>
+          <a:xfrm>
+            <a:off x="10483211" y="8279389"/>
+            <a:ext cx="0" cy="825093"/>
+          </a:xfrm>
+          <a:prstGeom prst="straightConnector1">
+            <a:avLst/>
+          </a:prstGeom>
+          <a:ln w="38100">
+            <a:tailEnd type="triangle"/>
+          </a:ln>
+        </p:spPr>
+        <p:style>
+          <a:lnRef idx="1">
+            <a:schemeClr val="accent1"/>
+          </a:lnRef>
+          <a:fillRef idx="0">
+            <a:schemeClr val="accent1"/>
+          </a:fillRef>
+          <a:effectRef idx="0">
+            <a:schemeClr val="accent1"/>
+          </a:effectRef>
+          <a:fontRef idx="minor">
+            <a:schemeClr val="tx1"/>
+          </a:fontRef>
+        </p:style>
+      </p:cxnSp>
+      <p:cxnSp>
+        <p:nvCxnSpPr>
+          <p:cNvPr id="330" name="直線矢印コネクタ 329">
+            <a:extLst>
+              <a:ext uri="{FF2B5EF4-FFF2-40B4-BE49-F238E27FC236}">
+                <a16:creationId xmlns:a16="http://schemas.microsoft.com/office/drawing/2014/main" id="{EA6685BE-1DE4-6977-B6BF-23455883D913}"/>
+              </a:ext>
+            </a:extLst>
+          </p:cNvPr>
+          <p:cNvCxnSpPr>
+            <a:cxnSpLocks/>
+            <a:stCxn id="297" idx="2"/>
+            <a:endCxn id="298" idx="0"/>
+          </p:cNvCxnSpPr>
+          <p:nvPr/>
+        </p:nvCxnSpPr>
+        <p:spPr>
+          <a:xfrm>
+            <a:off x="10483211" y="7127944"/>
+            <a:ext cx="0" cy="431445"/>
+          </a:xfrm>
+          <a:prstGeom prst="straightConnector1">
+            <a:avLst/>
+          </a:prstGeom>
+          <a:ln w="38100">
+            <a:tailEnd type="triangle"/>
+          </a:ln>
+        </p:spPr>
+        <p:style>
+          <a:lnRef idx="1">
+            <a:schemeClr val="accent1"/>
+          </a:lnRef>
+          <a:fillRef idx="0">
+            <a:schemeClr val="accent1"/>
+          </a:fillRef>
+          <a:effectRef idx="0">
+            <a:schemeClr val="accent1"/>
+          </a:effectRef>
+          <a:fontRef idx="minor">
+            <a:schemeClr val="tx1"/>
+          </a:fontRef>
+        </p:style>
+      </p:cxnSp>
+      <p:cxnSp>
+        <p:nvCxnSpPr>
+          <p:cNvPr id="334" name="直線矢印コネクタ 333">
+            <a:extLst>
+              <a:ext uri="{FF2B5EF4-FFF2-40B4-BE49-F238E27FC236}">
+                <a16:creationId xmlns:a16="http://schemas.microsoft.com/office/drawing/2014/main" id="{A9F90BBA-F6E6-7DD4-84C0-F242F31E83A5}"/>
+              </a:ext>
+            </a:extLst>
+          </p:cNvPr>
+          <p:cNvCxnSpPr>
+            <a:cxnSpLocks/>
+            <a:endCxn id="297" idx="0"/>
+          </p:cNvCxnSpPr>
+          <p:nvPr/>
+        </p:nvCxnSpPr>
+        <p:spPr>
+          <a:xfrm flipH="1">
+            <a:off x="10483211" y="5937724"/>
+            <a:ext cx="1288032" cy="470220"/>
+          </a:xfrm>
+          <a:prstGeom prst="straightConnector1">
+            <a:avLst/>
+          </a:prstGeom>
+          <a:ln w="38100">
             <a:solidFill>
               <a:schemeClr val="accent2">
                 <a:lumMod val="75000"/>
               </a:schemeClr>
             </a:solidFill>
-            <a:ln>
-              <a:noFill/>
-            </a:ln>
-          </p:spPr>
-          <p:style>
-            <a:lnRef idx="2">
-              <a:schemeClr val="accent1">
-                <a:shade val="15000"/>
-              </a:schemeClr>
-            </a:lnRef>
-            <a:fillRef idx="1">
-              <a:schemeClr val="accent1"/>
-            </a:fillRef>
-            <a:effectRef idx="0">
-              <a:schemeClr val="accent1"/>
-            </a:effectRef>
-            <a:fontRef idx="minor">
-              <a:schemeClr val="lt1"/>
-            </a:fontRef>
-          </p:style>
-          <p:txBody>
-            <a:bodyPr rtlCol="0" anchor="ctr"/>
-            <a:lstStyle/>
-            <a:p>
-              <a:pPr algn="ctr"/>
-              <a:r>
-                <a:rPr kumimoji="1" lang="ja-JP" altLang="en-US" sz="1200" dirty="0">
-                  <a:solidFill>
-                    <a:schemeClr val="bg1"/>
-                  </a:solidFill>
-                  <a:latin typeface="メイリオ" panose="020B0604030504040204" pitchFamily="50" charset="-128"/>
-                  <a:ea typeface="メイリオ" panose="020B0604030504040204" pitchFamily="50" charset="-128"/>
-                </a:rPr>
-                <a:t>黒い線まで進む</a:t>
-              </a:r>
-              <a:endParaRPr kumimoji="1" lang="en-US" altLang="ja-JP" sz="1200" dirty="0">
-                <a:solidFill>
-                  <a:schemeClr val="bg1"/>
-                </a:solidFill>
-                <a:latin typeface="メイリオ" panose="020B0604030504040204" pitchFamily="50" charset="-128"/>
-                <a:ea typeface="メイリオ" panose="020B0604030504040204" pitchFamily="50" charset="-128"/>
-              </a:endParaRPr>
-            </a:p>
-            <a:p>
-              <a:pPr algn="ctr"/>
-              <a:r>
-                <a:rPr lang="ja-JP" altLang="en-US" sz="1200" dirty="0">
-                  <a:solidFill>
-                    <a:schemeClr val="bg1"/>
-                  </a:solidFill>
-                  <a:latin typeface="メイリオ" panose="020B0604030504040204" pitchFamily="50" charset="-128"/>
-                  <a:ea typeface="メイリオ" panose="020B0604030504040204" pitchFamily="50" charset="-128"/>
-                </a:rPr>
-                <a:t>アクション</a:t>
-              </a:r>
-              <a:endParaRPr kumimoji="1" lang="ja-JP" altLang="en-US" sz="1200" dirty="0">
-                <a:solidFill>
-                  <a:schemeClr val="bg1"/>
-                </a:solidFill>
-                <a:latin typeface="メイリオ" panose="020B0604030504040204" pitchFamily="50" charset="-128"/>
-                <a:ea typeface="メイリオ" panose="020B0604030504040204" pitchFamily="50" charset="-128"/>
-              </a:endParaRPr>
-            </a:p>
-          </p:txBody>
-        </p:sp>
-        <p:sp>
-          <p:nvSpPr>
-            <p:cNvPr id="60" name="正方形/長方形 59">
-              <a:extLst>
-                <a:ext uri="{FF2B5EF4-FFF2-40B4-BE49-F238E27FC236}">
-                  <a16:creationId xmlns:a16="http://schemas.microsoft.com/office/drawing/2014/main" id="{2BDCC361-B009-4AC4-6397-29E6416A75E8}"/>
-                </a:ext>
-              </a:extLst>
-            </p:cNvPr>
-            <p:cNvSpPr/>
-            <p:nvPr/>
-          </p:nvSpPr>
-          <p:spPr>
-            <a:xfrm>
-              <a:off x="9416096" y="3477162"/>
-              <a:ext cx="1872000" cy="720000"/>
-            </a:xfrm>
-            <a:prstGeom prst="rect">
-              <a:avLst/>
-            </a:prstGeom>
+            <a:tailEnd type="triangle"/>
+          </a:ln>
+        </p:spPr>
+        <p:style>
+          <a:lnRef idx="1">
+            <a:schemeClr val="accent1"/>
+          </a:lnRef>
+          <a:fillRef idx="0">
+            <a:schemeClr val="accent1"/>
+          </a:fillRef>
+          <a:effectRef idx="0">
+            <a:schemeClr val="accent1"/>
+          </a:effectRef>
+          <a:fontRef idx="minor">
+            <a:schemeClr val="tx1"/>
+          </a:fontRef>
+        </p:style>
+      </p:cxnSp>
+      <p:cxnSp>
+        <p:nvCxnSpPr>
+          <p:cNvPr id="338" name="直線矢印コネクタ 337">
+            <a:extLst>
+              <a:ext uri="{FF2B5EF4-FFF2-40B4-BE49-F238E27FC236}">
+                <a16:creationId xmlns:a16="http://schemas.microsoft.com/office/drawing/2014/main" id="{23C8FE8E-8223-38F1-26AF-BE060B0F8669}"/>
+              </a:ext>
+            </a:extLst>
+          </p:cNvPr>
+          <p:cNvCxnSpPr>
+            <a:cxnSpLocks/>
+            <a:stCxn id="296" idx="2"/>
+          </p:cNvCxnSpPr>
+          <p:nvPr/>
+        </p:nvCxnSpPr>
+        <p:spPr>
+          <a:xfrm>
+            <a:off x="10503700" y="3888120"/>
+            <a:ext cx="1253291" cy="324190"/>
+          </a:xfrm>
+          <a:prstGeom prst="straightConnector1">
+            <a:avLst/>
+          </a:prstGeom>
+          <a:ln w="38100">
             <a:solidFill>
               <a:schemeClr val="accent2">
                 <a:lumMod val="75000"/>
               </a:schemeClr>
             </a:solidFill>
-            <a:ln>
-              <a:noFill/>
-            </a:ln>
-          </p:spPr>
-          <p:style>
-            <a:lnRef idx="2">
-              <a:schemeClr val="accent1">
-                <a:shade val="15000"/>
-              </a:schemeClr>
-            </a:lnRef>
-            <a:fillRef idx="1">
-              <a:schemeClr val="accent1"/>
-            </a:fillRef>
-            <a:effectRef idx="0">
-              <a:schemeClr val="accent1"/>
-            </a:effectRef>
-            <a:fontRef idx="minor">
-              <a:schemeClr val="lt1"/>
-            </a:fontRef>
-          </p:style>
-          <p:txBody>
-            <a:bodyPr rtlCol="0" anchor="ctr"/>
-            <a:lstStyle/>
-            <a:p>
-              <a:pPr algn="ctr"/>
-              <a:r>
-                <a:rPr kumimoji="1" lang="ja-JP" altLang="en-US" sz="1200" dirty="0">
-                  <a:solidFill>
-                    <a:schemeClr val="bg1"/>
-                  </a:solidFill>
-                  <a:latin typeface="メイリオ" panose="020B0604030504040204" pitchFamily="50" charset="-128"/>
-                  <a:ea typeface="メイリオ" panose="020B0604030504040204" pitchFamily="50" charset="-128"/>
-                </a:rPr>
-                <a:t>黒い線の行先の方向にアクション</a:t>
-              </a:r>
-            </a:p>
-          </p:txBody>
-        </p:sp>
-        <p:sp>
-          <p:nvSpPr>
-            <p:cNvPr id="61" name="正方形/長方形 60">
-              <a:extLst>
-                <a:ext uri="{FF2B5EF4-FFF2-40B4-BE49-F238E27FC236}">
-                  <a16:creationId xmlns:a16="http://schemas.microsoft.com/office/drawing/2014/main" id="{CD7DD4DE-541B-6477-AB45-CED4350058AA}"/>
-                </a:ext>
-              </a:extLst>
-            </p:cNvPr>
-            <p:cNvSpPr/>
-            <p:nvPr/>
-          </p:nvSpPr>
-          <p:spPr>
-            <a:xfrm>
-              <a:off x="9416097" y="1388782"/>
-              <a:ext cx="1872000" cy="720000"/>
-            </a:xfrm>
-            <a:prstGeom prst="rect">
-              <a:avLst/>
-            </a:prstGeom>
+            <a:tailEnd type="triangle"/>
+          </a:ln>
+        </p:spPr>
+        <p:style>
+          <a:lnRef idx="1">
+            <a:schemeClr val="accent1"/>
+          </a:lnRef>
+          <a:fillRef idx="0">
+            <a:schemeClr val="accent1"/>
+          </a:fillRef>
+          <a:effectRef idx="0">
+            <a:schemeClr val="accent1"/>
+          </a:effectRef>
+          <a:fontRef idx="minor">
+            <a:schemeClr val="tx1"/>
+          </a:fontRef>
+        </p:style>
+      </p:cxnSp>
+      <p:cxnSp>
+        <p:nvCxnSpPr>
+          <p:cNvPr id="341" name="直線矢印コネクタ 340">
+            <a:extLst>
+              <a:ext uri="{FF2B5EF4-FFF2-40B4-BE49-F238E27FC236}">
+                <a16:creationId xmlns:a16="http://schemas.microsoft.com/office/drawing/2014/main" id="{0B926F03-7F18-39A8-E64A-DAF76878551C}"/>
+              </a:ext>
+            </a:extLst>
+          </p:cNvPr>
+          <p:cNvCxnSpPr>
+            <a:cxnSpLocks/>
+            <a:stCxn id="299" idx="2"/>
+            <a:endCxn id="311" idx="0"/>
+          </p:cNvCxnSpPr>
+          <p:nvPr/>
+        </p:nvCxnSpPr>
+        <p:spPr>
+          <a:xfrm>
+            <a:off x="12685377" y="4932310"/>
+            <a:ext cx="0" cy="324190"/>
+          </a:xfrm>
+          <a:prstGeom prst="straightConnector1">
+            <a:avLst/>
+          </a:prstGeom>
+          <a:ln w="38100">
             <a:solidFill>
               <a:schemeClr val="accent2">
                 <a:lumMod val="75000"/>
               </a:schemeClr>
             </a:solidFill>
-            <a:ln>
-              <a:noFill/>
-            </a:ln>
-          </p:spPr>
-          <p:style>
-            <a:lnRef idx="2">
-              <a:schemeClr val="accent1">
-                <a:shade val="15000"/>
-              </a:schemeClr>
-            </a:lnRef>
-            <a:fillRef idx="1">
-              <a:schemeClr val="accent1"/>
-            </a:fillRef>
-            <a:effectRef idx="0">
-              <a:schemeClr val="accent1"/>
-            </a:effectRef>
-            <a:fontRef idx="minor">
-              <a:schemeClr val="lt1"/>
-            </a:fontRef>
-          </p:style>
-          <p:txBody>
-            <a:bodyPr rtlCol="0" anchor="ctr"/>
-            <a:lstStyle/>
-            <a:p>
-              <a:pPr algn="ctr"/>
-              <a:r>
-                <a:rPr kumimoji="1" lang="ja-JP" altLang="en-US" sz="1200" dirty="0">
-                  <a:solidFill>
-                    <a:schemeClr val="bg1"/>
-                  </a:solidFill>
-                  <a:latin typeface="メイリオ" panose="020B0604030504040204" pitchFamily="50" charset="-128"/>
-                  <a:ea typeface="メイリオ" panose="020B0604030504040204" pitchFamily="50" charset="-128"/>
-                </a:rPr>
-                <a:t>黒い線を探して</a:t>
-              </a:r>
-              <a:endParaRPr kumimoji="1" lang="en-US" altLang="ja-JP" sz="1200" dirty="0">
-                <a:solidFill>
-                  <a:schemeClr val="bg1"/>
-                </a:solidFill>
-                <a:latin typeface="メイリオ" panose="020B0604030504040204" pitchFamily="50" charset="-128"/>
-                <a:ea typeface="メイリオ" panose="020B0604030504040204" pitchFamily="50" charset="-128"/>
-              </a:endParaRPr>
-            </a:p>
-            <a:p>
-              <a:pPr algn="ctr"/>
-              <a:r>
-                <a:rPr lang="ja-JP" altLang="en-US" sz="1200" dirty="0">
-                  <a:solidFill>
-                    <a:schemeClr val="bg1"/>
-                  </a:solidFill>
-                  <a:latin typeface="メイリオ" panose="020B0604030504040204" pitchFamily="50" charset="-128"/>
-                  <a:ea typeface="メイリオ" panose="020B0604030504040204" pitchFamily="50" charset="-128"/>
-                </a:rPr>
-                <a:t>周囲を見渡す</a:t>
-              </a:r>
-              <a:endParaRPr kumimoji="1" lang="en-US" altLang="ja-JP" sz="1200" dirty="0">
-                <a:solidFill>
-                  <a:schemeClr val="bg1"/>
-                </a:solidFill>
-                <a:latin typeface="メイリオ" panose="020B0604030504040204" pitchFamily="50" charset="-128"/>
-                <a:ea typeface="メイリオ" panose="020B0604030504040204" pitchFamily="50" charset="-128"/>
-              </a:endParaRPr>
-            </a:p>
-            <a:p>
-              <a:pPr algn="ctr"/>
-              <a:r>
-                <a:rPr lang="ja-JP" altLang="en-US" sz="1200" dirty="0">
-                  <a:solidFill>
-                    <a:schemeClr val="bg1"/>
-                  </a:solidFill>
-                  <a:latin typeface="メイリオ" panose="020B0604030504040204" pitchFamily="50" charset="-128"/>
-                  <a:ea typeface="メイリオ" panose="020B0604030504040204" pitchFamily="50" charset="-128"/>
-                </a:rPr>
-                <a:t>アクション</a:t>
-              </a:r>
-              <a:endParaRPr kumimoji="1" lang="ja-JP" altLang="en-US" sz="1200" dirty="0">
-                <a:solidFill>
-                  <a:schemeClr val="bg1"/>
-                </a:solidFill>
-                <a:latin typeface="メイリオ" panose="020B0604030504040204" pitchFamily="50" charset="-128"/>
-                <a:ea typeface="メイリオ" panose="020B0604030504040204" pitchFamily="50" charset="-128"/>
-              </a:endParaRPr>
-            </a:p>
-          </p:txBody>
-        </p:sp>
-        <p:sp>
-          <p:nvSpPr>
-            <p:cNvPr id="62" name="爆発: 8 pt 61">
-              <a:extLst>
-                <a:ext uri="{FF2B5EF4-FFF2-40B4-BE49-F238E27FC236}">
-                  <a16:creationId xmlns:a16="http://schemas.microsoft.com/office/drawing/2014/main" id="{0FD8B8D0-59B4-98B4-50B6-F986F6731AAD}"/>
-                </a:ext>
-              </a:extLst>
-            </p:cNvPr>
-            <p:cNvSpPr/>
-            <p:nvPr/>
-          </p:nvSpPr>
-          <p:spPr>
-            <a:xfrm>
-              <a:off x="8229296" y="712999"/>
-              <a:ext cx="914400" cy="914400"/>
-            </a:xfrm>
-            <a:prstGeom prst="irregularSeal1">
-              <a:avLst/>
-            </a:prstGeom>
-            <a:solidFill>
-              <a:schemeClr val="accent2"/>
-            </a:solidFill>
-            <a:ln>
-              <a:noFill/>
-            </a:ln>
-          </p:spPr>
-          <p:style>
-            <a:lnRef idx="2">
-              <a:schemeClr val="accent1">
-                <a:shade val="15000"/>
-              </a:schemeClr>
-            </a:lnRef>
-            <a:fillRef idx="1">
-              <a:schemeClr val="accent1"/>
-            </a:fillRef>
-            <a:effectRef idx="0">
-              <a:schemeClr val="accent1"/>
-            </a:effectRef>
-            <a:fontRef idx="minor">
-              <a:schemeClr val="lt1"/>
-            </a:fontRef>
-          </p:style>
-          <p:txBody>
-            <a:bodyPr rtlCol="0" anchor="ctr"/>
-            <a:lstStyle/>
-            <a:p>
-              <a:pPr algn="ctr"/>
-              <a:endParaRPr kumimoji="1" lang="ja-JP" altLang="en-US"/>
-            </a:p>
-          </p:txBody>
-        </p:sp>
-        <p:sp>
-          <p:nvSpPr>
-            <p:cNvPr id="63" name="テキスト ボックス 62">
-              <a:extLst>
-                <a:ext uri="{FF2B5EF4-FFF2-40B4-BE49-F238E27FC236}">
-                  <a16:creationId xmlns:a16="http://schemas.microsoft.com/office/drawing/2014/main" id="{E90A1183-1310-C02A-6D9A-CFFD148D7F9E}"/>
-                </a:ext>
-              </a:extLst>
-            </p:cNvPr>
-            <p:cNvSpPr txBox="1"/>
-            <p:nvPr/>
-          </p:nvSpPr>
-          <p:spPr>
-            <a:xfrm>
-              <a:off x="8554321" y="537356"/>
-              <a:ext cx="1723550" cy="276999"/>
-            </a:xfrm>
-            <a:prstGeom prst="rect">
-              <a:avLst/>
-            </a:prstGeom>
-            <a:noFill/>
-          </p:spPr>
-          <p:txBody>
-            <a:bodyPr wrap="none" rtlCol="0">
-              <a:spAutoFit/>
-            </a:bodyPr>
-            <a:lstStyle/>
-            <a:p>
-              <a:pPr algn="ctr"/>
-              <a:r>
-                <a:rPr kumimoji="1" lang="ja-JP" altLang="en-US" sz="1200" b="1" dirty="0">
-                  <a:solidFill>
-                    <a:schemeClr val="accent2">
-                      <a:lumMod val="75000"/>
-                    </a:schemeClr>
-                  </a:solidFill>
-                  <a:latin typeface="メイリオ" panose="020B0604030504040204" pitchFamily="50" charset="-128"/>
-                  <a:ea typeface="メイリオ" panose="020B0604030504040204" pitchFamily="50" charset="-128"/>
-                </a:rPr>
-                <a:t>黒い線を見失った！！</a:t>
-              </a:r>
-            </a:p>
-          </p:txBody>
-        </p:sp>
-        <p:sp>
-          <p:nvSpPr>
-            <p:cNvPr id="64" name="右大かっこ 63">
-              <a:extLst>
-                <a:ext uri="{FF2B5EF4-FFF2-40B4-BE49-F238E27FC236}">
-                  <a16:creationId xmlns:a16="http://schemas.microsoft.com/office/drawing/2014/main" id="{570DB76D-2EAD-34A4-E07D-075915894A45}"/>
-                </a:ext>
-              </a:extLst>
-            </p:cNvPr>
-            <p:cNvSpPr/>
-            <p:nvPr/>
-          </p:nvSpPr>
-          <p:spPr>
-            <a:xfrm>
-              <a:off x="11362534" y="1401608"/>
-              <a:ext cx="169380" cy="2795553"/>
-            </a:xfrm>
-            <a:prstGeom prst="rightBracket">
-              <a:avLst>
-                <a:gd name="adj" fmla="val 64908"/>
-              </a:avLst>
-            </a:prstGeom>
-            <a:ln>
-              <a:solidFill>
-                <a:schemeClr val="tx1">
-                  <a:lumMod val="85000"/>
-                  <a:lumOff val="15000"/>
-                </a:schemeClr>
-              </a:solidFill>
-            </a:ln>
-          </p:spPr>
-          <p:style>
-            <a:lnRef idx="2">
-              <a:schemeClr val="accent1"/>
-            </a:lnRef>
-            <a:fillRef idx="0">
-              <a:schemeClr val="accent1"/>
-            </a:fillRef>
-            <a:effectRef idx="1">
-              <a:schemeClr val="accent1"/>
-            </a:effectRef>
-            <a:fontRef idx="minor">
-              <a:schemeClr val="tx1"/>
-            </a:fontRef>
-          </p:style>
-          <p:txBody>
-            <a:bodyPr rtlCol="0" anchor="ctr"/>
-            <a:lstStyle/>
-            <a:p>
-              <a:pPr algn="ctr"/>
-              <a:endParaRPr kumimoji="1" lang="ja-JP" altLang="en-US"/>
-            </a:p>
-          </p:txBody>
-        </p:sp>
-        <p:grpSp>
-          <p:nvGrpSpPr>
-            <p:cNvPr id="65" name="グループ化 64">
-              <a:extLst>
-                <a:ext uri="{FF2B5EF4-FFF2-40B4-BE49-F238E27FC236}">
-                  <a16:creationId xmlns:a16="http://schemas.microsoft.com/office/drawing/2014/main" id="{98B978A8-14A6-FDFD-7A93-84FF926AA54F}"/>
-                </a:ext>
-              </a:extLst>
-            </p:cNvPr>
-            <p:cNvGrpSpPr/>
-            <p:nvPr/>
-          </p:nvGrpSpPr>
-          <p:grpSpPr>
-            <a:xfrm>
-              <a:off x="8947739" y="4749219"/>
-              <a:ext cx="3302695" cy="720000"/>
-              <a:chOff x="10058399" y="5241351"/>
-              <a:chExt cx="3302695" cy="720000"/>
-            </a:xfrm>
-          </p:grpSpPr>
-          <p:sp>
-            <p:nvSpPr>
-              <p:cNvPr id="69" name="テキスト ボックス 68">
-                <a:extLst>
-                  <a:ext uri="{FF2B5EF4-FFF2-40B4-BE49-F238E27FC236}">
-                    <a16:creationId xmlns:a16="http://schemas.microsoft.com/office/drawing/2014/main" id="{EA6388F8-F7B8-E1D5-227C-3798175BF5A3}"/>
-                  </a:ext>
-                </a:extLst>
-              </p:cNvPr>
-              <p:cNvSpPr txBox="1"/>
-              <p:nvPr/>
-            </p:nvSpPr>
-            <p:spPr>
-              <a:xfrm>
-                <a:off x="10098662" y="5370518"/>
-                <a:ext cx="3262432" cy="461665"/>
-              </a:xfrm>
-              <a:prstGeom prst="rect">
-                <a:avLst/>
-              </a:prstGeom>
-              <a:noFill/>
-            </p:spPr>
-            <p:txBody>
-              <a:bodyPr wrap="none" rtlCol="0">
-                <a:spAutoFit/>
-              </a:bodyPr>
-              <a:lstStyle/>
-              <a:p>
-                <a:r>
-                  <a:rPr kumimoji="1" lang="ja-JP" altLang="en-US" sz="1200" dirty="0">
-                    <a:solidFill>
-                      <a:schemeClr val="tx1">
-                        <a:lumMod val="85000"/>
-                        <a:lumOff val="15000"/>
-                      </a:schemeClr>
-                    </a:solidFill>
-                    <a:latin typeface="メイリオ" panose="020B0604030504040204" pitchFamily="50" charset="-128"/>
-                    <a:ea typeface="メイリオ" panose="020B0604030504040204" pitchFamily="50" charset="-128"/>
-                  </a:rPr>
-                  <a:t>次のポインタに</a:t>
-                </a:r>
-                <a:endParaRPr kumimoji="1" lang="en-US" altLang="ja-JP" sz="1200" dirty="0">
-                  <a:solidFill>
-                    <a:schemeClr val="tx1">
-                      <a:lumMod val="85000"/>
-                      <a:lumOff val="15000"/>
-                    </a:schemeClr>
-                  </a:solidFill>
-                  <a:latin typeface="メイリオ" panose="020B0604030504040204" pitchFamily="50" charset="-128"/>
-                  <a:ea typeface="メイリオ" panose="020B0604030504040204" pitchFamily="50" charset="-128"/>
-                </a:endParaRPr>
-              </a:p>
-              <a:p>
-                <a:r>
-                  <a:rPr kumimoji="1" lang="ja-JP" altLang="en-US" sz="1200" dirty="0">
-                    <a:solidFill>
-                      <a:schemeClr val="tx1">
-                        <a:lumMod val="85000"/>
-                        <a:lumOff val="15000"/>
-                      </a:schemeClr>
-                    </a:solidFill>
-                    <a:latin typeface="メイリオ" panose="020B0604030504040204" pitchFamily="50" charset="-128"/>
-                    <a:ea typeface="メイリオ" panose="020B0604030504040204" pitchFamily="50" charset="-128"/>
-                  </a:rPr>
-                  <a:t>もともと予定していた次回アクションを設定</a:t>
-                </a:r>
-                <a:endParaRPr lang="en-US" altLang="ja-JP" sz="1200" dirty="0">
-                  <a:solidFill>
-                    <a:schemeClr val="tx1">
-                      <a:lumMod val="85000"/>
-                      <a:lumOff val="15000"/>
-                    </a:schemeClr>
-                  </a:solidFill>
-                  <a:latin typeface="メイリオ" panose="020B0604030504040204" pitchFamily="50" charset="-128"/>
-                  <a:ea typeface="メイリオ" panose="020B0604030504040204" pitchFamily="50" charset="-128"/>
-                </a:endParaRPr>
-              </a:p>
-            </p:txBody>
-          </p:sp>
-          <p:sp>
-            <p:nvSpPr>
-              <p:cNvPr id="70" name="吹き出し: 角を丸めた四角形 69">
-                <a:extLst>
-                  <a:ext uri="{FF2B5EF4-FFF2-40B4-BE49-F238E27FC236}">
-                    <a16:creationId xmlns:a16="http://schemas.microsoft.com/office/drawing/2014/main" id="{2495A719-1B56-458E-1E5C-5A42E0ED27D2}"/>
-                  </a:ext>
-                </a:extLst>
-              </p:cNvPr>
-              <p:cNvSpPr/>
-              <p:nvPr/>
-            </p:nvSpPr>
-            <p:spPr>
-              <a:xfrm>
-                <a:off x="10058399" y="5241351"/>
-                <a:ext cx="3302695" cy="720000"/>
-              </a:xfrm>
-              <a:prstGeom prst="wedgeRoundRectCallout">
-                <a:avLst>
-                  <a:gd name="adj1" fmla="val -33534"/>
-                  <a:gd name="adj2" fmla="val -105163"/>
-                  <a:gd name="adj3" fmla="val 16667"/>
-                </a:avLst>
-              </a:prstGeom>
-              <a:noFill/>
-              <a:ln>
-                <a:solidFill>
-                  <a:schemeClr val="tx1">
-                    <a:lumMod val="85000"/>
-                    <a:lumOff val="15000"/>
-                  </a:schemeClr>
-                </a:solidFill>
-              </a:ln>
-            </p:spPr>
-            <p:style>
-              <a:lnRef idx="2">
-                <a:schemeClr val="accent1">
-                  <a:shade val="15000"/>
-                </a:schemeClr>
-              </a:lnRef>
-              <a:fillRef idx="1">
-                <a:schemeClr val="accent1"/>
-              </a:fillRef>
-              <a:effectRef idx="0">
-                <a:schemeClr val="accent1"/>
-              </a:effectRef>
-              <a:fontRef idx="minor">
-                <a:schemeClr val="lt1"/>
-              </a:fontRef>
-            </p:style>
-            <p:txBody>
-              <a:bodyPr rtlCol="0" anchor="ctr"/>
-              <a:lstStyle/>
-              <a:p>
-                <a:pPr algn="ctr"/>
-                <a:endParaRPr kumimoji="1" lang="ja-JP" altLang="en-US"/>
-              </a:p>
-            </p:txBody>
-          </p:sp>
-        </p:grpSp>
-        <p:grpSp>
-          <p:nvGrpSpPr>
-            <p:cNvPr id="66" name="グループ化 65">
-              <a:extLst>
-                <a:ext uri="{FF2B5EF4-FFF2-40B4-BE49-F238E27FC236}">
-                  <a16:creationId xmlns:a16="http://schemas.microsoft.com/office/drawing/2014/main" id="{CC7D7ED1-3A49-841C-60A1-7E5612DB0650}"/>
-                </a:ext>
-              </a:extLst>
-            </p:cNvPr>
-            <p:cNvGrpSpPr/>
-            <p:nvPr/>
-          </p:nvGrpSpPr>
-          <p:grpSpPr>
-            <a:xfrm>
-              <a:off x="10599087" y="519513"/>
-              <a:ext cx="2800767" cy="720000"/>
-              <a:chOff x="11901016" y="1842139"/>
-              <a:chExt cx="2800767" cy="720000"/>
-            </a:xfrm>
-          </p:grpSpPr>
-          <p:sp>
-            <p:nvSpPr>
-              <p:cNvPr id="67" name="テキスト ボックス 66">
-                <a:extLst>
-                  <a:ext uri="{FF2B5EF4-FFF2-40B4-BE49-F238E27FC236}">
-                    <a16:creationId xmlns:a16="http://schemas.microsoft.com/office/drawing/2014/main" id="{4C479876-B815-57DD-E2D6-5E77CABC675B}"/>
-                  </a:ext>
-                </a:extLst>
-              </p:cNvPr>
-              <p:cNvSpPr txBox="1"/>
-              <p:nvPr/>
-            </p:nvSpPr>
-            <p:spPr>
-              <a:xfrm>
-                <a:off x="11901016" y="1971307"/>
-                <a:ext cx="2800767" cy="461665"/>
-              </a:xfrm>
-              <a:prstGeom prst="rect">
-                <a:avLst/>
-              </a:prstGeom>
-              <a:noFill/>
-            </p:spPr>
-            <p:txBody>
-              <a:bodyPr wrap="none" rtlCol="0">
-                <a:spAutoFit/>
-              </a:bodyPr>
-              <a:lstStyle/>
-              <a:p>
-                <a:r>
-                  <a:rPr lang="ja-JP" altLang="en-US" sz="1200" dirty="0">
-                    <a:solidFill>
-                      <a:schemeClr val="tx1">
-                        <a:lumMod val="85000"/>
-                        <a:lumOff val="15000"/>
-                      </a:schemeClr>
-                    </a:solidFill>
-                    <a:latin typeface="メイリオ" panose="020B0604030504040204" pitchFamily="50" charset="-128"/>
-                    <a:ea typeface="メイリオ" panose="020B0604030504040204" pitchFamily="50" charset="-128"/>
-                  </a:rPr>
-                  <a:t>新しくインスタンス化した</a:t>
-                </a:r>
-                <a:r>
-                  <a:rPr kumimoji="1" lang="ja-JP" altLang="en-US" sz="1200" dirty="0">
-                    <a:solidFill>
-                      <a:schemeClr val="tx1">
-                        <a:lumMod val="85000"/>
-                        <a:lumOff val="15000"/>
-                      </a:schemeClr>
-                    </a:solidFill>
-                    <a:latin typeface="メイリオ" panose="020B0604030504040204" pitchFamily="50" charset="-128"/>
-                    <a:ea typeface="メイリオ" panose="020B0604030504040204" pitchFamily="50" charset="-128"/>
-                  </a:rPr>
-                  <a:t>アクション</a:t>
-                </a:r>
-                <a:endParaRPr kumimoji="1" lang="en-US" altLang="ja-JP" sz="1200" dirty="0">
-                  <a:solidFill>
-                    <a:schemeClr val="tx1">
-                      <a:lumMod val="85000"/>
-                      <a:lumOff val="15000"/>
-                    </a:schemeClr>
-                  </a:solidFill>
-                  <a:latin typeface="メイリオ" panose="020B0604030504040204" pitchFamily="50" charset="-128"/>
-                  <a:ea typeface="メイリオ" panose="020B0604030504040204" pitchFamily="50" charset="-128"/>
-                </a:endParaRPr>
-              </a:p>
-              <a:p>
-                <a:r>
-                  <a:rPr lang="en-US" altLang="ja-JP" sz="1200" dirty="0">
-                    <a:solidFill>
-                      <a:schemeClr val="tx1">
-                        <a:lumMod val="85000"/>
-                        <a:lumOff val="15000"/>
-                      </a:schemeClr>
-                    </a:solidFill>
-                    <a:latin typeface="メイリオ" panose="020B0604030504040204" pitchFamily="50" charset="-128"/>
-                    <a:ea typeface="メイリオ" panose="020B0604030504040204" pitchFamily="50" charset="-128"/>
-                  </a:rPr>
-                  <a:t>(</a:t>
-                </a:r>
-                <a:r>
-                  <a:rPr lang="ja-JP" altLang="en-US" sz="1200" dirty="0">
-                    <a:solidFill>
-                      <a:schemeClr val="tx1">
-                        <a:lumMod val="85000"/>
-                        <a:lumOff val="15000"/>
-                      </a:schemeClr>
-                    </a:solidFill>
-                    <a:latin typeface="メイリオ" panose="020B0604030504040204" pitchFamily="50" charset="-128"/>
-                    <a:ea typeface="メイリオ" panose="020B0604030504040204" pitchFamily="50" charset="-128"/>
-                  </a:rPr>
-                  <a:t>走路復帰アクション群の生成</a:t>
-                </a:r>
-                <a:r>
-                  <a:rPr lang="en-US" altLang="ja-JP" sz="1200" dirty="0">
-                    <a:solidFill>
-                      <a:schemeClr val="tx1">
-                        <a:lumMod val="85000"/>
-                        <a:lumOff val="15000"/>
-                      </a:schemeClr>
-                    </a:solidFill>
-                    <a:latin typeface="メイリオ" panose="020B0604030504040204" pitchFamily="50" charset="-128"/>
-                    <a:ea typeface="メイリオ" panose="020B0604030504040204" pitchFamily="50" charset="-128"/>
-                  </a:rPr>
-                  <a:t>)</a:t>
-                </a:r>
-                <a:endParaRPr kumimoji="1" lang="ja-JP" altLang="en-US" sz="1200" dirty="0">
-                  <a:solidFill>
-                    <a:schemeClr val="tx1">
-                      <a:lumMod val="85000"/>
-                      <a:lumOff val="15000"/>
-                    </a:schemeClr>
-                  </a:solidFill>
-                  <a:latin typeface="メイリオ" panose="020B0604030504040204" pitchFamily="50" charset="-128"/>
-                  <a:ea typeface="メイリオ" panose="020B0604030504040204" pitchFamily="50" charset="-128"/>
-                </a:endParaRPr>
-              </a:p>
-            </p:txBody>
-          </p:sp>
-          <p:sp>
-            <p:nvSpPr>
-              <p:cNvPr id="68" name="吹き出し: 角を丸めた四角形 67">
-                <a:extLst>
-                  <a:ext uri="{FF2B5EF4-FFF2-40B4-BE49-F238E27FC236}">
-                    <a16:creationId xmlns:a16="http://schemas.microsoft.com/office/drawing/2014/main" id="{860EA549-9D32-F5CE-AE76-FCF32C77C736}"/>
-                  </a:ext>
-                </a:extLst>
-              </p:cNvPr>
-              <p:cNvSpPr/>
-              <p:nvPr/>
-            </p:nvSpPr>
-            <p:spPr>
-              <a:xfrm>
-                <a:off x="11901016" y="1842139"/>
-                <a:ext cx="2800767" cy="720000"/>
-              </a:xfrm>
-              <a:prstGeom prst="wedgeRoundRectCallout">
-                <a:avLst>
-                  <a:gd name="adj1" fmla="val -20444"/>
-                  <a:gd name="adj2" fmla="val 63734"/>
-                  <a:gd name="adj3" fmla="val 16667"/>
-                </a:avLst>
-              </a:prstGeom>
-              <a:noFill/>
-              <a:ln>
-                <a:solidFill>
-                  <a:schemeClr val="tx1">
-                    <a:lumMod val="85000"/>
-                    <a:lumOff val="15000"/>
-                  </a:schemeClr>
-                </a:solidFill>
-              </a:ln>
-            </p:spPr>
-            <p:style>
-              <a:lnRef idx="2">
-                <a:schemeClr val="accent1">
-                  <a:shade val="15000"/>
-                </a:schemeClr>
-              </a:lnRef>
-              <a:fillRef idx="1">
-                <a:schemeClr val="accent1"/>
-              </a:fillRef>
-              <a:effectRef idx="0">
-                <a:schemeClr val="accent1"/>
-              </a:effectRef>
-              <a:fontRef idx="minor">
-                <a:schemeClr val="lt1"/>
-              </a:fontRef>
-            </p:style>
-            <p:txBody>
-              <a:bodyPr rtlCol="0" anchor="ctr"/>
-              <a:lstStyle/>
-              <a:p>
-                <a:pPr algn="ctr"/>
-                <a:endParaRPr kumimoji="1" lang="ja-JP" altLang="en-US"/>
-              </a:p>
-            </p:txBody>
-          </p:sp>
-        </p:grpSp>
-      </p:grpSp>
+            <a:tailEnd type="triangle"/>
+          </a:ln>
+        </p:spPr>
+        <p:style>
+          <a:lnRef idx="1">
+            <a:schemeClr val="accent1"/>
+          </a:lnRef>
+          <a:fillRef idx="0">
+            <a:schemeClr val="accent1"/>
+          </a:fillRef>
+          <a:effectRef idx="0">
+            <a:schemeClr val="accent1"/>
+          </a:effectRef>
+          <a:fontRef idx="minor">
+            <a:schemeClr val="tx1"/>
+          </a:fontRef>
+        </p:style>
+      </p:cxnSp>
       <p:sp>
         <p:nvSpPr>
-          <p:cNvPr id="113" name="テキスト ボックス 112">
+          <p:cNvPr id="345" name="テキスト ボックス 344">
             <a:extLst>
               <a:ext uri="{FF2B5EF4-FFF2-40B4-BE49-F238E27FC236}">
-                <a16:creationId xmlns:a16="http://schemas.microsoft.com/office/drawing/2014/main" id="{24AD0914-6581-874E-F14E-31492D9A445A}"/>
+                <a16:creationId xmlns:a16="http://schemas.microsoft.com/office/drawing/2014/main" id="{F975BA21-9059-C0F8-3213-86F1E1AF96D6}"/>
               </a:ext>
             </a:extLst>
           </p:cNvPr>
@@ -22080,8 +18467,8 @@
         </p:nvSpPr>
         <p:spPr>
           <a:xfrm>
-            <a:off x="1210020" y="737394"/>
-            <a:ext cx="1107996" cy="276999"/>
+            <a:off x="7610239" y="1474172"/>
+            <a:ext cx="1338828" cy="646331"/>
           </a:xfrm>
           <a:prstGeom prst="rect">
             <a:avLst/>
@@ -22094,8 +18481,9 @@
           </a:bodyPr>
           <a:lstStyle/>
           <a:p>
-            <a:r>
-              <a:rPr lang="ja-JP" altLang="en-US" sz="1200" b="1" dirty="0">
+            <a:pPr algn="ctr"/>
+            <a:r>
+              <a:rPr lang="ja-JP" altLang="en-US" sz="1800" dirty="0">
                 <a:solidFill>
                   <a:schemeClr val="tx1">
                     <a:lumMod val="85000"/>
@@ -22105,9 +18493,9 @@
                 <a:latin typeface="メイリオ" panose="020B0604030504040204" pitchFamily="50" charset="-128"/>
                 <a:ea typeface="メイリオ" panose="020B0604030504040204" pitchFamily="50" charset="-128"/>
               </a:rPr>
-              <a:t>直面した課題</a:t>
-            </a:r>
-            <a:endParaRPr kumimoji="1" lang="ja-JP" altLang="en-US" sz="1200" b="1" dirty="0">
+              <a:t>理想的な</a:t>
+            </a:r>
+            <a:endParaRPr lang="en-US" altLang="ja-JP" sz="1800" dirty="0">
               <a:solidFill>
                 <a:schemeClr val="tx1">
                   <a:lumMod val="85000"/>
@@ -22118,14 +18506,30 @@
               <a:ea typeface="メイリオ" panose="020B0604030504040204" pitchFamily="50" charset="-128"/>
             </a:endParaRPr>
           </a:p>
+          <a:p>
+            <a:pPr algn="ctr"/>
+            <a:r>
+              <a:rPr kumimoji="1" lang="ja-JP" altLang="en-US" sz="1800" dirty="0">
+                <a:solidFill>
+                  <a:schemeClr val="tx1">
+                    <a:lumMod val="85000"/>
+                    <a:lumOff val="15000"/>
+                  </a:schemeClr>
+                </a:solidFill>
+                <a:latin typeface="メイリオ" panose="020B0604030504040204" pitchFamily="50" charset="-128"/>
+                <a:ea typeface="メイリオ" panose="020B0604030504040204" pitchFamily="50" charset="-128"/>
+              </a:rPr>
+              <a:t>実践の流れ</a:t>
+            </a:r>
+          </a:p>
         </p:txBody>
       </p:sp>
       <p:sp>
         <p:nvSpPr>
-          <p:cNvPr id="114" name="テキスト ボックス 113">
+          <p:cNvPr id="346" name="テキスト ボックス 345">
             <a:extLst>
               <a:ext uri="{FF2B5EF4-FFF2-40B4-BE49-F238E27FC236}">
-                <a16:creationId xmlns:a16="http://schemas.microsoft.com/office/drawing/2014/main" id="{54E60102-7C71-6315-FCF4-ED108D9215D2}"/>
+                <a16:creationId xmlns:a16="http://schemas.microsoft.com/office/drawing/2014/main" id="{4C914930-A764-D8AE-D861-BA8498912C9B}"/>
               </a:ext>
             </a:extLst>
           </p:cNvPr>
@@ -22134,8 +18538,8 @@
         </p:nvSpPr>
         <p:spPr>
           <a:xfrm>
-            <a:off x="1210020" y="1092275"/>
-            <a:ext cx="7051930" cy="646331"/>
+            <a:off x="9813800" y="1474172"/>
+            <a:ext cx="1338828" cy="646331"/>
           </a:xfrm>
           <a:prstGeom prst="rect">
             <a:avLst/>
@@ -22148,8 +18552,9 @@
           </a:bodyPr>
           <a:lstStyle/>
           <a:p>
-            <a:r>
-              <a:rPr lang="ja-JP" altLang="en-US" sz="1200" dirty="0">
+            <a:pPr algn="ctr"/>
+            <a:r>
+              <a:rPr kumimoji="1" lang="ja-JP" altLang="en-US" sz="1800" dirty="0">
                 <a:solidFill>
                   <a:schemeClr val="tx1">
                     <a:lumMod val="85000"/>
@@ -22159,9 +18564,9 @@
                 <a:latin typeface="メイリオ" panose="020B0604030504040204" pitchFamily="50" charset="-128"/>
                 <a:ea typeface="メイリオ" panose="020B0604030504040204" pitchFamily="50" charset="-128"/>
               </a:rPr>
-              <a:t>コース戦略をプログラムに落とし込むときに、</a:t>
-            </a:r>
-            <a:endParaRPr lang="en-US" altLang="ja-JP" sz="1200" dirty="0">
+              <a:t>失敗時の</a:t>
+            </a:r>
+            <a:endParaRPr kumimoji="1" lang="en-US" altLang="ja-JP" sz="1800" dirty="0">
               <a:solidFill>
                 <a:schemeClr val="tx1">
                   <a:lumMod val="85000"/>
@@ -22173,8 +18578,9 @@
             </a:endParaRPr>
           </a:p>
           <a:p>
-            <a:r>
-              <a:rPr kumimoji="1" lang="ja-JP" altLang="en-US" sz="1200" dirty="0">
+            <a:pPr algn="ctr"/>
+            <a:r>
+              <a:rPr lang="ja-JP" altLang="en-US" sz="1800" dirty="0">
                 <a:solidFill>
                   <a:schemeClr val="tx1">
                     <a:lumMod val="85000"/>
@@ -22184,35 +18590,9 @@
                 <a:latin typeface="メイリオ" panose="020B0604030504040204" pitchFamily="50" charset="-128"/>
                 <a:ea typeface="メイリオ" panose="020B0604030504040204" pitchFamily="50" charset="-128"/>
               </a:rPr>
-              <a:t>・どこからどこまでが</a:t>
-            </a:r>
-            <a:r>
-              <a:rPr kumimoji="1" lang="en-US" altLang="ja-JP" sz="1200" dirty="0">
-                <a:solidFill>
-                  <a:schemeClr val="tx1">
-                    <a:lumMod val="85000"/>
-                    <a:lumOff val="15000"/>
-                  </a:schemeClr>
-                </a:solidFill>
-                <a:latin typeface="メイリオ" panose="020B0604030504040204" pitchFamily="50" charset="-128"/>
-                <a:ea typeface="メイリオ" panose="020B0604030504040204" pitchFamily="50" charset="-128"/>
-              </a:rPr>
-              <a:t>1</a:t>
-            </a:r>
-            <a:r>
-              <a:rPr kumimoji="1" lang="ja-JP" altLang="en-US" sz="1200" dirty="0">
-                <a:solidFill>
-                  <a:schemeClr val="tx1">
-                    <a:lumMod val="85000"/>
-                    <a:lumOff val="15000"/>
-                  </a:schemeClr>
-                </a:solidFill>
-                <a:latin typeface="メイリオ" panose="020B0604030504040204" pitchFamily="50" charset="-128"/>
-                <a:ea typeface="メイリオ" panose="020B0604030504040204" pitchFamily="50" charset="-128"/>
-              </a:rPr>
-              <a:t>つの処理単位なのかがあいまいになって、大規模なコースになりがちである</a:t>
-            </a:r>
-            <a:endParaRPr kumimoji="1" lang="en-US" altLang="ja-JP" sz="1200" dirty="0">
+              <a:t>実践の流れ</a:t>
+            </a:r>
+            <a:endParaRPr kumimoji="1" lang="ja-JP" altLang="en-US" sz="1800" dirty="0">
               <a:solidFill>
                 <a:schemeClr val="tx1">
                   <a:lumMod val="85000"/>
@@ -22223,39 +18603,14 @@
               <a:ea typeface="メイリオ" panose="020B0604030504040204" pitchFamily="50" charset="-128"/>
             </a:endParaRPr>
           </a:p>
-          <a:p>
-            <a:r>
-              <a:rPr lang="ja-JP" altLang="en-US" sz="1200" dirty="0">
-                <a:solidFill>
-                  <a:schemeClr val="tx1">
-                    <a:lumMod val="85000"/>
-                    <a:lumOff val="15000"/>
-                  </a:schemeClr>
-                </a:solidFill>
-                <a:latin typeface="メイリオ" panose="020B0604030504040204" pitchFamily="50" charset="-128"/>
-                <a:ea typeface="メイリオ" panose="020B0604030504040204" pitchFamily="50" charset="-128"/>
-              </a:rPr>
-              <a:t>・戦略に変更があった場合、プログラム全体の修正が必要になり、作業コストが高い</a:t>
-            </a:r>
-            <a:endParaRPr kumimoji="1" lang="ja-JP" altLang="en-US" sz="1200" dirty="0">
-              <a:solidFill>
-                <a:schemeClr val="tx1">
-                  <a:lumMod val="85000"/>
-                  <a:lumOff val="15000"/>
-                </a:schemeClr>
-              </a:solidFill>
-              <a:latin typeface="メイリオ" panose="020B0604030504040204" pitchFamily="50" charset="-128"/>
-              <a:ea typeface="メイリオ" panose="020B0604030504040204" pitchFamily="50" charset="-128"/>
-            </a:endParaRPr>
-          </a:p>
         </p:txBody>
       </p:sp>
       <p:sp>
         <p:nvSpPr>
-          <p:cNvPr id="115" name="テキスト ボックス 114">
+          <p:cNvPr id="437" name="テキスト ボックス 436">
             <a:extLst>
               <a:ext uri="{FF2B5EF4-FFF2-40B4-BE49-F238E27FC236}">
-                <a16:creationId xmlns:a16="http://schemas.microsoft.com/office/drawing/2014/main" id="{9C3C9CEA-FF89-78DD-F04F-6E57FD608BDC}"/>
+                <a16:creationId xmlns:a16="http://schemas.microsoft.com/office/drawing/2014/main" id="{6896FADA-53ED-869A-1204-ADC2EA981524}"/>
               </a:ext>
             </a:extLst>
           </p:cNvPr>
@@ -22264,8 +18619,8 @@
         </p:nvSpPr>
         <p:spPr>
           <a:xfrm>
-            <a:off x="1210020" y="1816488"/>
-            <a:ext cx="646331" cy="276999"/>
+            <a:off x="8429406" y="9413633"/>
+            <a:ext cx="5032148" cy="738664"/>
           </a:xfrm>
           <a:prstGeom prst="rect">
             <a:avLst/>
@@ -22278,8 +18633,9 @@
           </a:bodyPr>
           <a:lstStyle/>
           <a:p>
-            <a:r>
-              <a:rPr kumimoji="1" lang="ja-JP" altLang="en-US" sz="1200" b="1" dirty="0">
+            <a:pPr algn="ctr"/>
+            <a:r>
+              <a:rPr kumimoji="1" lang="ja-JP" altLang="en-US" sz="1400" dirty="0">
                 <a:solidFill>
                   <a:schemeClr val="tx1">
                     <a:lumMod val="85000"/>
@@ -22289,41 +18645,10 @@
                 <a:latin typeface="メイリオ" panose="020B0604030504040204" pitchFamily="50" charset="-128"/>
                 <a:ea typeface="メイリオ" panose="020B0604030504040204" pitchFamily="50" charset="-128"/>
               </a:rPr>
-              <a:t>解決策</a:t>
-            </a:r>
-          </a:p>
-        </p:txBody>
-      </p:sp>
-      <p:sp>
-        <p:nvSpPr>
-          <p:cNvPr id="116" name="テキスト ボックス 115">
-            <a:extLst>
-              <a:ext uri="{FF2B5EF4-FFF2-40B4-BE49-F238E27FC236}">
-                <a16:creationId xmlns:a16="http://schemas.microsoft.com/office/drawing/2014/main" id="{0916279D-BDCF-A773-A430-CB76A5537FB0}"/>
-              </a:ext>
-            </a:extLst>
-          </p:cNvPr>
-          <p:cNvSpPr txBox="1"/>
-          <p:nvPr/>
-        </p:nvSpPr>
-        <p:spPr>
-          <a:xfrm>
-            <a:off x="1210020" y="2171369"/>
-            <a:ext cx="9110186" cy="646331"/>
-          </a:xfrm>
-          <a:prstGeom prst="rect">
-            <a:avLst/>
-          </a:prstGeom>
-          <a:noFill/>
-        </p:spPr>
-        <p:txBody>
-          <a:bodyPr wrap="none" rtlCol="0">
-            <a:spAutoFit/>
-          </a:bodyPr>
-          <a:lstStyle/>
-          <a:p>
-            <a:r>
-              <a:rPr kumimoji="1" lang="ja-JP" altLang="en-US" sz="1200" dirty="0">
+              <a:t>図</a:t>
+            </a:r>
+            <a:r>
+              <a:rPr kumimoji="1" lang="en-US" altLang="ja-JP" sz="1400" dirty="0">
                 <a:solidFill>
                   <a:schemeClr val="tx1">
                     <a:lumMod val="85000"/>
@@ -22333,10 +18658,10 @@
                 <a:latin typeface="メイリオ" panose="020B0604030504040204" pitchFamily="50" charset="-128"/>
                 <a:ea typeface="メイリオ" panose="020B0604030504040204" pitchFamily="50" charset="-128"/>
               </a:rPr>
-              <a:t>戦略立案で分割したコース区間上の実践</a:t>
-            </a:r>
-            <a:r>
-              <a:rPr lang="ja-JP" altLang="en-US" sz="1200" dirty="0">
+              <a:t>4.1 </a:t>
+            </a:r>
+            <a:r>
+              <a:rPr kumimoji="1" lang="ja-JP" altLang="en-US" sz="1400" dirty="0">
                 <a:solidFill>
                   <a:schemeClr val="tx1">
                     <a:lumMod val="85000"/>
@@ -22346,61 +18671,9 @@
                 <a:latin typeface="メイリオ" panose="020B0604030504040204" pitchFamily="50" charset="-128"/>
                 <a:ea typeface="メイリオ" panose="020B0604030504040204" pitchFamily="50" charset="-128"/>
               </a:rPr>
-              <a:t>単位を</a:t>
-            </a:r>
-            <a:r>
-              <a:rPr kumimoji="1" lang="en-US" altLang="ja-JP" sz="1200" dirty="0">
-                <a:solidFill>
-                  <a:schemeClr val="tx1">
-                    <a:lumMod val="85000"/>
-                    <a:lumOff val="15000"/>
-                  </a:schemeClr>
-                </a:solidFill>
-                <a:latin typeface="メイリオ" panose="020B0604030504040204" pitchFamily="50" charset="-128"/>
-                <a:ea typeface="メイリオ" panose="020B0604030504040204" pitchFamily="50" charset="-128"/>
-              </a:rPr>
-              <a:t>『</a:t>
-            </a:r>
-            <a:r>
-              <a:rPr kumimoji="1" lang="ja-JP" altLang="en-US" sz="1200" dirty="0">
-                <a:solidFill>
-                  <a:schemeClr val="tx1">
-                    <a:lumMod val="85000"/>
-                    <a:lumOff val="15000"/>
-                  </a:schemeClr>
-                </a:solidFill>
-                <a:latin typeface="メイリオ" panose="020B0604030504040204" pitchFamily="50" charset="-128"/>
-                <a:ea typeface="メイリオ" panose="020B0604030504040204" pitchFamily="50" charset="-128"/>
-              </a:rPr>
-              <a:t>アクション</a:t>
-            </a:r>
-            <a:r>
-              <a:rPr kumimoji="1" lang="en-US" altLang="ja-JP" sz="1200" dirty="0">
-                <a:solidFill>
-                  <a:schemeClr val="tx1">
-                    <a:lumMod val="85000"/>
-                    <a:lumOff val="15000"/>
-                  </a:schemeClr>
-                </a:solidFill>
-                <a:latin typeface="メイリオ" panose="020B0604030504040204" pitchFamily="50" charset="-128"/>
-                <a:ea typeface="メイリオ" panose="020B0604030504040204" pitchFamily="50" charset="-128"/>
-              </a:rPr>
-              <a:t>』</a:t>
-            </a:r>
-            <a:r>
-              <a:rPr kumimoji="1" lang="ja-JP" altLang="en-US" sz="1200" dirty="0">
-                <a:solidFill>
-                  <a:schemeClr val="tx1">
-                    <a:lumMod val="85000"/>
-                    <a:lumOff val="15000"/>
-                  </a:schemeClr>
-                </a:solidFill>
-                <a:latin typeface="メイリオ" panose="020B0604030504040204" pitchFamily="50" charset="-128"/>
-                <a:ea typeface="メイリオ" panose="020B0604030504040204" pitchFamily="50" charset="-128"/>
-              </a:rPr>
-              <a:t>としてクラス化した。</a:t>
-            </a:r>
-            <a:endParaRPr kumimoji="1" lang="en-US" altLang="ja-JP" sz="1200" dirty="0">
+              <a:t>実行中に次のアクションの並び替え</a:t>
+            </a:r>
+            <a:endParaRPr kumimoji="1" lang="en-US" altLang="ja-JP" sz="1400" dirty="0">
               <a:solidFill>
                 <a:schemeClr val="tx1">
                   <a:lumMod val="85000"/>
@@ -22412,8 +18685,9 @@
             </a:endParaRPr>
           </a:p>
           <a:p>
-            <a:r>
-              <a:rPr lang="ja-JP" altLang="en-US" sz="1200" dirty="0">
+            <a:pPr algn="ctr"/>
+            <a:r>
+              <a:rPr lang="ja-JP" altLang="en-US" sz="1400" dirty="0">
                 <a:solidFill>
                   <a:schemeClr val="tx1">
                     <a:lumMod val="85000"/>
@@ -22423,9 +18697,9 @@
                 <a:latin typeface="メイリオ" panose="020B0604030504040204" pitchFamily="50" charset="-128"/>
                 <a:ea typeface="メイリオ" panose="020B0604030504040204" pitchFamily="50" charset="-128"/>
               </a:rPr>
-              <a:t>アクションインスタンスは次のアクションインスタンスのポインタを持っており、ポインタを手繰り寄せるようにして実行する。</a:t>
-            </a:r>
-            <a:endParaRPr lang="en-US" altLang="ja-JP" sz="1200" dirty="0">
+              <a:t>ポインタのつなぎ替えと新しいアクションのインスタンス化</a:t>
+            </a:r>
+            <a:endParaRPr lang="en-US" altLang="ja-JP" sz="1400" dirty="0">
               <a:solidFill>
                 <a:schemeClr val="tx1">
                   <a:lumMod val="85000"/>
@@ -22437,8 +18711,9 @@
             </a:endParaRPr>
           </a:p>
           <a:p>
-            <a:r>
-              <a:rPr lang="ja-JP" altLang="en-US" sz="1200" dirty="0">
+            <a:pPr algn="ctr"/>
+            <a:r>
+              <a:rPr kumimoji="1" lang="ja-JP" altLang="en-US" sz="1400" dirty="0">
                 <a:solidFill>
                   <a:schemeClr val="tx1">
                     <a:lumMod val="85000"/>
@@ -22448,184 +18723,15 @@
                 <a:latin typeface="メイリオ" panose="020B0604030504040204" pitchFamily="50" charset="-128"/>
                 <a:ea typeface="メイリオ" panose="020B0604030504040204" pitchFamily="50" charset="-128"/>
               </a:rPr>
-              <a:t>戦略の流れをそのままプログラムのデータ構造に投影できる。（アクションチェーン）</a:t>
-            </a:r>
-            <a:endParaRPr kumimoji="1" lang="en-US" altLang="ja-JP" sz="1200" dirty="0">
-              <a:solidFill>
-                <a:schemeClr val="tx1">
-                  <a:lumMod val="85000"/>
-                  <a:lumOff val="15000"/>
-                </a:schemeClr>
-              </a:solidFill>
-              <a:latin typeface="メイリオ" panose="020B0604030504040204" pitchFamily="50" charset="-128"/>
-              <a:ea typeface="メイリオ" panose="020B0604030504040204" pitchFamily="50" charset="-128"/>
-            </a:endParaRPr>
-          </a:p>
-        </p:txBody>
-      </p:sp>
-      <p:sp>
-        <p:nvSpPr>
-          <p:cNvPr id="117" name="テキスト ボックス 116">
-            <a:extLst>
-              <a:ext uri="{FF2B5EF4-FFF2-40B4-BE49-F238E27FC236}">
-                <a16:creationId xmlns:a16="http://schemas.microsoft.com/office/drawing/2014/main" id="{22E047CF-FC8D-49E8-8AD4-E5D55CAF1E02}"/>
-              </a:ext>
-            </a:extLst>
-          </p:cNvPr>
-          <p:cNvSpPr txBox="1"/>
-          <p:nvPr/>
-        </p:nvSpPr>
-        <p:spPr>
-          <a:xfrm>
-            <a:off x="1210020" y="2895582"/>
-            <a:ext cx="492443" cy="276999"/>
-          </a:xfrm>
-          <a:prstGeom prst="rect">
-            <a:avLst/>
-          </a:prstGeom>
-          <a:noFill/>
-        </p:spPr>
-        <p:txBody>
-          <a:bodyPr wrap="none" rtlCol="0">
-            <a:spAutoFit/>
-          </a:bodyPr>
-          <a:lstStyle/>
-          <a:p>
-            <a:r>
-              <a:rPr kumimoji="1" lang="ja-JP" altLang="en-US" sz="1200" b="1" dirty="0">
-                <a:solidFill>
-                  <a:schemeClr val="tx1">
-                    <a:lumMod val="85000"/>
-                    <a:lumOff val="15000"/>
-                  </a:schemeClr>
-                </a:solidFill>
-                <a:latin typeface="メイリオ" panose="020B0604030504040204" pitchFamily="50" charset="-128"/>
-                <a:ea typeface="メイリオ" panose="020B0604030504040204" pitchFamily="50" charset="-128"/>
-              </a:rPr>
-              <a:t>効果</a:t>
-            </a:r>
-            <a:endParaRPr kumimoji="1" lang="en-US" altLang="ja-JP" sz="1200" b="1" dirty="0">
-              <a:solidFill>
-                <a:schemeClr val="tx1">
-                  <a:lumMod val="85000"/>
-                  <a:lumOff val="15000"/>
-                </a:schemeClr>
-              </a:solidFill>
-              <a:latin typeface="メイリオ" panose="020B0604030504040204" pitchFamily="50" charset="-128"/>
-              <a:ea typeface="メイリオ" panose="020B0604030504040204" pitchFamily="50" charset="-128"/>
-            </a:endParaRPr>
-          </a:p>
-        </p:txBody>
-      </p:sp>
-      <p:sp>
-        <p:nvSpPr>
-          <p:cNvPr id="118" name="テキスト ボックス 117">
-            <a:extLst>
-              <a:ext uri="{FF2B5EF4-FFF2-40B4-BE49-F238E27FC236}">
-                <a16:creationId xmlns:a16="http://schemas.microsoft.com/office/drawing/2014/main" id="{2375169F-94F3-7BF5-A883-C1302DFF9862}"/>
-              </a:ext>
-            </a:extLst>
-          </p:cNvPr>
-          <p:cNvSpPr txBox="1"/>
-          <p:nvPr/>
-        </p:nvSpPr>
-        <p:spPr>
-          <a:xfrm>
-            <a:off x="1210020" y="3250462"/>
-            <a:ext cx="12699310" cy="461665"/>
-          </a:xfrm>
-          <a:prstGeom prst="rect">
-            <a:avLst/>
-          </a:prstGeom>
-          <a:noFill/>
-        </p:spPr>
-        <p:txBody>
-          <a:bodyPr wrap="none" rtlCol="0">
-            <a:spAutoFit/>
-          </a:bodyPr>
-          <a:lstStyle/>
-          <a:p>
-            <a:r>
-              <a:rPr kumimoji="1" lang="en-US" altLang="ja-JP" sz="1200" dirty="0">
-                <a:solidFill>
-                  <a:schemeClr val="tx1">
-                    <a:lumMod val="85000"/>
-                    <a:lumOff val="15000"/>
-                  </a:schemeClr>
-                </a:solidFill>
-                <a:latin typeface="メイリオ" panose="020B0604030504040204" pitchFamily="50" charset="-128"/>
-                <a:ea typeface="メイリオ" panose="020B0604030504040204" pitchFamily="50" charset="-128"/>
-              </a:rPr>
-              <a:t>1. </a:t>
-            </a:r>
-            <a:r>
-              <a:rPr kumimoji="1" lang="ja-JP" altLang="en-US" sz="1200" dirty="0">
-                <a:solidFill>
-                  <a:schemeClr val="tx1">
-                    <a:lumMod val="85000"/>
-                    <a:lumOff val="15000"/>
-                  </a:schemeClr>
-                </a:solidFill>
-                <a:latin typeface="メイリオ" panose="020B0604030504040204" pitchFamily="50" charset="-128"/>
-                <a:ea typeface="メイリオ" panose="020B0604030504040204" pitchFamily="50" charset="-128"/>
-              </a:rPr>
-              <a:t>戦略上の「区間」とプログラム上の「アクション」の対応関係が明確で、メンバーは「このアクションは戦略のこの部分だ」とすぐに理解でき、認識のズレを防ぐことができた。</a:t>
-            </a:r>
-            <a:endParaRPr kumimoji="1" lang="en-US" altLang="ja-JP" sz="1200" dirty="0">
-              <a:solidFill>
-                <a:schemeClr val="tx1">
-                  <a:lumMod val="85000"/>
-                  <a:lumOff val="15000"/>
-                </a:schemeClr>
-              </a:solidFill>
-              <a:latin typeface="メイリオ" panose="020B0604030504040204" pitchFamily="50" charset="-128"/>
-              <a:ea typeface="メイリオ" panose="020B0604030504040204" pitchFamily="50" charset="-128"/>
-            </a:endParaRPr>
-          </a:p>
-          <a:p>
-            <a:r>
-              <a:rPr kumimoji="1" lang="en-US" altLang="ja-JP" sz="1200" dirty="0">
-                <a:solidFill>
-                  <a:schemeClr val="tx1">
-                    <a:lumMod val="85000"/>
-                    <a:lumOff val="15000"/>
-                  </a:schemeClr>
-                </a:solidFill>
-                <a:latin typeface="メイリオ" panose="020B0604030504040204" pitchFamily="50" charset="-128"/>
-                <a:ea typeface="メイリオ" panose="020B0604030504040204" pitchFamily="50" charset="-128"/>
-              </a:rPr>
-              <a:t>2. </a:t>
-            </a:r>
-            <a:r>
-              <a:rPr kumimoji="1" lang="ja-JP" altLang="en-US" sz="1200" dirty="0">
-                <a:solidFill>
-                  <a:schemeClr val="tx1">
-                    <a:lumMod val="85000"/>
-                    <a:lumOff val="15000"/>
-                  </a:schemeClr>
-                </a:solidFill>
-                <a:latin typeface="メイリオ" panose="020B0604030504040204" pitchFamily="50" charset="-128"/>
-                <a:ea typeface="メイリオ" panose="020B0604030504040204" pitchFamily="50" charset="-128"/>
-              </a:rPr>
-              <a:t>実行中に動作を切り替える柔軟性を獲得した</a:t>
-            </a:r>
-            <a:endParaRPr kumimoji="1" lang="en-US" altLang="ja-JP" sz="1200" dirty="0">
-              <a:solidFill>
-                <a:schemeClr val="tx1">
-                  <a:lumMod val="85000"/>
-                  <a:lumOff val="15000"/>
-                </a:schemeClr>
-              </a:solidFill>
-              <a:latin typeface="メイリオ" panose="020B0604030504040204" pitchFamily="50" charset="-128"/>
-              <a:ea typeface="メイリオ" panose="020B0604030504040204" pitchFamily="50" charset="-128"/>
-            </a:endParaRPr>
+              <a:t>でこれを実現する</a:t>
+            </a:r>
           </a:p>
         </p:txBody>
       </p:sp>
     </p:spTree>
     <p:extLst>
       <p:ext uri="{BB962C8B-B14F-4D97-AF65-F5344CB8AC3E}">
-        <p14:creationId xmlns:p14="http://schemas.microsoft.com/office/powerpoint/2010/main" val="3238716692"/>
+        <p14:creationId xmlns:p14="http://schemas.microsoft.com/office/powerpoint/2010/main" val="3411628382"/>
       </p:ext>
     </p:extLst>
   </p:cSld>
